--- a/01 DOM & UI/01 DOM & UI.pptx
+++ b/01 DOM & UI/01 DOM & UI.pptx
@@ -25,7 +25,11 @@
     <p:sldId id="286" r:id="rId19"/>
     <p:sldId id="287" r:id="rId20"/>
     <p:sldId id="288" r:id="rId21"/>
-    <p:sldId id="289" r:id="rId22"/>
+    <p:sldId id="290" r:id="rId22"/>
+    <p:sldId id="291" r:id="rId23"/>
+    <p:sldId id="292" r:id="rId24"/>
+    <p:sldId id="293" r:id="rId25"/>
+    <p:sldId id="289" r:id="rId26"/>
   </p:sldIdLst>
   <p:sldSz cx="12192000" cy="6858000"/>
   <p:notesSz cx="6858000" cy="9144000"/>
@@ -149,6 +153,10 @@
             <p14:sldId id="286"/>
             <p14:sldId id="287"/>
             <p14:sldId id="288"/>
+            <p14:sldId id="290"/>
+            <p14:sldId id="291"/>
+            <p14:sldId id="292"/>
+            <p14:sldId id="293"/>
             <p14:sldId id="289"/>
           </p14:sldIdLst>
         </p14:section>
@@ -319,7 +327,7 @@
           <a:p>
             <a:fld id="{99F87D24-CCAB-44C4-ACFC-37342AA3EA4E}" type="datetimeFigureOut">
               <a:rPr lang="zh-CN" altLang="en-US" smtClean="0"/>
-              <a:t>2025/2/6</a:t>
+              <a:t>2025/2/7</a:t>
             </a:fld>
             <a:endParaRPr lang="zh-CN" altLang="en-US"/>
           </a:p>
@@ -517,7 +525,7 @@
           <a:p>
             <a:fld id="{99F87D24-CCAB-44C4-ACFC-37342AA3EA4E}" type="datetimeFigureOut">
               <a:rPr lang="zh-CN" altLang="en-US" smtClean="0"/>
-              <a:t>2025/2/6</a:t>
+              <a:t>2025/2/7</a:t>
             </a:fld>
             <a:endParaRPr lang="zh-CN" altLang="en-US"/>
           </a:p>
@@ -725,7 +733,7 @@
           <a:p>
             <a:fld id="{99F87D24-CCAB-44C4-ACFC-37342AA3EA4E}" type="datetimeFigureOut">
               <a:rPr lang="zh-CN" altLang="en-US" smtClean="0"/>
-              <a:t>2025/2/6</a:t>
+              <a:t>2025/2/7</a:t>
             </a:fld>
             <a:endParaRPr lang="zh-CN" altLang="en-US"/>
           </a:p>
@@ -923,7 +931,7 @@
           <a:p>
             <a:fld id="{99F87D24-CCAB-44C4-ACFC-37342AA3EA4E}" type="datetimeFigureOut">
               <a:rPr lang="zh-CN" altLang="en-US" smtClean="0"/>
-              <a:t>2025/2/6</a:t>
+              <a:t>2025/2/7</a:t>
             </a:fld>
             <a:endParaRPr lang="zh-CN" altLang="en-US"/>
           </a:p>
@@ -1198,7 +1206,7 @@
           <a:p>
             <a:fld id="{99F87D24-CCAB-44C4-ACFC-37342AA3EA4E}" type="datetimeFigureOut">
               <a:rPr lang="zh-CN" altLang="en-US" smtClean="0"/>
-              <a:t>2025/2/6</a:t>
+              <a:t>2025/2/7</a:t>
             </a:fld>
             <a:endParaRPr lang="zh-CN" altLang="en-US"/>
           </a:p>
@@ -1463,7 +1471,7 @@
           <a:p>
             <a:fld id="{99F87D24-CCAB-44C4-ACFC-37342AA3EA4E}" type="datetimeFigureOut">
               <a:rPr lang="zh-CN" altLang="en-US" smtClean="0"/>
-              <a:t>2025/2/6</a:t>
+              <a:t>2025/2/7</a:t>
             </a:fld>
             <a:endParaRPr lang="zh-CN" altLang="en-US"/>
           </a:p>
@@ -1875,7 +1883,7 @@
           <a:p>
             <a:fld id="{99F87D24-CCAB-44C4-ACFC-37342AA3EA4E}" type="datetimeFigureOut">
               <a:rPr lang="zh-CN" altLang="en-US" smtClean="0"/>
-              <a:t>2025/2/6</a:t>
+              <a:t>2025/2/7</a:t>
             </a:fld>
             <a:endParaRPr lang="zh-CN" altLang="en-US"/>
           </a:p>
@@ -2016,7 +2024,7 @@
           <a:p>
             <a:fld id="{99F87D24-CCAB-44C4-ACFC-37342AA3EA4E}" type="datetimeFigureOut">
               <a:rPr lang="zh-CN" altLang="en-US" smtClean="0"/>
-              <a:t>2025/2/6</a:t>
+              <a:t>2025/2/7</a:t>
             </a:fld>
             <a:endParaRPr lang="zh-CN" altLang="en-US"/>
           </a:p>
@@ -2129,7 +2137,7 @@
           <a:p>
             <a:fld id="{99F87D24-CCAB-44C4-ACFC-37342AA3EA4E}" type="datetimeFigureOut">
               <a:rPr lang="zh-CN" altLang="en-US" smtClean="0"/>
-              <a:t>2025/2/6</a:t>
+              <a:t>2025/2/7</a:t>
             </a:fld>
             <a:endParaRPr lang="zh-CN" altLang="en-US"/>
           </a:p>
@@ -2440,7 +2448,7 @@
           <a:p>
             <a:fld id="{99F87D24-CCAB-44C4-ACFC-37342AA3EA4E}" type="datetimeFigureOut">
               <a:rPr lang="zh-CN" altLang="en-US" smtClean="0"/>
-              <a:t>2025/2/6</a:t>
+              <a:t>2025/2/7</a:t>
             </a:fld>
             <a:endParaRPr lang="zh-CN" altLang="en-US"/>
           </a:p>
@@ -2731,7 +2739,7 @@
           <a:p>
             <a:fld id="{99F87D24-CCAB-44C4-ACFC-37342AA3EA4E}" type="datetimeFigureOut">
               <a:rPr lang="zh-CN" altLang="en-US" smtClean="0"/>
-              <a:t>2025/2/6</a:t>
+              <a:t>2025/2/7</a:t>
             </a:fld>
             <a:endParaRPr lang="zh-CN" altLang="en-US"/>
           </a:p>
@@ -2972,7 +2980,7 @@
           <a:p>
             <a:fld id="{99F87D24-CCAB-44C4-ACFC-37342AA3EA4E}" type="datetimeFigureOut">
               <a:rPr lang="zh-CN" altLang="en-US" smtClean="0"/>
-              <a:t>2025/2/6</a:t>
+              <a:t>2025/2/7</a:t>
             </a:fld>
             <a:endParaRPr lang="zh-CN" altLang="en-US"/>
           </a:p>
@@ -4153,13 +4161,13 @@
   <p:clrMapOvr>
     <a:masterClrMapping/>
   </p:clrMapOvr>
-  <mc:AlternateContent xmlns:mc="http://schemas.openxmlformats.org/markup-compatibility/2006">
-    <mc:Choice xmlns:p159="http://schemas.microsoft.com/office/powerpoint/2015/09/main" Requires="p159">
+  <mc:AlternateContent xmlns:mc="http://schemas.openxmlformats.org/markup-compatibility/2006" xmlns:p159="http://schemas.microsoft.com/office/powerpoint/2015/09/main">
+    <mc:Choice Requires="p159">
       <p:transition xmlns:p14="http://schemas.microsoft.com/office/powerpoint/2010/main" spd="slow" p14:dur="2000">
         <p159:morph option="byObject"/>
       </p:transition>
     </mc:Choice>
-    <mc:Fallback>
+    <mc:Fallback xmlns="">
       <p:transition spd="slow">
         <p:fade/>
       </p:transition>
@@ -4589,13 +4597,13 @@
   <p:clrMapOvr>
     <a:masterClrMapping/>
   </p:clrMapOvr>
-  <mc:AlternateContent xmlns:mc="http://schemas.openxmlformats.org/markup-compatibility/2006">
-    <mc:Choice xmlns:p159="http://schemas.microsoft.com/office/powerpoint/2015/09/main" Requires="p159">
+  <mc:AlternateContent xmlns:mc="http://schemas.openxmlformats.org/markup-compatibility/2006" xmlns:p159="http://schemas.microsoft.com/office/powerpoint/2015/09/main">
+    <mc:Choice Requires="p159">
       <p:transition xmlns:p14="http://schemas.microsoft.com/office/powerpoint/2010/main" spd="slow" p14:dur="2000">
         <p159:morph option="byObject"/>
       </p:transition>
     </mc:Choice>
-    <mc:Fallback>
+    <mc:Fallback xmlns="">
       <p:transition spd="slow">
         <p:fade/>
       </p:transition>
@@ -5072,13 +5080,13 @@
   <p:clrMapOvr>
     <a:masterClrMapping/>
   </p:clrMapOvr>
-  <mc:AlternateContent xmlns:mc="http://schemas.openxmlformats.org/markup-compatibility/2006">
-    <mc:Choice xmlns:p159="http://schemas.microsoft.com/office/powerpoint/2015/09/main" Requires="p159">
+  <mc:AlternateContent xmlns:mc="http://schemas.openxmlformats.org/markup-compatibility/2006" xmlns:p159="http://schemas.microsoft.com/office/powerpoint/2015/09/main">
+    <mc:Choice Requires="p159">
       <p:transition xmlns:p14="http://schemas.microsoft.com/office/powerpoint/2010/main" spd="slow" p14:dur="2000">
         <p159:morph option="byObject"/>
       </p:transition>
     </mc:Choice>
-    <mc:Fallback>
+    <mc:Fallback xmlns="">
       <p:transition spd="slow">
         <p:fade/>
       </p:transition>
@@ -5433,13 +5441,13 @@
   <p:clrMapOvr>
     <a:masterClrMapping/>
   </p:clrMapOvr>
-  <mc:AlternateContent xmlns:mc="http://schemas.openxmlformats.org/markup-compatibility/2006">
-    <mc:Choice xmlns:p159="http://schemas.microsoft.com/office/powerpoint/2015/09/main" Requires="p159">
+  <mc:AlternateContent xmlns:mc="http://schemas.openxmlformats.org/markup-compatibility/2006" xmlns:p159="http://schemas.microsoft.com/office/powerpoint/2015/09/main">
+    <mc:Choice Requires="p159">
       <p:transition xmlns:p14="http://schemas.microsoft.com/office/powerpoint/2010/main" spd="slow" p14:dur="2000">
         <p159:morph option="byObject"/>
       </p:transition>
     </mc:Choice>
-    <mc:Fallback>
+    <mc:Fallback xmlns="">
       <p:transition spd="slow">
         <p:fade/>
       </p:transition>
@@ -5841,13 +5849,13 @@
   <p:clrMapOvr>
     <a:masterClrMapping/>
   </p:clrMapOvr>
-  <mc:AlternateContent xmlns:mc="http://schemas.openxmlformats.org/markup-compatibility/2006">
-    <mc:Choice xmlns:p159="http://schemas.microsoft.com/office/powerpoint/2015/09/main" Requires="p159">
+  <mc:AlternateContent xmlns:mc="http://schemas.openxmlformats.org/markup-compatibility/2006" xmlns:p159="http://schemas.microsoft.com/office/powerpoint/2015/09/main">
+    <mc:Choice Requires="p159">
       <p:transition xmlns:p14="http://schemas.microsoft.com/office/powerpoint/2010/main" spd="slow" p14:dur="2000">
         <p159:morph option="byObject"/>
       </p:transition>
     </mc:Choice>
-    <mc:Fallback>
+    <mc:Fallback xmlns="">
       <p:transition spd="slow">
         <p:fade/>
       </p:transition>
@@ -6195,13 +6203,13 @@
   <p:clrMapOvr>
     <a:masterClrMapping/>
   </p:clrMapOvr>
-  <mc:AlternateContent xmlns:mc="http://schemas.openxmlformats.org/markup-compatibility/2006">
-    <mc:Choice xmlns:p159="http://schemas.microsoft.com/office/powerpoint/2015/09/main" Requires="p159">
+  <mc:AlternateContent xmlns:mc="http://schemas.openxmlformats.org/markup-compatibility/2006" xmlns:p159="http://schemas.microsoft.com/office/powerpoint/2015/09/main">
+    <mc:Choice Requires="p159">
       <p:transition xmlns:p14="http://schemas.microsoft.com/office/powerpoint/2010/main" spd="slow" p14:dur="2000">
         <p159:morph option="byObject"/>
       </p:transition>
     </mc:Choice>
-    <mc:Fallback>
+    <mc:Fallback xmlns="">
       <p:transition spd="slow">
         <p:fade/>
       </p:transition>
@@ -6596,13 +6604,13 @@
   <p:clrMapOvr>
     <a:masterClrMapping/>
   </p:clrMapOvr>
-  <mc:AlternateContent xmlns:mc="http://schemas.openxmlformats.org/markup-compatibility/2006">
-    <mc:Choice xmlns:p159="http://schemas.microsoft.com/office/powerpoint/2015/09/main" Requires="p159">
+  <mc:AlternateContent xmlns:mc="http://schemas.openxmlformats.org/markup-compatibility/2006" xmlns:p159="http://schemas.microsoft.com/office/powerpoint/2015/09/main">
+    <mc:Choice Requires="p159">
       <p:transition xmlns:p14="http://schemas.microsoft.com/office/powerpoint/2010/main" spd="slow" p14:dur="2000">
         <p159:morph option="byObject"/>
       </p:transition>
     </mc:Choice>
-    <mc:Fallback>
+    <mc:Fallback xmlns="">
       <p:transition spd="slow">
         <p:fade/>
       </p:transition>
@@ -6971,13 +6979,13 @@
   <p:clrMapOvr>
     <a:masterClrMapping/>
   </p:clrMapOvr>
-  <mc:AlternateContent xmlns:mc="http://schemas.openxmlformats.org/markup-compatibility/2006">
-    <mc:Choice xmlns:p159="http://schemas.microsoft.com/office/powerpoint/2015/09/main" Requires="p159">
+  <mc:AlternateContent xmlns:mc="http://schemas.openxmlformats.org/markup-compatibility/2006" xmlns:p159="http://schemas.microsoft.com/office/powerpoint/2015/09/main">
+    <mc:Choice Requires="p159">
       <p:transition xmlns:p14="http://schemas.microsoft.com/office/powerpoint/2010/main" spd="slow" p14:dur="2000">
         <p159:morph option="byObject"/>
       </p:transition>
     </mc:Choice>
-    <mc:Fallback>
+    <mc:Fallback xmlns="">
       <p:transition spd="slow">
         <p:fade/>
       </p:transition>
@@ -7325,13 +7333,13 @@
   <p:clrMapOvr>
     <a:masterClrMapping/>
   </p:clrMapOvr>
-  <mc:AlternateContent xmlns:mc="http://schemas.openxmlformats.org/markup-compatibility/2006">
-    <mc:Choice xmlns:p159="http://schemas.microsoft.com/office/powerpoint/2015/09/main" Requires="p159">
+  <mc:AlternateContent xmlns:mc="http://schemas.openxmlformats.org/markup-compatibility/2006" xmlns:p159="http://schemas.microsoft.com/office/powerpoint/2015/09/main">
+    <mc:Choice Requires="p159">
       <p:transition xmlns:p14="http://schemas.microsoft.com/office/powerpoint/2010/main" spd="slow" p14:dur="2000">
         <p159:morph option="byObject"/>
       </p:transition>
     </mc:Choice>
-    <mc:Fallback>
+    <mc:Fallback xmlns="">
       <p:transition spd="slow">
         <p:fade/>
       </p:transition>
@@ -7726,13 +7734,13 @@
   <p:clrMapOvr>
     <a:masterClrMapping/>
   </p:clrMapOvr>
-  <mc:AlternateContent xmlns:mc="http://schemas.openxmlformats.org/markup-compatibility/2006">
-    <mc:Choice xmlns:p159="http://schemas.microsoft.com/office/powerpoint/2015/09/main" Requires="p159">
+  <mc:AlternateContent xmlns:mc="http://schemas.openxmlformats.org/markup-compatibility/2006" xmlns:p159="http://schemas.microsoft.com/office/powerpoint/2015/09/main">
+    <mc:Choice Requires="p159">
       <p:transition xmlns:p14="http://schemas.microsoft.com/office/powerpoint/2010/main" spd="slow" p14:dur="2000">
         <p159:morph option="byObject"/>
       </p:transition>
     </mc:Choice>
-    <mc:Fallback>
+    <mc:Fallback xmlns="">
       <p:transition spd="slow">
         <p:fade/>
       </p:transition>
@@ -8090,13 +8098,13 @@
   <p:clrMapOvr>
     <a:masterClrMapping/>
   </p:clrMapOvr>
-  <mc:AlternateContent xmlns:mc="http://schemas.openxmlformats.org/markup-compatibility/2006">
-    <mc:Choice xmlns:p159="http://schemas.microsoft.com/office/powerpoint/2015/09/main" Requires="p159">
+  <mc:AlternateContent xmlns:mc="http://schemas.openxmlformats.org/markup-compatibility/2006" xmlns:p159="http://schemas.microsoft.com/office/powerpoint/2015/09/main">
+    <mc:Choice Requires="p159">
       <p:transition xmlns:p14="http://schemas.microsoft.com/office/powerpoint/2010/main" spd="slow" p14:dur="2000">
         <p159:morph option="byObject"/>
       </p:transition>
     </mc:Choice>
-    <mc:Fallback>
+    <mc:Fallback xmlns="">
       <p:transition spd="slow">
         <p:fade/>
       </p:transition>
@@ -8447,13 +8455,13 @@
   <p:clrMapOvr>
     <a:masterClrMapping/>
   </p:clrMapOvr>
-  <mc:AlternateContent xmlns:mc="http://schemas.openxmlformats.org/markup-compatibility/2006">
-    <mc:Choice xmlns:p159="http://schemas.microsoft.com/office/powerpoint/2015/09/main" Requires="p159">
+  <mc:AlternateContent xmlns:mc="http://schemas.openxmlformats.org/markup-compatibility/2006" xmlns:p159="http://schemas.microsoft.com/office/powerpoint/2015/09/main">
+    <mc:Choice Requires="p159">
       <p:transition xmlns:p14="http://schemas.microsoft.com/office/powerpoint/2010/main" spd="slow" p14:dur="2000">
         <p159:morph option="byObject"/>
       </p:transition>
     </mc:Choice>
-    <mc:Fallback>
+    <mc:Fallback xmlns="">
       <p:transition spd="slow">
         <p:fade/>
       </p:transition>
@@ -8876,6 +8884,363 @@
   <p:clrMapOvr>
     <a:masterClrMapping/>
   </p:clrMapOvr>
+  <mc:AlternateContent xmlns:mc="http://schemas.openxmlformats.org/markup-compatibility/2006" xmlns:p159="http://schemas.microsoft.com/office/powerpoint/2015/09/main">
+    <mc:Choice Requires="p159">
+      <p:transition xmlns:p14="http://schemas.microsoft.com/office/powerpoint/2010/main" spd="slow" p14:dur="2000">
+        <p159:morph option="byObject"/>
+      </p:transition>
+    </mc:Choice>
+    <mc:Fallback xmlns="">
+      <p:transition spd="slow">
+        <p:fade/>
+      </p:transition>
+    </mc:Fallback>
+  </mc:AlternateContent>
+</p:sld>
+</file>
+
+<file path=ppt/slides/slide21.xml><?xml version="1.0" encoding="utf-8"?>
+<p:sld xmlns:a="http://schemas.openxmlformats.org/drawingml/2006/main" xmlns:r="http://schemas.openxmlformats.org/officeDocument/2006/relationships" xmlns:p="http://schemas.openxmlformats.org/presentationml/2006/main">
+  <p:cSld>
+    <p:bg>
+      <p:bgPr>
+        <a:solidFill>
+          <a:srgbClr val="121633"/>
+        </a:solidFill>
+        <a:effectLst/>
+      </p:bgPr>
+    </p:bg>
+    <p:spTree>
+      <p:nvGrpSpPr>
+        <p:cNvPr id="1" name="">
+          <a:extLst>
+            <a:ext uri="{FF2B5EF4-FFF2-40B4-BE49-F238E27FC236}">
+              <a16:creationId xmlns:a16="http://schemas.microsoft.com/office/drawing/2014/main" id="{86986229-9EF8-B764-8BB6-F321C3392752}"/>
+            </a:ext>
+          </a:extLst>
+        </p:cNvPr>
+        <p:cNvGrpSpPr/>
+        <p:nvPr/>
+      </p:nvGrpSpPr>
+      <p:grpSpPr>
+        <a:xfrm>
+          <a:off x="0" y="0"/>
+          <a:ext cx="0" cy="0"/>
+          <a:chOff x="0" y="0"/>
+          <a:chExt cx="0" cy="0"/>
+        </a:xfrm>
+      </p:grpSpPr>
+      <p:sp>
+        <p:nvSpPr>
+          <p:cNvPr id="6" name="L 形 5">
+            <a:extLst>
+              <a:ext uri="{FF2B5EF4-FFF2-40B4-BE49-F238E27FC236}">
+                <a16:creationId xmlns:a16="http://schemas.microsoft.com/office/drawing/2014/main" id="{BE45155C-32F2-F880-11B9-19B0D7FEC24B}"/>
+              </a:ext>
+            </a:extLst>
+          </p:cNvPr>
+          <p:cNvSpPr/>
+          <p:nvPr/>
+        </p:nvSpPr>
+        <p:spPr>
+          <a:xfrm rot="16200000">
+            <a:off x="11425326" y="6047098"/>
+            <a:ext cx="340866" cy="340866"/>
+          </a:xfrm>
+          <a:prstGeom prst="corner">
+            <a:avLst/>
+          </a:prstGeom>
+          <a:gradFill flip="none" rotWithShape="1">
+            <a:gsLst>
+              <a:gs pos="0">
+                <a:schemeClr val="accent5">
+                  <a:lumMod val="89000"/>
+                </a:schemeClr>
+              </a:gs>
+              <a:gs pos="23000">
+                <a:schemeClr val="accent5">
+                  <a:lumMod val="89000"/>
+                </a:schemeClr>
+              </a:gs>
+              <a:gs pos="69000">
+                <a:schemeClr val="accent5">
+                  <a:lumMod val="75000"/>
+                </a:schemeClr>
+              </a:gs>
+              <a:gs pos="97000">
+                <a:schemeClr val="accent5">
+                  <a:lumMod val="70000"/>
+                </a:schemeClr>
+              </a:gs>
+            </a:gsLst>
+            <a:path path="circle">
+              <a:fillToRect l="50000" t="50000" r="50000" b="50000"/>
+            </a:path>
+            <a:tileRect/>
+          </a:gradFill>
+          <a:ln>
+            <a:noFill/>
+          </a:ln>
+        </p:spPr>
+        <p:style>
+          <a:lnRef idx="2">
+            <a:schemeClr val="accent1">
+              <a:shade val="15000"/>
+            </a:schemeClr>
+          </a:lnRef>
+          <a:fillRef idx="1">
+            <a:schemeClr val="accent1"/>
+          </a:fillRef>
+          <a:effectRef idx="0">
+            <a:schemeClr val="accent1"/>
+          </a:effectRef>
+          <a:fontRef idx="minor">
+            <a:schemeClr val="lt1"/>
+          </a:fontRef>
+        </p:style>
+        <p:txBody>
+          <a:bodyPr rtlCol="0" anchor="ctr"/>
+          <a:lstStyle/>
+          <a:p>
+            <a:pPr algn="ctr"/>
+            <a:endParaRPr lang="zh-CN" altLang="en-US" dirty="0"/>
+          </a:p>
+        </p:txBody>
+      </p:sp>
+      <p:sp>
+        <p:nvSpPr>
+          <p:cNvPr id="5" name="文本框 4">
+            <a:extLst>
+              <a:ext uri="{FF2B5EF4-FFF2-40B4-BE49-F238E27FC236}">
+                <a16:creationId xmlns:a16="http://schemas.microsoft.com/office/drawing/2014/main" id="{804A4DF0-43B9-EF90-C44E-F3CED855F7F7}"/>
+              </a:ext>
+            </a:extLst>
+          </p:cNvPr>
+          <p:cNvSpPr txBox="1"/>
+          <p:nvPr/>
+        </p:nvSpPr>
+        <p:spPr>
+          <a:xfrm>
+            <a:off x="1699563" y="2921168"/>
+            <a:ext cx="8792873" cy="1015663"/>
+          </a:xfrm>
+          <a:prstGeom prst="rect">
+            <a:avLst/>
+          </a:prstGeom>
+          <a:noFill/>
+        </p:spPr>
+        <p:txBody>
+          <a:bodyPr wrap="square" rtlCol="0">
+            <a:spAutoFit/>
+          </a:bodyPr>
+          <a:lstStyle/>
+          <a:p>
+            <a:pPr algn="ctr"/>
+            <a:r>
+              <a:rPr lang="en-US" altLang="zh-CN" sz="6000" dirty="0">
+                <a:latin typeface="+mj-ea"/>
+                <a:ea typeface="+mj-ea"/>
+              </a:rPr>
+              <a:t>React </a:t>
+            </a:r>
+            <a:r>
+              <a:rPr lang="zh-CN" altLang="en-US" sz="6000" dirty="0">
+                <a:latin typeface="+mj-ea"/>
+                <a:ea typeface="+mj-ea"/>
+              </a:rPr>
+              <a:t>入门</a:t>
+            </a:r>
+          </a:p>
+        </p:txBody>
+      </p:sp>
+      <p:pic>
+        <p:nvPicPr>
+          <p:cNvPr id="4" name="图片 3" descr="文本&#10;&#10;描述已自动生成">
+            <a:extLst>
+              <a:ext uri="{FF2B5EF4-FFF2-40B4-BE49-F238E27FC236}">
+                <a16:creationId xmlns:a16="http://schemas.microsoft.com/office/drawing/2014/main" id="{D9494300-CAB6-C14F-9C2D-DAB67F3D7206}"/>
+              </a:ext>
+            </a:extLst>
+          </p:cNvPr>
+          <p:cNvPicPr>
+            <a:picLocks noChangeAspect="1"/>
+          </p:cNvPicPr>
+          <p:nvPr/>
+        </p:nvPicPr>
+        <p:blipFill>
+          <a:blip r:embed="rId2">
+            <a:extLst>
+              <a:ext uri="{28A0092B-C50C-407E-A947-70E740481C1C}">
+                <a14:useLocalDpi xmlns:a14="http://schemas.microsoft.com/office/drawing/2010/main" val="0"/>
+              </a:ext>
+            </a:extLst>
+          </a:blip>
+          <a:srcRect l="8541" t="32975" r="50762" b="24967"/>
+          <a:stretch/>
+        </p:blipFill>
+        <p:spPr>
+          <a:xfrm>
+            <a:off x="670104" y="583651"/>
+            <a:ext cx="1149170" cy="466142"/>
+          </a:xfrm>
+          <a:prstGeom prst="rect">
+            <a:avLst/>
+          </a:prstGeom>
+        </p:spPr>
+      </p:pic>
+      <p:grpSp>
+        <p:nvGrpSpPr>
+          <p:cNvPr id="7" name="组合 6">
+            <a:extLst>
+              <a:ext uri="{FF2B5EF4-FFF2-40B4-BE49-F238E27FC236}">
+                <a16:creationId xmlns:a16="http://schemas.microsoft.com/office/drawing/2014/main" id="{DC3388D3-0166-DC46-169D-73A7C7608150}"/>
+              </a:ext>
+            </a:extLst>
+          </p:cNvPr>
+          <p:cNvGrpSpPr/>
+          <p:nvPr/>
+        </p:nvGrpSpPr>
+        <p:grpSpPr>
+          <a:xfrm rot="2700000">
+            <a:off x="1976438" y="763144"/>
+            <a:ext cx="107157" cy="107157"/>
+            <a:chOff x="1859756" y="228537"/>
+            <a:chExt cx="252413" cy="252413"/>
+          </a:xfrm>
+        </p:grpSpPr>
+        <p:cxnSp>
+          <p:nvCxnSpPr>
+            <p:cNvPr id="8" name="直接连接符 7">
+              <a:extLst>
+                <a:ext uri="{FF2B5EF4-FFF2-40B4-BE49-F238E27FC236}">
+                  <a16:creationId xmlns:a16="http://schemas.microsoft.com/office/drawing/2014/main" id="{89E1502B-C749-C0E4-8845-6BBF8F1AA08C}"/>
+                </a:ext>
+              </a:extLst>
+            </p:cNvPr>
+            <p:cNvCxnSpPr>
+              <a:cxnSpLocks/>
+            </p:cNvCxnSpPr>
+            <p:nvPr/>
+          </p:nvCxnSpPr>
+          <p:spPr>
+            <a:xfrm>
+              <a:off x="1859756" y="354744"/>
+              <a:ext cx="252413" cy="0"/>
+            </a:xfrm>
+            <a:prstGeom prst="line">
+              <a:avLst/>
+            </a:prstGeom>
+            <a:ln>
+              <a:solidFill>
+                <a:schemeClr val="accent4"/>
+              </a:solidFill>
+            </a:ln>
+          </p:spPr>
+          <p:style>
+            <a:lnRef idx="2">
+              <a:schemeClr val="accent1"/>
+            </a:lnRef>
+            <a:fillRef idx="0">
+              <a:schemeClr val="accent1"/>
+            </a:fillRef>
+            <a:effectRef idx="1">
+              <a:schemeClr val="accent1"/>
+            </a:effectRef>
+            <a:fontRef idx="minor">
+              <a:schemeClr val="tx1"/>
+            </a:fontRef>
+          </p:style>
+        </p:cxnSp>
+        <p:cxnSp>
+          <p:nvCxnSpPr>
+            <p:cNvPr id="9" name="直接连接符 8">
+              <a:extLst>
+                <a:ext uri="{FF2B5EF4-FFF2-40B4-BE49-F238E27FC236}">
+                  <a16:creationId xmlns:a16="http://schemas.microsoft.com/office/drawing/2014/main" id="{2FEC694D-7BF6-6135-3BB5-63B161588138}"/>
+                </a:ext>
+              </a:extLst>
+            </p:cNvPr>
+            <p:cNvCxnSpPr>
+              <a:cxnSpLocks/>
+            </p:cNvCxnSpPr>
+            <p:nvPr/>
+          </p:nvCxnSpPr>
+          <p:spPr>
+            <a:xfrm rot="5400000">
+              <a:off x="1859756" y="354744"/>
+              <a:ext cx="252413" cy="0"/>
+            </a:xfrm>
+            <a:prstGeom prst="line">
+              <a:avLst/>
+            </a:prstGeom>
+            <a:ln>
+              <a:solidFill>
+                <a:schemeClr val="accent4"/>
+              </a:solidFill>
+            </a:ln>
+          </p:spPr>
+          <p:style>
+            <a:lnRef idx="2">
+              <a:schemeClr val="accent1"/>
+            </a:lnRef>
+            <a:fillRef idx="0">
+              <a:schemeClr val="accent1"/>
+            </a:fillRef>
+            <a:effectRef idx="1">
+              <a:schemeClr val="accent1"/>
+            </a:effectRef>
+            <a:fontRef idx="minor">
+              <a:schemeClr val="tx1"/>
+            </a:fontRef>
+          </p:style>
+        </p:cxnSp>
+      </p:grpSp>
+      <p:pic>
+        <p:nvPicPr>
+          <p:cNvPr id="10" name="图片 9" descr="画着卡通人物&#10;&#10;中度可信度描述已自动生成">
+            <a:extLst>
+              <a:ext uri="{FF2B5EF4-FFF2-40B4-BE49-F238E27FC236}">
+                <a16:creationId xmlns:a16="http://schemas.microsoft.com/office/drawing/2014/main" id="{4E666DCA-7611-D701-F427-14C6082700F6}"/>
+              </a:ext>
+            </a:extLst>
+          </p:cNvPr>
+          <p:cNvPicPr>
+            <a:picLocks noChangeAspect="1"/>
+          </p:cNvPicPr>
+          <p:nvPr/>
+        </p:nvPicPr>
+        <p:blipFill>
+          <a:blip r:embed="rId3">
+            <a:extLst>
+              <a:ext uri="{28A0092B-C50C-407E-A947-70E740481C1C}">
+                <a14:useLocalDpi xmlns:a14="http://schemas.microsoft.com/office/drawing/2010/main" val="0"/>
+              </a:ext>
+            </a:extLst>
+          </a:blip>
+          <a:stretch>
+            <a:fillRect/>
+          </a:stretch>
+        </p:blipFill>
+        <p:spPr>
+          <a:xfrm>
+            <a:off x="2325819" y="707245"/>
+            <a:ext cx="1193722" cy="218954"/>
+          </a:xfrm>
+          <a:prstGeom prst="rect">
+            <a:avLst/>
+          </a:prstGeom>
+        </p:spPr>
+      </p:pic>
+    </p:spTree>
+    <p:extLst>
+      <p:ext uri="{BB962C8B-B14F-4D97-AF65-F5344CB8AC3E}">
+        <p14:creationId xmlns:p14="http://schemas.microsoft.com/office/powerpoint/2010/main" val="414458183"/>
+      </p:ext>
+    </p:extLst>
+  </p:cSld>
+  <p:clrMapOvr>
+    <a:masterClrMapping/>
+  </p:clrMapOvr>
   <mc:AlternateContent xmlns:mc="http://schemas.openxmlformats.org/markup-compatibility/2006">
     <mc:Choice xmlns:p159="http://schemas.microsoft.com/office/powerpoint/2015/09/main" Requires="p159">
       <p:transition xmlns:p14="http://schemas.microsoft.com/office/powerpoint/2010/main" spd="slow" p14:dur="2000">
@@ -8891,7 +9256,1255 @@
 </p:sld>
 </file>
 
-<file path=ppt/slides/slide21.xml><?xml version="1.0" encoding="utf-8"?>
+<file path=ppt/slides/slide22.xml><?xml version="1.0" encoding="utf-8"?>
+<p:sld xmlns:a="http://schemas.openxmlformats.org/drawingml/2006/main" xmlns:r="http://schemas.openxmlformats.org/officeDocument/2006/relationships" xmlns:p="http://schemas.openxmlformats.org/presentationml/2006/main">
+  <p:cSld>
+    <p:bg>
+      <p:bgPr>
+        <a:solidFill>
+          <a:srgbClr val="121633"/>
+        </a:solidFill>
+        <a:effectLst/>
+      </p:bgPr>
+    </p:bg>
+    <p:spTree>
+      <p:nvGrpSpPr>
+        <p:cNvPr id="1" name="">
+          <a:extLst>
+            <a:ext uri="{FF2B5EF4-FFF2-40B4-BE49-F238E27FC236}">
+              <a16:creationId xmlns:a16="http://schemas.microsoft.com/office/drawing/2014/main" id="{D98A3ABE-22A8-82F4-A67A-77F12A53585E}"/>
+            </a:ext>
+          </a:extLst>
+        </p:cNvPr>
+        <p:cNvGrpSpPr/>
+        <p:nvPr/>
+      </p:nvGrpSpPr>
+      <p:grpSpPr>
+        <a:xfrm>
+          <a:off x="0" y="0"/>
+          <a:ext cx="0" cy="0"/>
+          <a:chOff x="0" y="0"/>
+          <a:chExt cx="0" cy="0"/>
+        </a:xfrm>
+      </p:grpSpPr>
+      <p:sp>
+        <p:nvSpPr>
+          <p:cNvPr id="6" name="L 形 5">
+            <a:extLst>
+              <a:ext uri="{FF2B5EF4-FFF2-40B4-BE49-F238E27FC236}">
+                <a16:creationId xmlns:a16="http://schemas.microsoft.com/office/drawing/2014/main" id="{1ECD047A-DEAB-BFB7-D39E-B08975A040DC}"/>
+              </a:ext>
+            </a:extLst>
+          </p:cNvPr>
+          <p:cNvSpPr/>
+          <p:nvPr/>
+        </p:nvSpPr>
+        <p:spPr>
+          <a:xfrm rot="16200000">
+            <a:off x="11425326" y="6047098"/>
+            <a:ext cx="340866" cy="340866"/>
+          </a:xfrm>
+          <a:prstGeom prst="corner">
+            <a:avLst/>
+          </a:prstGeom>
+          <a:gradFill flip="none" rotWithShape="1">
+            <a:gsLst>
+              <a:gs pos="0">
+                <a:schemeClr val="accent5">
+                  <a:lumMod val="89000"/>
+                </a:schemeClr>
+              </a:gs>
+              <a:gs pos="23000">
+                <a:schemeClr val="accent5">
+                  <a:lumMod val="89000"/>
+                </a:schemeClr>
+              </a:gs>
+              <a:gs pos="69000">
+                <a:schemeClr val="accent5">
+                  <a:lumMod val="75000"/>
+                </a:schemeClr>
+              </a:gs>
+              <a:gs pos="97000">
+                <a:schemeClr val="accent5">
+                  <a:lumMod val="70000"/>
+                </a:schemeClr>
+              </a:gs>
+            </a:gsLst>
+            <a:path path="circle">
+              <a:fillToRect l="50000" t="50000" r="50000" b="50000"/>
+            </a:path>
+            <a:tileRect/>
+          </a:gradFill>
+          <a:ln>
+            <a:noFill/>
+          </a:ln>
+        </p:spPr>
+        <p:style>
+          <a:lnRef idx="2">
+            <a:schemeClr val="accent1">
+              <a:shade val="15000"/>
+            </a:schemeClr>
+          </a:lnRef>
+          <a:fillRef idx="1">
+            <a:schemeClr val="accent1"/>
+          </a:fillRef>
+          <a:effectRef idx="0">
+            <a:schemeClr val="accent1"/>
+          </a:effectRef>
+          <a:fontRef idx="minor">
+            <a:schemeClr val="lt1"/>
+          </a:fontRef>
+        </p:style>
+        <p:txBody>
+          <a:bodyPr rtlCol="0" anchor="ctr"/>
+          <a:lstStyle/>
+          <a:p>
+            <a:pPr algn="ctr"/>
+            <a:endParaRPr lang="zh-CN" altLang="en-US" dirty="0"/>
+          </a:p>
+        </p:txBody>
+      </p:sp>
+      <p:sp>
+        <p:nvSpPr>
+          <p:cNvPr id="5" name="文本框 4">
+            <a:extLst>
+              <a:ext uri="{FF2B5EF4-FFF2-40B4-BE49-F238E27FC236}">
+                <a16:creationId xmlns:a16="http://schemas.microsoft.com/office/drawing/2014/main" id="{2253A94E-96D5-EBAA-A0F7-20C4E008AB42}"/>
+              </a:ext>
+            </a:extLst>
+          </p:cNvPr>
+          <p:cNvSpPr txBox="1"/>
+          <p:nvPr/>
+        </p:nvSpPr>
+        <p:spPr>
+          <a:xfrm>
+            <a:off x="1699563" y="2921168"/>
+            <a:ext cx="8792873" cy="1015663"/>
+          </a:xfrm>
+          <a:prstGeom prst="rect">
+            <a:avLst/>
+          </a:prstGeom>
+          <a:noFill/>
+        </p:spPr>
+        <p:txBody>
+          <a:bodyPr wrap="square" rtlCol="0">
+            <a:spAutoFit/>
+          </a:bodyPr>
+          <a:lstStyle/>
+          <a:p>
+            <a:pPr algn="ctr"/>
+            <a:r>
+              <a:rPr lang="en-US" altLang="zh-CN" sz="6000" dirty="0">
+                <a:latin typeface="+mj-ea"/>
+                <a:ea typeface="+mj-ea"/>
+              </a:rPr>
+              <a:t>JSX</a:t>
+            </a:r>
+            <a:endParaRPr lang="zh-CN" altLang="en-US" sz="6000" dirty="0">
+              <a:latin typeface="+mj-ea"/>
+              <a:ea typeface="+mj-ea"/>
+            </a:endParaRPr>
+          </a:p>
+        </p:txBody>
+      </p:sp>
+      <p:pic>
+        <p:nvPicPr>
+          <p:cNvPr id="4" name="图片 3" descr="文本&#10;&#10;描述已自动生成">
+            <a:extLst>
+              <a:ext uri="{FF2B5EF4-FFF2-40B4-BE49-F238E27FC236}">
+                <a16:creationId xmlns:a16="http://schemas.microsoft.com/office/drawing/2014/main" id="{92EF3D29-33BC-C519-A7BA-17CD691E43B3}"/>
+              </a:ext>
+            </a:extLst>
+          </p:cNvPr>
+          <p:cNvPicPr>
+            <a:picLocks noChangeAspect="1"/>
+          </p:cNvPicPr>
+          <p:nvPr/>
+        </p:nvPicPr>
+        <p:blipFill>
+          <a:blip r:embed="rId2">
+            <a:extLst>
+              <a:ext uri="{28A0092B-C50C-407E-A947-70E740481C1C}">
+                <a14:useLocalDpi xmlns:a14="http://schemas.microsoft.com/office/drawing/2010/main" val="0"/>
+              </a:ext>
+            </a:extLst>
+          </a:blip>
+          <a:srcRect l="8541" t="32975" r="50762" b="24967"/>
+          <a:stretch/>
+        </p:blipFill>
+        <p:spPr>
+          <a:xfrm>
+            <a:off x="670104" y="583651"/>
+            <a:ext cx="1149170" cy="466142"/>
+          </a:xfrm>
+          <a:prstGeom prst="rect">
+            <a:avLst/>
+          </a:prstGeom>
+        </p:spPr>
+      </p:pic>
+      <p:grpSp>
+        <p:nvGrpSpPr>
+          <p:cNvPr id="7" name="组合 6">
+            <a:extLst>
+              <a:ext uri="{FF2B5EF4-FFF2-40B4-BE49-F238E27FC236}">
+                <a16:creationId xmlns:a16="http://schemas.microsoft.com/office/drawing/2014/main" id="{5678BC0B-D699-2722-115F-B40245553D8F}"/>
+              </a:ext>
+            </a:extLst>
+          </p:cNvPr>
+          <p:cNvGrpSpPr/>
+          <p:nvPr/>
+        </p:nvGrpSpPr>
+        <p:grpSpPr>
+          <a:xfrm rot="2700000">
+            <a:off x="1976438" y="763144"/>
+            <a:ext cx="107157" cy="107157"/>
+            <a:chOff x="1859756" y="228537"/>
+            <a:chExt cx="252413" cy="252413"/>
+          </a:xfrm>
+        </p:grpSpPr>
+        <p:cxnSp>
+          <p:nvCxnSpPr>
+            <p:cNvPr id="8" name="直接连接符 7">
+              <a:extLst>
+                <a:ext uri="{FF2B5EF4-FFF2-40B4-BE49-F238E27FC236}">
+                  <a16:creationId xmlns:a16="http://schemas.microsoft.com/office/drawing/2014/main" id="{25B449EC-5F59-44F5-5F7A-7E2C9EAEC87B}"/>
+                </a:ext>
+              </a:extLst>
+            </p:cNvPr>
+            <p:cNvCxnSpPr>
+              <a:cxnSpLocks/>
+            </p:cNvCxnSpPr>
+            <p:nvPr/>
+          </p:nvCxnSpPr>
+          <p:spPr>
+            <a:xfrm>
+              <a:off x="1859756" y="354744"/>
+              <a:ext cx="252413" cy="0"/>
+            </a:xfrm>
+            <a:prstGeom prst="line">
+              <a:avLst/>
+            </a:prstGeom>
+            <a:ln>
+              <a:solidFill>
+                <a:schemeClr val="accent4"/>
+              </a:solidFill>
+            </a:ln>
+          </p:spPr>
+          <p:style>
+            <a:lnRef idx="2">
+              <a:schemeClr val="accent1"/>
+            </a:lnRef>
+            <a:fillRef idx="0">
+              <a:schemeClr val="accent1"/>
+            </a:fillRef>
+            <a:effectRef idx="1">
+              <a:schemeClr val="accent1"/>
+            </a:effectRef>
+            <a:fontRef idx="minor">
+              <a:schemeClr val="tx1"/>
+            </a:fontRef>
+          </p:style>
+        </p:cxnSp>
+        <p:cxnSp>
+          <p:nvCxnSpPr>
+            <p:cNvPr id="9" name="直接连接符 8">
+              <a:extLst>
+                <a:ext uri="{FF2B5EF4-FFF2-40B4-BE49-F238E27FC236}">
+                  <a16:creationId xmlns:a16="http://schemas.microsoft.com/office/drawing/2014/main" id="{DF907EE7-4567-47FB-86EE-CD05DC8E7DDE}"/>
+                </a:ext>
+              </a:extLst>
+            </p:cNvPr>
+            <p:cNvCxnSpPr>
+              <a:cxnSpLocks/>
+            </p:cNvCxnSpPr>
+            <p:nvPr/>
+          </p:nvCxnSpPr>
+          <p:spPr>
+            <a:xfrm rot="5400000">
+              <a:off x="1859756" y="354744"/>
+              <a:ext cx="252413" cy="0"/>
+            </a:xfrm>
+            <a:prstGeom prst="line">
+              <a:avLst/>
+            </a:prstGeom>
+            <a:ln>
+              <a:solidFill>
+                <a:schemeClr val="accent4"/>
+              </a:solidFill>
+            </a:ln>
+          </p:spPr>
+          <p:style>
+            <a:lnRef idx="2">
+              <a:schemeClr val="accent1"/>
+            </a:lnRef>
+            <a:fillRef idx="0">
+              <a:schemeClr val="accent1"/>
+            </a:fillRef>
+            <a:effectRef idx="1">
+              <a:schemeClr val="accent1"/>
+            </a:effectRef>
+            <a:fontRef idx="minor">
+              <a:schemeClr val="tx1"/>
+            </a:fontRef>
+          </p:style>
+        </p:cxnSp>
+      </p:grpSp>
+      <p:pic>
+        <p:nvPicPr>
+          <p:cNvPr id="10" name="图片 9" descr="画着卡通人物&#10;&#10;中度可信度描述已自动生成">
+            <a:extLst>
+              <a:ext uri="{FF2B5EF4-FFF2-40B4-BE49-F238E27FC236}">
+                <a16:creationId xmlns:a16="http://schemas.microsoft.com/office/drawing/2014/main" id="{735D4FE3-AEEF-6779-0BC8-A160E50221BB}"/>
+              </a:ext>
+            </a:extLst>
+          </p:cNvPr>
+          <p:cNvPicPr>
+            <a:picLocks noChangeAspect="1"/>
+          </p:cNvPicPr>
+          <p:nvPr/>
+        </p:nvPicPr>
+        <p:blipFill>
+          <a:blip r:embed="rId3">
+            <a:extLst>
+              <a:ext uri="{28A0092B-C50C-407E-A947-70E740481C1C}">
+                <a14:useLocalDpi xmlns:a14="http://schemas.microsoft.com/office/drawing/2010/main" val="0"/>
+              </a:ext>
+            </a:extLst>
+          </a:blip>
+          <a:stretch>
+            <a:fillRect/>
+          </a:stretch>
+        </p:blipFill>
+        <p:spPr>
+          <a:xfrm>
+            <a:off x="2325819" y="707245"/>
+            <a:ext cx="1193722" cy="218954"/>
+          </a:xfrm>
+          <a:prstGeom prst="rect">
+            <a:avLst/>
+          </a:prstGeom>
+        </p:spPr>
+      </p:pic>
+    </p:spTree>
+    <p:extLst>
+      <p:ext uri="{BB962C8B-B14F-4D97-AF65-F5344CB8AC3E}">
+        <p14:creationId xmlns:p14="http://schemas.microsoft.com/office/powerpoint/2010/main" val="4221640860"/>
+      </p:ext>
+    </p:extLst>
+  </p:cSld>
+  <p:clrMapOvr>
+    <a:masterClrMapping/>
+  </p:clrMapOvr>
+  <mc:AlternateContent xmlns:mc="http://schemas.openxmlformats.org/markup-compatibility/2006">
+    <mc:Choice xmlns:p159="http://schemas.microsoft.com/office/powerpoint/2015/09/main" Requires="p159">
+      <p:transition xmlns:p14="http://schemas.microsoft.com/office/powerpoint/2010/main" spd="slow" p14:dur="2000">
+        <p159:morph option="byObject"/>
+      </p:transition>
+    </mc:Choice>
+    <mc:Fallback>
+      <p:transition spd="slow">
+        <p:fade/>
+      </p:transition>
+    </mc:Fallback>
+  </mc:AlternateContent>
+</p:sld>
+</file>
+
+<file path=ppt/slides/slide23.xml><?xml version="1.0" encoding="utf-8"?>
+<p:sld xmlns:a="http://schemas.openxmlformats.org/drawingml/2006/main" xmlns:r="http://schemas.openxmlformats.org/officeDocument/2006/relationships" xmlns:p="http://schemas.openxmlformats.org/presentationml/2006/main">
+  <p:cSld>
+    <p:bg>
+      <p:bgPr>
+        <a:solidFill>
+          <a:srgbClr val="121633"/>
+        </a:solidFill>
+        <a:effectLst/>
+      </p:bgPr>
+    </p:bg>
+    <p:spTree>
+      <p:nvGrpSpPr>
+        <p:cNvPr id="1" name="">
+          <a:extLst>
+            <a:ext uri="{FF2B5EF4-FFF2-40B4-BE49-F238E27FC236}">
+              <a16:creationId xmlns:a16="http://schemas.microsoft.com/office/drawing/2014/main" id="{E26F33AE-B249-1A0A-0F03-A0A25A4654C5}"/>
+            </a:ext>
+          </a:extLst>
+        </p:cNvPr>
+        <p:cNvGrpSpPr/>
+        <p:nvPr/>
+      </p:nvGrpSpPr>
+      <p:grpSpPr>
+        <a:xfrm>
+          <a:off x="0" y="0"/>
+          <a:ext cx="0" cy="0"/>
+          <a:chOff x="0" y="0"/>
+          <a:chExt cx="0" cy="0"/>
+        </a:xfrm>
+      </p:grpSpPr>
+      <p:sp>
+        <p:nvSpPr>
+          <p:cNvPr id="6" name="L 形 5">
+            <a:extLst>
+              <a:ext uri="{FF2B5EF4-FFF2-40B4-BE49-F238E27FC236}">
+                <a16:creationId xmlns:a16="http://schemas.microsoft.com/office/drawing/2014/main" id="{3CE82385-7452-1992-2BB7-A62245B5374B}"/>
+              </a:ext>
+            </a:extLst>
+          </p:cNvPr>
+          <p:cNvSpPr/>
+          <p:nvPr/>
+        </p:nvSpPr>
+        <p:spPr>
+          <a:xfrm rot="16200000">
+            <a:off x="11425326" y="6047098"/>
+            <a:ext cx="340866" cy="340866"/>
+          </a:xfrm>
+          <a:prstGeom prst="corner">
+            <a:avLst/>
+          </a:prstGeom>
+          <a:gradFill flip="none" rotWithShape="1">
+            <a:gsLst>
+              <a:gs pos="0">
+                <a:schemeClr val="accent5">
+                  <a:lumMod val="89000"/>
+                </a:schemeClr>
+              </a:gs>
+              <a:gs pos="23000">
+                <a:schemeClr val="accent5">
+                  <a:lumMod val="89000"/>
+                </a:schemeClr>
+              </a:gs>
+              <a:gs pos="69000">
+                <a:schemeClr val="accent5">
+                  <a:lumMod val="75000"/>
+                </a:schemeClr>
+              </a:gs>
+              <a:gs pos="97000">
+                <a:schemeClr val="accent5">
+                  <a:lumMod val="70000"/>
+                </a:schemeClr>
+              </a:gs>
+            </a:gsLst>
+            <a:path path="circle">
+              <a:fillToRect l="50000" t="50000" r="50000" b="50000"/>
+            </a:path>
+            <a:tileRect/>
+          </a:gradFill>
+          <a:ln>
+            <a:noFill/>
+          </a:ln>
+        </p:spPr>
+        <p:style>
+          <a:lnRef idx="2">
+            <a:schemeClr val="accent1">
+              <a:shade val="15000"/>
+            </a:schemeClr>
+          </a:lnRef>
+          <a:fillRef idx="1">
+            <a:schemeClr val="accent1"/>
+          </a:fillRef>
+          <a:effectRef idx="0">
+            <a:schemeClr val="accent1"/>
+          </a:effectRef>
+          <a:fontRef idx="minor">
+            <a:schemeClr val="lt1"/>
+          </a:fontRef>
+        </p:style>
+        <p:txBody>
+          <a:bodyPr rtlCol="0" anchor="ctr"/>
+          <a:lstStyle/>
+          <a:p>
+            <a:pPr algn="ctr"/>
+            <a:endParaRPr lang="zh-CN" altLang="en-US" dirty="0"/>
+          </a:p>
+        </p:txBody>
+      </p:sp>
+      <p:sp>
+        <p:nvSpPr>
+          <p:cNvPr id="5" name="文本框 4">
+            <a:extLst>
+              <a:ext uri="{FF2B5EF4-FFF2-40B4-BE49-F238E27FC236}">
+                <a16:creationId xmlns:a16="http://schemas.microsoft.com/office/drawing/2014/main" id="{D14BAE66-5B35-D2AA-F8A7-530C5238143E}"/>
+              </a:ext>
+            </a:extLst>
+          </p:cNvPr>
+          <p:cNvSpPr txBox="1"/>
+          <p:nvPr/>
+        </p:nvSpPr>
+        <p:spPr>
+          <a:xfrm>
+            <a:off x="1412208" y="2921168"/>
+            <a:ext cx="9367584" cy="1015663"/>
+          </a:xfrm>
+          <a:prstGeom prst="rect">
+            <a:avLst/>
+          </a:prstGeom>
+          <a:noFill/>
+        </p:spPr>
+        <p:txBody>
+          <a:bodyPr wrap="square" rtlCol="0">
+            <a:spAutoFit/>
+          </a:bodyPr>
+          <a:lstStyle/>
+          <a:p>
+            <a:pPr algn="ctr"/>
+            <a:r>
+              <a:rPr lang="en-US" altLang="zh-CN" sz="6000" dirty="0">
+                <a:latin typeface="+mj-ea"/>
+                <a:ea typeface="+mj-ea"/>
+              </a:rPr>
+              <a:t>React </a:t>
+            </a:r>
+            <a:r>
+              <a:rPr lang="zh-CN" altLang="en-US" sz="6000" dirty="0">
+                <a:latin typeface="+mj-ea"/>
+                <a:ea typeface="+mj-ea"/>
+              </a:rPr>
+              <a:t>的 </a:t>
+            </a:r>
+            <a:r>
+              <a:rPr lang="en-US" altLang="zh-CN" sz="6000" dirty="0">
+                <a:latin typeface="+mj-ea"/>
+                <a:ea typeface="+mj-ea"/>
+              </a:rPr>
+              <a:t>JavaScript </a:t>
+            </a:r>
+            <a:r>
+              <a:rPr lang="zh-CN" altLang="en-US" sz="6000" dirty="0">
+                <a:latin typeface="+mj-ea"/>
+                <a:ea typeface="+mj-ea"/>
+              </a:rPr>
+              <a:t>基础</a:t>
+            </a:r>
+          </a:p>
+        </p:txBody>
+      </p:sp>
+      <p:pic>
+        <p:nvPicPr>
+          <p:cNvPr id="4" name="图片 3" descr="文本&#10;&#10;描述已自动生成">
+            <a:extLst>
+              <a:ext uri="{FF2B5EF4-FFF2-40B4-BE49-F238E27FC236}">
+                <a16:creationId xmlns:a16="http://schemas.microsoft.com/office/drawing/2014/main" id="{BBF29914-4D51-4585-108B-E83ACBD04704}"/>
+              </a:ext>
+            </a:extLst>
+          </p:cNvPr>
+          <p:cNvPicPr>
+            <a:picLocks noChangeAspect="1"/>
+          </p:cNvPicPr>
+          <p:nvPr/>
+        </p:nvPicPr>
+        <p:blipFill>
+          <a:blip r:embed="rId2">
+            <a:extLst>
+              <a:ext uri="{28A0092B-C50C-407E-A947-70E740481C1C}">
+                <a14:useLocalDpi xmlns:a14="http://schemas.microsoft.com/office/drawing/2010/main" val="0"/>
+              </a:ext>
+            </a:extLst>
+          </a:blip>
+          <a:srcRect l="8541" t="32975" r="50762" b="24967"/>
+          <a:stretch/>
+        </p:blipFill>
+        <p:spPr>
+          <a:xfrm>
+            <a:off x="670104" y="583651"/>
+            <a:ext cx="1149170" cy="466142"/>
+          </a:xfrm>
+          <a:prstGeom prst="rect">
+            <a:avLst/>
+          </a:prstGeom>
+        </p:spPr>
+      </p:pic>
+      <p:grpSp>
+        <p:nvGrpSpPr>
+          <p:cNvPr id="7" name="组合 6">
+            <a:extLst>
+              <a:ext uri="{FF2B5EF4-FFF2-40B4-BE49-F238E27FC236}">
+                <a16:creationId xmlns:a16="http://schemas.microsoft.com/office/drawing/2014/main" id="{610CA66C-572E-DCAE-27C4-68D6A9960D5F}"/>
+              </a:ext>
+            </a:extLst>
+          </p:cNvPr>
+          <p:cNvGrpSpPr/>
+          <p:nvPr/>
+        </p:nvGrpSpPr>
+        <p:grpSpPr>
+          <a:xfrm rot="2700000">
+            <a:off x="1976438" y="763144"/>
+            <a:ext cx="107157" cy="107157"/>
+            <a:chOff x="1859756" y="228537"/>
+            <a:chExt cx="252413" cy="252413"/>
+          </a:xfrm>
+        </p:grpSpPr>
+        <p:cxnSp>
+          <p:nvCxnSpPr>
+            <p:cNvPr id="8" name="直接连接符 7">
+              <a:extLst>
+                <a:ext uri="{FF2B5EF4-FFF2-40B4-BE49-F238E27FC236}">
+                  <a16:creationId xmlns:a16="http://schemas.microsoft.com/office/drawing/2014/main" id="{87BB7ACA-0534-F73D-1CFD-3727B5367270}"/>
+                </a:ext>
+              </a:extLst>
+            </p:cNvPr>
+            <p:cNvCxnSpPr>
+              <a:cxnSpLocks/>
+            </p:cNvCxnSpPr>
+            <p:nvPr/>
+          </p:nvCxnSpPr>
+          <p:spPr>
+            <a:xfrm>
+              <a:off x="1859756" y="354744"/>
+              <a:ext cx="252413" cy="0"/>
+            </a:xfrm>
+            <a:prstGeom prst="line">
+              <a:avLst/>
+            </a:prstGeom>
+            <a:ln>
+              <a:solidFill>
+                <a:schemeClr val="accent4"/>
+              </a:solidFill>
+            </a:ln>
+          </p:spPr>
+          <p:style>
+            <a:lnRef idx="2">
+              <a:schemeClr val="accent1"/>
+            </a:lnRef>
+            <a:fillRef idx="0">
+              <a:schemeClr val="accent1"/>
+            </a:fillRef>
+            <a:effectRef idx="1">
+              <a:schemeClr val="accent1"/>
+            </a:effectRef>
+            <a:fontRef idx="minor">
+              <a:schemeClr val="tx1"/>
+            </a:fontRef>
+          </p:style>
+        </p:cxnSp>
+        <p:cxnSp>
+          <p:nvCxnSpPr>
+            <p:cNvPr id="9" name="直接连接符 8">
+              <a:extLst>
+                <a:ext uri="{FF2B5EF4-FFF2-40B4-BE49-F238E27FC236}">
+                  <a16:creationId xmlns:a16="http://schemas.microsoft.com/office/drawing/2014/main" id="{AECC8425-3CE1-29DE-7A14-0C3419711537}"/>
+                </a:ext>
+              </a:extLst>
+            </p:cNvPr>
+            <p:cNvCxnSpPr>
+              <a:cxnSpLocks/>
+            </p:cNvCxnSpPr>
+            <p:nvPr/>
+          </p:nvCxnSpPr>
+          <p:spPr>
+            <a:xfrm rot="5400000">
+              <a:off x="1859756" y="354744"/>
+              <a:ext cx="252413" cy="0"/>
+            </a:xfrm>
+            <a:prstGeom prst="line">
+              <a:avLst/>
+            </a:prstGeom>
+            <a:ln>
+              <a:solidFill>
+                <a:schemeClr val="accent4"/>
+              </a:solidFill>
+            </a:ln>
+          </p:spPr>
+          <p:style>
+            <a:lnRef idx="2">
+              <a:schemeClr val="accent1"/>
+            </a:lnRef>
+            <a:fillRef idx="0">
+              <a:schemeClr val="accent1"/>
+            </a:fillRef>
+            <a:effectRef idx="1">
+              <a:schemeClr val="accent1"/>
+            </a:effectRef>
+            <a:fontRef idx="minor">
+              <a:schemeClr val="tx1"/>
+            </a:fontRef>
+          </p:style>
+        </p:cxnSp>
+      </p:grpSp>
+      <p:pic>
+        <p:nvPicPr>
+          <p:cNvPr id="10" name="图片 9" descr="画着卡通人物&#10;&#10;中度可信度描述已自动生成">
+            <a:extLst>
+              <a:ext uri="{FF2B5EF4-FFF2-40B4-BE49-F238E27FC236}">
+                <a16:creationId xmlns:a16="http://schemas.microsoft.com/office/drawing/2014/main" id="{9F5B795D-5194-9648-E3E3-8C39C18CA5DE}"/>
+              </a:ext>
+            </a:extLst>
+          </p:cNvPr>
+          <p:cNvPicPr>
+            <a:picLocks noChangeAspect="1"/>
+          </p:cNvPicPr>
+          <p:nvPr/>
+        </p:nvPicPr>
+        <p:blipFill>
+          <a:blip r:embed="rId3">
+            <a:extLst>
+              <a:ext uri="{28A0092B-C50C-407E-A947-70E740481C1C}">
+                <a14:useLocalDpi xmlns:a14="http://schemas.microsoft.com/office/drawing/2010/main" val="0"/>
+              </a:ext>
+            </a:extLst>
+          </a:blip>
+          <a:stretch>
+            <a:fillRect/>
+          </a:stretch>
+        </p:blipFill>
+        <p:spPr>
+          <a:xfrm>
+            <a:off x="2325819" y="707245"/>
+            <a:ext cx="1193722" cy="218954"/>
+          </a:xfrm>
+          <a:prstGeom prst="rect">
+            <a:avLst/>
+          </a:prstGeom>
+        </p:spPr>
+      </p:pic>
+    </p:spTree>
+    <p:extLst>
+      <p:ext uri="{BB962C8B-B14F-4D97-AF65-F5344CB8AC3E}">
+        <p14:creationId xmlns:p14="http://schemas.microsoft.com/office/powerpoint/2010/main" val="3941464574"/>
+      </p:ext>
+    </p:extLst>
+  </p:cSld>
+  <p:clrMapOvr>
+    <a:masterClrMapping/>
+  </p:clrMapOvr>
+  <mc:AlternateContent xmlns:mc="http://schemas.openxmlformats.org/markup-compatibility/2006">
+    <mc:Choice xmlns:p159="http://schemas.microsoft.com/office/powerpoint/2015/09/main" Requires="p159">
+      <p:transition xmlns:p14="http://schemas.microsoft.com/office/powerpoint/2010/main" spd="slow" p14:dur="2000">
+        <p159:morph option="byObject"/>
+      </p:transition>
+    </mc:Choice>
+    <mc:Fallback>
+      <p:transition spd="slow">
+        <p:fade/>
+      </p:transition>
+    </mc:Fallback>
+  </mc:AlternateContent>
+</p:sld>
+</file>
+
+<file path=ppt/slides/slide24.xml><?xml version="1.0" encoding="utf-8"?>
+<p:sld xmlns:a="http://schemas.openxmlformats.org/drawingml/2006/main" xmlns:r="http://schemas.openxmlformats.org/officeDocument/2006/relationships" xmlns:p="http://schemas.openxmlformats.org/presentationml/2006/main">
+  <p:cSld>
+    <p:bg>
+      <p:bgPr>
+        <a:solidFill>
+          <a:srgbClr val="121633"/>
+        </a:solidFill>
+        <a:effectLst/>
+      </p:bgPr>
+    </p:bg>
+    <p:spTree>
+      <p:nvGrpSpPr>
+        <p:cNvPr id="1" name="">
+          <a:extLst>
+            <a:ext uri="{FF2B5EF4-FFF2-40B4-BE49-F238E27FC236}">
+              <a16:creationId xmlns:a16="http://schemas.microsoft.com/office/drawing/2014/main" id="{D7A6A022-822A-49C2-874E-86089008539F}"/>
+            </a:ext>
+          </a:extLst>
+        </p:cNvPr>
+        <p:cNvGrpSpPr/>
+        <p:nvPr/>
+      </p:nvGrpSpPr>
+      <p:grpSpPr>
+        <a:xfrm>
+          <a:off x="0" y="0"/>
+          <a:ext cx="0" cy="0"/>
+          <a:chOff x="0" y="0"/>
+          <a:chExt cx="0" cy="0"/>
+        </a:xfrm>
+      </p:grpSpPr>
+      <p:sp>
+        <p:nvSpPr>
+          <p:cNvPr id="6" name="L 形 5">
+            <a:extLst>
+              <a:ext uri="{FF2B5EF4-FFF2-40B4-BE49-F238E27FC236}">
+                <a16:creationId xmlns:a16="http://schemas.microsoft.com/office/drawing/2014/main" id="{FA2CD87B-CC81-0928-B84D-98899875A88A}"/>
+              </a:ext>
+            </a:extLst>
+          </p:cNvPr>
+          <p:cNvSpPr/>
+          <p:nvPr/>
+        </p:nvSpPr>
+        <p:spPr>
+          <a:xfrm rot="16200000">
+            <a:off x="11425326" y="6047098"/>
+            <a:ext cx="340866" cy="340866"/>
+          </a:xfrm>
+          <a:prstGeom prst="corner">
+            <a:avLst/>
+          </a:prstGeom>
+          <a:gradFill flip="none" rotWithShape="1">
+            <a:gsLst>
+              <a:gs pos="0">
+                <a:schemeClr val="accent5">
+                  <a:lumMod val="89000"/>
+                </a:schemeClr>
+              </a:gs>
+              <a:gs pos="23000">
+                <a:schemeClr val="accent5">
+                  <a:lumMod val="89000"/>
+                </a:schemeClr>
+              </a:gs>
+              <a:gs pos="69000">
+                <a:schemeClr val="accent5">
+                  <a:lumMod val="75000"/>
+                </a:schemeClr>
+              </a:gs>
+              <a:gs pos="97000">
+                <a:schemeClr val="accent5">
+                  <a:lumMod val="70000"/>
+                </a:schemeClr>
+              </a:gs>
+            </a:gsLst>
+            <a:path path="circle">
+              <a:fillToRect l="50000" t="50000" r="50000" b="50000"/>
+            </a:path>
+            <a:tileRect/>
+          </a:gradFill>
+          <a:ln>
+            <a:noFill/>
+          </a:ln>
+        </p:spPr>
+        <p:style>
+          <a:lnRef idx="2">
+            <a:schemeClr val="accent1">
+              <a:shade val="15000"/>
+            </a:schemeClr>
+          </a:lnRef>
+          <a:fillRef idx="1">
+            <a:schemeClr val="accent1"/>
+          </a:fillRef>
+          <a:effectRef idx="0">
+            <a:schemeClr val="accent1"/>
+          </a:effectRef>
+          <a:fontRef idx="minor">
+            <a:schemeClr val="lt1"/>
+          </a:fontRef>
+        </p:style>
+        <p:txBody>
+          <a:bodyPr rtlCol="0" anchor="ctr"/>
+          <a:lstStyle/>
+          <a:p>
+            <a:pPr algn="ctr"/>
+            <a:endParaRPr lang="zh-CN" altLang="en-US" dirty="0"/>
+          </a:p>
+        </p:txBody>
+      </p:sp>
+      <p:sp>
+        <p:nvSpPr>
+          <p:cNvPr id="5" name="文本框 4">
+            <a:extLst>
+              <a:ext uri="{FF2B5EF4-FFF2-40B4-BE49-F238E27FC236}">
+                <a16:creationId xmlns:a16="http://schemas.microsoft.com/office/drawing/2014/main" id="{1037FE23-CCDF-D86E-62A4-635E084F7367}"/>
+              </a:ext>
+            </a:extLst>
+          </p:cNvPr>
+          <p:cNvSpPr txBox="1"/>
+          <p:nvPr/>
+        </p:nvSpPr>
+        <p:spPr>
+          <a:xfrm>
+            <a:off x="1445204" y="1233959"/>
+            <a:ext cx="9301590" cy="1015663"/>
+          </a:xfrm>
+          <a:prstGeom prst="rect">
+            <a:avLst/>
+          </a:prstGeom>
+          <a:noFill/>
+        </p:spPr>
+        <p:txBody>
+          <a:bodyPr wrap="square" rtlCol="0">
+            <a:spAutoFit/>
+          </a:bodyPr>
+          <a:lstStyle/>
+          <a:p>
+            <a:pPr algn="ctr"/>
+            <a:r>
+              <a:rPr lang="en-US" altLang="zh-CN" sz="6000" dirty="0">
+                <a:latin typeface="+mj-ea"/>
+                <a:ea typeface="+mj-ea"/>
+              </a:rPr>
+              <a:t>React </a:t>
+            </a:r>
+            <a:r>
+              <a:rPr lang="zh-CN" altLang="en-US" sz="6000" dirty="0">
+                <a:latin typeface="+mj-ea"/>
+                <a:ea typeface="+mj-ea"/>
+              </a:rPr>
+              <a:t>的 </a:t>
+            </a:r>
+            <a:r>
+              <a:rPr lang="en-US" altLang="zh-CN" sz="6000" dirty="0">
+                <a:latin typeface="+mj-ea"/>
+                <a:ea typeface="+mj-ea"/>
+              </a:rPr>
+              <a:t>JavaScript </a:t>
+            </a:r>
+            <a:r>
+              <a:rPr lang="zh-CN" altLang="en-US" sz="6000" dirty="0">
+                <a:latin typeface="+mj-ea"/>
+                <a:ea typeface="+mj-ea"/>
+              </a:rPr>
+              <a:t>基础</a:t>
+            </a:r>
+          </a:p>
+        </p:txBody>
+      </p:sp>
+      <p:sp>
+        <p:nvSpPr>
+          <p:cNvPr id="3" name="文本框 2">
+            <a:extLst>
+              <a:ext uri="{FF2B5EF4-FFF2-40B4-BE49-F238E27FC236}">
+                <a16:creationId xmlns:a16="http://schemas.microsoft.com/office/drawing/2014/main" id="{7A8E7480-CF7D-0DB7-0936-C6B64FE1C970}"/>
+              </a:ext>
+            </a:extLst>
+          </p:cNvPr>
+          <p:cNvSpPr txBox="1"/>
+          <p:nvPr/>
+        </p:nvSpPr>
+        <p:spPr>
+          <a:xfrm>
+            <a:off x="797718" y="2557382"/>
+            <a:ext cx="10596562" cy="3907223"/>
+          </a:xfrm>
+          <a:prstGeom prst="rect">
+            <a:avLst/>
+          </a:prstGeom>
+          <a:noFill/>
+        </p:spPr>
+        <p:txBody>
+          <a:bodyPr wrap="square" rtlCol="0">
+            <a:spAutoFit/>
+          </a:bodyPr>
+          <a:lstStyle/>
+          <a:p>
+            <a:pPr algn="ctr">
+              <a:lnSpc>
+                <a:spcPct val="150000"/>
+              </a:lnSpc>
+            </a:pPr>
+            <a:r>
+              <a:rPr lang="zh-CN" altLang="en-US" sz="2400" dirty="0">
+                <a:latin typeface="HarmonyOS Sans SC Medium" panose="00000600000000000000" pitchFamily="2" charset="-122"/>
+                <a:ea typeface="HarmonyOS Sans SC Medium" panose="00000600000000000000" pitchFamily="2" charset="-122"/>
+              </a:rPr>
+              <a:t>函数 和 箭头函数</a:t>
+            </a:r>
+          </a:p>
+          <a:p>
+            <a:pPr algn="ctr">
+              <a:lnSpc>
+                <a:spcPct val="150000"/>
+              </a:lnSpc>
+            </a:pPr>
+            <a:r>
+              <a:rPr lang="zh-CN" altLang="en-US" sz="2400" dirty="0">
+                <a:latin typeface="HarmonyOS Sans SC Medium" panose="00000600000000000000" pitchFamily="2" charset="-122"/>
+                <a:ea typeface="HarmonyOS Sans SC Medium" panose="00000600000000000000" pitchFamily="2" charset="-122"/>
+              </a:rPr>
+              <a:t>对象</a:t>
+            </a:r>
+          </a:p>
+          <a:p>
+            <a:pPr algn="ctr">
+              <a:lnSpc>
+                <a:spcPct val="150000"/>
+              </a:lnSpc>
+            </a:pPr>
+            <a:r>
+              <a:rPr lang="zh-CN" altLang="en-US" sz="2400" dirty="0">
+                <a:latin typeface="HarmonyOS Sans SC Medium" panose="00000600000000000000" pitchFamily="2" charset="-122"/>
+                <a:ea typeface="HarmonyOS Sans SC Medium" panose="00000600000000000000" pitchFamily="2" charset="-122"/>
+              </a:rPr>
+              <a:t>数组及其方法</a:t>
+            </a:r>
+          </a:p>
+          <a:p>
+            <a:pPr algn="ctr">
+              <a:lnSpc>
+                <a:spcPct val="150000"/>
+              </a:lnSpc>
+            </a:pPr>
+            <a:r>
+              <a:rPr lang="zh-CN" altLang="en-US" sz="2400" dirty="0">
+                <a:latin typeface="HarmonyOS Sans SC Medium" panose="00000600000000000000" pitchFamily="2" charset="-122"/>
+                <a:ea typeface="HarmonyOS Sans SC Medium" panose="00000600000000000000" pitchFamily="2" charset="-122"/>
+              </a:rPr>
+              <a:t>解构赋值</a:t>
+            </a:r>
+          </a:p>
+          <a:p>
+            <a:pPr algn="ctr">
+              <a:lnSpc>
+                <a:spcPct val="150000"/>
+              </a:lnSpc>
+            </a:pPr>
+            <a:r>
+              <a:rPr lang="zh-CN" altLang="en-US" sz="2400" dirty="0">
+                <a:latin typeface="HarmonyOS Sans SC Medium" panose="00000600000000000000" pitchFamily="2" charset="-122"/>
+                <a:ea typeface="HarmonyOS Sans SC Medium" panose="00000600000000000000" pitchFamily="2" charset="-122"/>
+              </a:rPr>
+              <a:t>模板字符串</a:t>
+            </a:r>
+          </a:p>
+          <a:p>
+            <a:pPr algn="ctr">
+              <a:lnSpc>
+                <a:spcPct val="150000"/>
+              </a:lnSpc>
+            </a:pPr>
+            <a:r>
+              <a:rPr lang="zh-CN" altLang="en-US" sz="2400" dirty="0">
+                <a:latin typeface="HarmonyOS Sans SC Medium" panose="00000600000000000000" pitchFamily="2" charset="-122"/>
+                <a:ea typeface="HarmonyOS Sans SC Medium" panose="00000600000000000000" pitchFamily="2" charset="-122"/>
+              </a:rPr>
+              <a:t>三元运算符</a:t>
+            </a:r>
+          </a:p>
+          <a:p>
+            <a:pPr algn="ctr">
+              <a:lnSpc>
+                <a:spcPct val="150000"/>
+              </a:lnSpc>
+            </a:pPr>
+            <a:r>
+              <a:rPr lang="en-US" altLang="zh-CN" sz="2400" dirty="0">
+                <a:latin typeface="HarmonyOS Sans SC Medium" panose="00000600000000000000" pitchFamily="2" charset="-122"/>
+                <a:ea typeface="HarmonyOS Sans SC Medium" panose="00000600000000000000" pitchFamily="2" charset="-122"/>
+              </a:rPr>
+              <a:t>ES </a:t>
+            </a:r>
+            <a:r>
+              <a:rPr lang="zh-CN" altLang="en-US" sz="2400" dirty="0">
+                <a:latin typeface="HarmonyOS Sans SC Medium" panose="00000600000000000000" pitchFamily="2" charset="-122"/>
+                <a:ea typeface="HarmonyOS Sans SC Medium" panose="00000600000000000000" pitchFamily="2" charset="-122"/>
+              </a:rPr>
+              <a:t>模块和导入</a:t>
+            </a:r>
+            <a:r>
+              <a:rPr lang="en-US" altLang="zh-CN" sz="2400" dirty="0">
+                <a:latin typeface="HarmonyOS Sans SC Medium" panose="00000600000000000000" pitchFamily="2" charset="-122"/>
+                <a:ea typeface="HarmonyOS Sans SC Medium" panose="00000600000000000000" pitchFamily="2" charset="-122"/>
+              </a:rPr>
+              <a:t>/</a:t>
+            </a:r>
+            <a:r>
+              <a:rPr lang="zh-CN" altLang="en-US" sz="2400" dirty="0">
+                <a:latin typeface="HarmonyOS Sans SC Medium" panose="00000600000000000000" pitchFamily="2" charset="-122"/>
+                <a:ea typeface="HarmonyOS Sans SC Medium" panose="00000600000000000000" pitchFamily="2" charset="-122"/>
+              </a:rPr>
+              <a:t>导出语法</a:t>
+            </a:r>
+            <a:endParaRPr lang="zh-CN" altLang="en-US" sz="2400" dirty="0">
+              <a:latin typeface="HarmonyOS Sans SC Light" panose="00000400000000000000" pitchFamily="2" charset="-122"/>
+              <a:ea typeface="HarmonyOS Sans SC Light" panose="00000400000000000000" pitchFamily="2" charset="-122"/>
+            </a:endParaRPr>
+          </a:p>
+        </p:txBody>
+      </p:sp>
+      <p:pic>
+        <p:nvPicPr>
+          <p:cNvPr id="4" name="图片 3" descr="文本&#10;&#10;描述已自动生成">
+            <a:extLst>
+              <a:ext uri="{FF2B5EF4-FFF2-40B4-BE49-F238E27FC236}">
+                <a16:creationId xmlns:a16="http://schemas.microsoft.com/office/drawing/2014/main" id="{9B786E4F-1A03-1052-5A62-DA85CF19EE4A}"/>
+              </a:ext>
+            </a:extLst>
+          </p:cNvPr>
+          <p:cNvPicPr>
+            <a:picLocks noChangeAspect="1"/>
+          </p:cNvPicPr>
+          <p:nvPr/>
+        </p:nvPicPr>
+        <p:blipFill>
+          <a:blip r:embed="rId2">
+            <a:extLst>
+              <a:ext uri="{28A0092B-C50C-407E-A947-70E740481C1C}">
+                <a14:useLocalDpi xmlns:a14="http://schemas.microsoft.com/office/drawing/2010/main" val="0"/>
+              </a:ext>
+            </a:extLst>
+          </a:blip>
+          <a:srcRect l="8541" t="32975" r="50762" b="24967"/>
+          <a:stretch/>
+        </p:blipFill>
+        <p:spPr>
+          <a:xfrm>
+            <a:off x="670104" y="583651"/>
+            <a:ext cx="1149170" cy="466142"/>
+          </a:xfrm>
+          <a:prstGeom prst="rect">
+            <a:avLst/>
+          </a:prstGeom>
+        </p:spPr>
+      </p:pic>
+      <p:grpSp>
+        <p:nvGrpSpPr>
+          <p:cNvPr id="7" name="组合 6">
+            <a:extLst>
+              <a:ext uri="{FF2B5EF4-FFF2-40B4-BE49-F238E27FC236}">
+                <a16:creationId xmlns:a16="http://schemas.microsoft.com/office/drawing/2014/main" id="{7254FFCC-6654-90E7-D428-CB00EA0EF451}"/>
+              </a:ext>
+            </a:extLst>
+          </p:cNvPr>
+          <p:cNvGrpSpPr/>
+          <p:nvPr/>
+        </p:nvGrpSpPr>
+        <p:grpSpPr>
+          <a:xfrm rot="2700000">
+            <a:off x="1976438" y="763144"/>
+            <a:ext cx="107157" cy="107157"/>
+            <a:chOff x="1859756" y="228537"/>
+            <a:chExt cx="252413" cy="252413"/>
+          </a:xfrm>
+        </p:grpSpPr>
+        <p:cxnSp>
+          <p:nvCxnSpPr>
+            <p:cNvPr id="8" name="直接连接符 7">
+              <a:extLst>
+                <a:ext uri="{FF2B5EF4-FFF2-40B4-BE49-F238E27FC236}">
+                  <a16:creationId xmlns:a16="http://schemas.microsoft.com/office/drawing/2014/main" id="{113A1B49-0D4F-412B-B800-0BA79CE69D23}"/>
+                </a:ext>
+              </a:extLst>
+            </p:cNvPr>
+            <p:cNvCxnSpPr>
+              <a:cxnSpLocks/>
+            </p:cNvCxnSpPr>
+            <p:nvPr/>
+          </p:nvCxnSpPr>
+          <p:spPr>
+            <a:xfrm>
+              <a:off x="1859756" y="354744"/>
+              <a:ext cx="252413" cy="0"/>
+            </a:xfrm>
+            <a:prstGeom prst="line">
+              <a:avLst/>
+            </a:prstGeom>
+            <a:ln>
+              <a:solidFill>
+                <a:schemeClr val="accent4"/>
+              </a:solidFill>
+            </a:ln>
+          </p:spPr>
+          <p:style>
+            <a:lnRef idx="2">
+              <a:schemeClr val="accent1"/>
+            </a:lnRef>
+            <a:fillRef idx="0">
+              <a:schemeClr val="accent1"/>
+            </a:fillRef>
+            <a:effectRef idx="1">
+              <a:schemeClr val="accent1"/>
+            </a:effectRef>
+            <a:fontRef idx="minor">
+              <a:schemeClr val="tx1"/>
+            </a:fontRef>
+          </p:style>
+        </p:cxnSp>
+        <p:cxnSp>
+          <p:nvCxnSpPr>
+            <p:cNvPr id="9" name="直接连接符 8">
+              <a:extLst>
+                <a:ext uri="{FF2B5EF4-FFF2-40B4-BE49-F238E27FC236}">
+                  <a16:creationId xmlns:a16="http://schemas.microsoft.com/office/drawing/2014/main" id="{840F0DFF-D2F1-F24F-7706-6ECA3625D3F9}"/>
+                </a:ext>
+              </a:extLst>
+            </p:cNvPr>
+            <p:cNvCxnSpPr>
+              <a:cxnSpLocks/>
+            </p:cNvCxnSpPr>
+            <p:nvPr/>
+          </p:nvCxnSpPr>
+          <p:spPr>
+            <a:xfrm rot="5400000">
+              <a:off x="1859756" y="354744"/>
+              <a:ext cx="252413" cy="0"/>
+            </a:xfrm>
+            <a:prstGeom prst="line">
+              <a:avLst/>
+            </a:prstGeom>
+            <a:ln>
+              <a:solidFill>
+                <a:schemeClr val="accent4"/>
+              </a:solidFill>
+            </a:ln>
+          </p:spPr>
+          <p:style>
+            <a:lnRef idx="2">
+              <a:schemeClr val="accent1"/>
+            </a:lnRef>
+            <a:fillRef idx="0">
+              <a:schemeClr val="accent1"/>
+            </a:fillRef>
+            <a:effectRef idx="1">
+              <a:schemeClr val="accent1"/>
+            </a:effectRef>
+            <a:fontRef idx="minor">
+              <a:schemeClr val="tx1"/>
+            </a:fontRef>
+          </p:style>
+        </p:cxnSp>
+      </p:grpSp>
+      <p:pic>
+        <p:nvPicPr>
+          <p:cNvPr id="10" name="图片 9" descr="画着卡通人物&#10;&#10;中度可信度描述已自动生成">
+            <a:extLst>
+              <a:ext uri="{FF2B5EF4-FFF2-40B4-BE49-F238E27FC236}">
+                <a16:creationId xmlns:a16="http://schemas.microsoft.com/office/drawing/2014/main" id="{4EF72850-F149-0444-DA61-4C3B523F73EB}"/>
+              </a:ext>
+            </a:extLst>
+          </p:cNvPr>
+          <p:cNvPicPr>
+            <a:picLocks noChangeAspect="1"/>
+          </p:cNvPicPr>
+          <p:nvPr/>
+        </p:nvPicPr>
+        <p:blipFill>
+          <a:blip r:embed="rId3">
+            <a:extLst>
+              <a:ext uri="{28A0092B-C50C-407E-A947-70E740481C1C}">
+                <a14:useLocalDpi xmlns:a14="http://schemas.microsoft.com/office/drawing/2010/main" val="0"/>
+              </a:ext>
+            </a:extLst>
+          </a:blip>
+          <a:stretch>
+            <a:fillRect/>
+          </a:stretch>
+        </p:blipFill>
+        <p:spPr>
+          <a:xfrm>
+            <a:off x="2325819" y="707245"/>
+            <a:ext cx="1193722" cy="218954"/>
+          </a:xfrm>
+          <a:prstGeom prst="rect">
+            <a:avLst/>
+          </a:prstGeom>
+        </p:spPr>
+      </p:pic>
+    </p:spTree>
+    <p:extLst>
+      <p:ext uri="{BB962C8B-B14F-4D97-AF65-F5344CB8AC3E}">
+        <p14:creationId xmlns:p14="http://schemas.microsoft.com/office/powerpoint/2010/main" val="273707459"/>
+      </p:ext>
+    </p:extLst>
+  </p:cSld>
+  <p:clrMapOvr>
+    <a:masterClrMapping/>
+  </p:clrMapOvr>
+  <mc:AlternateContent xmlns:mc="http://schemas.openxmlformats.org/markup-compatibility/2006">
+    <mc:Choice xmlns:p159="http://schemas.microsoft.com/office/powerpoint/2015/09/main" Requires="p159">
+      <p:transition xmlns:p14="http://schemas.microsoft.com/office/powerpoint/2010/main" spd="slow" p14:dur="2000">
+        <p159:morph option="byObject"/>
+      </p:transition>
+    </mc:Choice>
+    <mc:Fallback>
+      <p:transition spd="slow">
+        <p:fade/>
+      </p:transition>
+    </mc:Fallback>
+  </mc:AlternateContent>
+</p:sld>
+</file>
+
+<file path=ppt/slides/slide25.xml><?xml version="1.0" encoding="utf-8"?>
 <p:sld xmlns:a="http://schemas.openxmlformats.org/drawingml/2006/main" xmlns:r="http://schemas.openxmlformats.org/officeDocument/2006/relationships" xmlns:p="http://schemas.openxmlformats.org/presentationml/2006/main">
   <p:cSld>
     <p:bg>
@@ -9672,13 +11285,13 @@
   <p:clrMapOvr>
     <a:masterClrMapping/>
   </p:clrMapOvr>
-  <mc:AlternateContent xmlns:mc="http://schemas.openxmlformats.org/markup-compatibility/2006">
-    <mc:Choice xmlns:p159="http://schemas.microsoft.com/office/powerpoint/2015/09/main" Requires="p159">
+  <mc:AlternateContent xmlns:mc="http://schemas.openxmlformats.org/markup-compatibility/2006" xmlns:p159="http://schemas.microsoft.com/office/powerpoint/2015/09/main">
+    <mc:Choice Requires="p159">
       <p:transition xmlns:p14="http://schemas.microsoft.com/office/powerpoint/2010/main" spd="slow" p14:dur="2000">
         <p159:morph option="byObject"/>
       </p:transition>
     </mc:Choice>
-    <mc:Fallback>
+    <mc:Fallback xmlns="">
       <p:transition spd="slow">
         <p:fade/>
       </p:transition>
@@ -10282,13 +11895,13 @@
   <p:clrMapOvr>
     <a:masterClrMapping/>
   </p:clrMapOvr>
-  <mc:AlternateContent xmlns:mc="http://schemas.openxmlformats.org/markup-compatibility/2006">
-    <mc:Choice xmlns:p159="http://schemas.microsoft.com/office/powerpoint/2015/09/main" Requires="p159">
+  <mc:AlternateContent xmlns:mc="http://schemas.openxmlformats.org/markup-compatibility/2006" xmlns:p159="http://schemas.microsoft.com/office/powerpoint/2015/09/main">
+    <mc:Choice Requires="p159">
       <p:transition xmlns:p14="http://schemas.microsoft.com/office/powerpoint/2010/main" spd="slow" p14:dur="2000">
         <p159:morph option="byObject"/>
       </p:transition>
     </mc:Choice>
-    <mc:Fallback>
+    <mc:Fallback xmlns="">
       <p:transition spd="slow">
         <p:fade/>
       </p:transition>
@@ -10636,13 +12249,13 @@
   <p:clrMapOvr>
     <a:masterClrMapping/>
   </p:clrMapOvr>
-  <mc:AlternateContent xmlns:mc="http://schemas.openxmlformats.org/markup-compatibility/2006">
-    <mc:Choice xmlns:p159="http://schemas.microsoft.com/office/powerpoint/2015/09/main" Requires="p159">
+  <mc:AlternateContent xmlns:mc="http://schemas.openxmlformats.org/markup-compatibility/2006" xmlns:p159="http://schemas.microsoft.com/office/powerpoint/2015/09/main">
+    <mc:Choice Requires="p159">
       <p:transition xmlns:p14="http://schemas.microsoft.com/office/powerpoint/2010/main" spd="slow" p14:dur="2000">
         <p159:morph option="byObject"/>
       </p:transition>
     </mc:Choice>
-    <mc:Fallback>
+    <mc:Fallback xmlns="">
       <p:transition spd="slow">
         <p:fade/>
       </p:transition>
@@ -11058,13 +12671,13 @@
   <p:clrMapOvr>
     <a:masterClrMapping/>
   </p:clrMapOvr>
-  <mc:AlternateContent xmlns:mc="http://schemas.openxmlformats.org/markup-compatibility/2006">
-    <mc:Choice xmlns:p159="http://schemas.microsoft.com/office/powerpoint/2015/09/main" Requires="p159">
+  <mc:AlternateContent xmlns:mc="http://schemas.openxmlformats.org/markup-compatibility/2006" xmlns:p159="http://schemas.microsoft.com/office/powerpoint/2015/09/main">
+    <mc:Choice Requires="p159">
       <p:transition xmlns:p14="http://schemas.microsoft.com/office/powerpoint/2010/main" spd="slow" p14:dur="2000">
         <p159:morph option="byObject"/>
       </p:transition>
     </mc:Choice>
-    <mc:Fallback>
+    <mc:Fallback xmlns="">
       <p:transition spd="slow">
         <p:fade/>
       </p:transition>
@@ -11422,13 +13035,13 @@
   <p:clrMapOvr>
     <a:masterClrMapping/>
   </p:clrMapOvr>
-  <mc:AlternateContent xmlns:mc="http://schemas.openxmlformats.org/markup-compatibility/2006">
-    <mc:Choice xmlns:p159="http://schemas.microsoft.com/office/powerpoint/2015/09/main" Requires="p159">
+  <mc:AlternateContent xmlns:mc="http://schemas.openxmlformats.org/markup-compatibility/2006" xmlns:p159="http://schemas.microsoft.com/office/powerpoint/2015/09/main">
+    <mc:Choice Requires="p159">
       <p:transition xmlns:p14="http://schemas.microsoft.com/office/powerpoint/2010/main" spd="slow" p14:dur="2000">
         <p159:morph option="byObject"/>
       </p:transition>
     </mc:Choice>
-    <mc:Fallback>
+    <mc:Fallback xmlns="">
       <p:transition spd="slow">
         <p:fade/>
       </p:transition>
@@ -11833,13 +13446,13 @@
   <p:clrMapOvr>
     <a:masterClrMapping/>
   </p:clrMapOvr>
-  <mc:AlternateContent xmlns:mc="http://schemas.openxmlformats.org/markup-compatibility/2006">
-    <mc:Choice xmlns:p159="http://schemas.microsoft.com/office/powerpoint/2015/09/main" Requires="p159">
+  <mc:AlternateContent xmlns:mc="http://schemas.openxmlformats.org/markup-compatibility/2006" xmlns:p159="http://schemas.microsoft.com/office/powerpoint/2015/09/main">
+    <mc:Choice Requires="p159">
       <p:transition xmlns:p14="http://schemas.microsoft.com/office/powerpoint/2010/main" spd="slow" p14:dur="2000">
         <p159:morph option="byObject"/>
       </p:transition>
     </mc:Choice>
-    <mc:Fallback>
+    <mc:Fallback xmlns="">
       <p:transition spd="slow">
         <p:fade/>
       </p:transition>
@@ -12291,13 +13904,13 @@
   <p:clrMapOvr>
     <a:masterClrMapping/>
   </p:clrMapOvr>
-  <mc:AlternateContent xmlns:mc="http://schemas.openxmlformats.org/markup-compatibility/2006">
-    <mc:Choice xmlns:p159="http://schemas.microsoft.com/office/powerpoint/2015/09/main" Requires="p159">
+  <mc:AlternateContent xmlns:mc="http://schemas.openxmlformats.org/markup-compatibility/2006" xmlns:p159="http://schemas.microsoft.com/office/powerpoint/2015/09/main">
+    <mc:Choice Requires="p159">
       <p:transition xmlns:p14="http://schemas.microsoft.com/office/powerpoint/2010/main" spd="slow" p14:dur="2000">
         <p159:morph option="byObject"/>
       </p:transition>
     </mc:Choice>
-    <mc:Fallback>
+    <mc:Fallback xmlns="">
       <p:transition spd="slow">
         <p:fade/>
       </p:transition>
@@ -12645,13 +14258,13 @@
   <p:clrMapOvr>
     <a:masterClrMapping/>
   </p:clrMapOvr>
-  <mc:AlternateContent xmlns:mc="http://schemas.openxmlformats.org/markup-compatibility/2006">
-    <mc:Choice xmlns:p159="http://schemas.microsoft.com/office/powerpoint/2015/09/main" Requires="p159">
+  <mc:AlternateContent xmlns:mc="http://schemas.openxmlformats.org/markup-compatibility/2006" xmlns:p159="http://schemas.microsoft.com/office/powerpoint/2015/09/main">
+    <mc:Choice Requires="p159">
       <p:transition xmlns:p14="http://schemas.microsoft.com/office/powerpoint/2010/main" spd="slow" p14:dur="2000">
         <p159:morph option="byObject"/>
       </p:transition>
     </mc:Choice>
-    <mc:Fallback>
+    <mc:Fallback xmlns="">
       <p:transition spd="slow">
         <p:fade/>
       </p:transition>

--- a/01 DOM & UI/01 DOM & UI.pptx
+++ b/01 DOM & UI/01 DOM & UI.pptx
@@ -6,30 +6,31 @@
   </p:sldMasterIdLst>
   <p:sldIdLst>
     <p:sldId id="268" r:id="rId2"/>
-    <p:sldId id="271" r:id="rId3"/>
-    <p:sldId id="270" r:id="rId4"/>
-    <p:sldId id="272" r:id="rId5"/>
-    <p:sldId id="273" r:id="rId6"/>
-    <p:sldId id="274" r:id="rId7"/>
-    <p:sldId id="275" r:id="rId8"/>
-    <p:sldId id="276" r:id="rId9"/>
-    <p:sldId id="277" r:id="rId10"/>
-    <p:sldId id="278" r:id="rId11"/>
-    <p:sldId id="279" r:id="rId12"/>
-    <p:sldId id="281" r:id="rId13"/>
-    <p:sldId id="280" r:id="rId14"/>
-    <p:sldId id="282" r:id="rId15"/>
-    <p:sldId id="283" r:id="rId16"/>
-    <p:sldId id="284" r:id="rId17"/>
-    <p:sldId id="285" r:id="rId18"/>
-    <p:sldId id="286" r:id="rId19"/>
-    <p:sldId id="287" r:id="rId20"/>
-    <p:sldId id="288" r:id="rId21"/>
-    <p:sldId id="290" r:id="rId22"/>
-    <p:sldId id="291" r:id="rId23"/>
-    <p:sldId id="292" r:id="rId24"/>
-    <p:sldId id="293" r:id="rId25"/>
-    <p:sldId id="289" r:id="rId26"/>
+    <p:sldId id="294" r:id="rId3"/>
+    <p:sldId id="271" r:id="rId4"/>
+    <p:sldId id="270" r:id="rId5"/>
+    <p:sldId id="272" r:id="rId6"/>
+    <p:sldId id="273" r:id="rId7"/>
+    <p:sldId id="274" r:id="rId8"/>
+    <p:sldId id="275" r:id="rId9"/>
+    <p:sldId id="276" r:id="rId10"/>
+    <p:sldId id="277" r:id="rId11"/>
+    <p:sldId id="278" r:id="rId12"/>
+    <p:sldId id="279" r:id="rId13"/>
+    <p:sldId id="281" r:id="rId14"/>
+    <p:sldId id="280" r:id="rId15"/>
+    <p:sldId id="282" r:id="rId16"/>
+    <p:sldId id="283" r:id="rId17"/>
+    <p:sldId id="284" r:id="rId18"/>
+    <p:sldId id="285" r:id="rId19"/>
+    <p:sldId id="286" r:id="rId20"/>
+    <p:sldId id="287" r:id="rId21"/>
+    <p:sldId id="288" r:id="rId22"/>
+    <p:sldId id="290" r:id="rId23"/>
+    <p:sldId id="291" r:id="rId24"/>
+    <p:sldId id="292" r:id="rId25"/>
+    <p:sldId id="293" r:id="rId26"/>
+    <p:sldId id="289" r:id="rId27"/>
   </p:sldIdLst>
   <p:sldSz cx="12192000" cy="6858000"/>
   <p:notesSz cx="6858000" cy="9144000"/>
@@ -134,6 +135,7 @@
         <p14:section name="西科" id="{39D87A46-8743-4CDF-9117-A24352A8D0EA}">
           <p14:sldIdLst>
             <p14:sldId id="268"/>
+            <p14:sldId id="294"/>
             <p14:sldId id="271"/>
             <p14:sldId id="270"/>
             <p14:sldId id="272"/>
@@ -4192,7 +4194,7 @@
         <p:cNvPr id="1" name="">
           <a:extLst>
             <a:ext uri="{FF2B5EF4-FFF2-40B4-BE49-F238E27FC236}">
-              <a16:creationId xmlns:a16="http://schemas.microsoft.com/office/drawing/2014/main" id="{CE4D2014-3656-04FC-2290-BC45A35EF552}"/>
+              <a16:creationId xmlns:a16="http://schemas.microsoft.com/office/drawing/2014/main" id="{F111CC58-2EFC-D105-A443-934C609FC23F}"/>
             </a:ext>
           </a:extLst>
         </p:cNvPr>
@@ -4212,7 +4214,7 @@
           <p:cNvPr id="6" name="L 形 5">
             <a:extLst>
               <a:ext uri="{FF2B5EF4-FFF2-40B4-BE49-F238E27FC236}">
-                <a16:creationId xmlns:a16="http://schemas.microsoft.com/office/drawing/2014/main" id="{D60FA4D5-8A02-98A3-E211-AE6713314E14}"/>
+                <a16:creationId xmlns:a16="http://schemas.microsoft.com/office/drawing/2014/main" id="{E0C56ECF-FA03-6D95-24B8-37A4902D0F45}"/>
               </a:ext>
             </a:extLst>
           </p:cNvPr>
@@ -4289,7 +4291,7 @@
           <p:cNvPr id="5" name="文本框 4">
             <a:extLst>
               <a:ext uri="{FF2B5EF4-FFF2-40B4-BE49-F238E27FC236}">
-                <a16:creationId xmlns:a16="http://schemas.microsoft.com/office/drawing/2014/main" id="{D87D74AB-FD7E-461B-3F4F-2578E1B593F6}"/>
+                <a16:creationId xmlns:a16="http://schemas.microsoft.com/office/drawing/2014/main" id="{67EF5E8F-8C2B-FD83-0954-D60131F963FD}"/>
               </a:ext>
             </a:extLst>
           </p:cNvPr>
@@ -4298,7 +4300,7 @@
         </p:nvSpPr>
         <p:spPr>
           <a:xfrm>
-            <a:off x="1699563" y="2226507"/>
+            <a:off x="1699563" y="2921168"/>
             <a:ext cx="8792873" cy="1015663"/>
           </a:xfrm>
           <a:prstGeom prst="rect">
@@ -4327,94 +4329,12 @@
           </a:p>
         </p:txBody>
       </p:sp>
-      <p:sp>
-        <p:nvSpPr>
-          <p:cNvPr id="3" name="文本框 2">
-            <a:extLst>
-              <a:ext uri="{FF2B5EF4-FFF2-40B4-BE49-F238E27FC236}">
-                <a16:creationId xmlns:a16="http://schemas.microsoft.com/office/drawing/2014/main" id="{5941210F-E5BE-FC6B-85E9-04274D800EC7}"/>
-              </a:ext>
-            </a:extLst>
-          </p:cNvPr>
-          <p:cNvSpPr txBox="1"/>
-          <p:nvPr/>
-        </p:nvSpPr>
-        <p:spPr>
-          <a:xfrm>
-            <a:off x="797718" y="3671560"/>
-            <a:ext cx="10596562" cy="721736"/>
-          </a:xfrm>
-          <a:prstGeom prst="rect">
-            <a:avLst/>
-          </a:prstGeom>
-          <a:noFill/>
-        </p:spPr>
-        <p:txBody>
-          <a:bodyPr wrap="square" rtlCol="0">
-            <a:spAutoFit/>
-          </a:bodyPr>
-          <a:lstStyle/>
-          <a:p>
-            <a:pPr algn="ctr">
-              <a:lnSpc>
-                <a:spcPct val="200000"/>
-              </a:lnSpc>
-            </a:pPr>
-            <a:r>
-              <a:rPr lang="en-US" altLang="zh-CN" sz="2400" dirty="0">
-                <a:latin typeface="HarmonyOS Sans SC Medium" panose="00000600000000000000" pitchFamily="2" charset="-122"/>
-                <a:ea typeface="HarmonyOS Sans SC Medium" panose="00000600000000000000" pitchFamily="2" charset="-122"/>
-              </a:rPr>
-              <a:t>Next.js </a:t>
-            </a:r>
-            <a:r>
-              <a:rPr lang="zh-CN" altLang="en-US" sz="2400" dirty="0">
-                <a:latin typeface="HarmonyOS Sans SC Medium" panose="00000600000000000000" pitchFamily="2" charset="-122"/>
-                <a:ea typeface="HarmonyOS Sans SC Medium" panose="00000600000000000000" pitchFamily="2" charset="-122"/>
-              </a:rPr>
-              <a:t>是一个提供构建块用于创建 </a:t>
-            </a:r>
-            <a:r>
-              <a:rPr lang="en-US" altLang="zh-CN" sz="2400" dirty="0">
-                <a:latin typeface="HarmonyOS Sans SC Medium" panose="00000600000000000000" pitchFamily="2" charset="-122"/>
-                <a:ea typeface="HarmonyOS Sans SC Medium" panose="00000600000000000000" pitchFamily="2" charset="-122"/>
-              </a:rPr>
-              <a:t>Web </a:t>
-            </a:r>
-            <a:r>
-              <a:rPr lang="zh-CN" altLang="en-US" sz="2400" dirty="0">
-                <a:latin typeface="HarmonyOS Sans SC Medium" panose="00000600000000000000" pitchFamily="2" charset="-122"/>
-                <a:ea typeface="HarmonyOS Sans SC Medium" panose="00000600000000000000" pitchFamily="2" charset="-122"/>
-              </a:rPr>
-              <a:t>应用程序的 </a:t>
-            </a:r>
-            <a:r>
-              <a:rPr lang="en-US" altLang="zh-CN" sz="2400" dirty="0">
-                <a:latin typeface="HarmonyOS Sans SC Medium" panose="00000600000000000000" pitchFamily="2" charset="-122"/>
-                <a:ea typeface="HarmonyOS Sans SC Medium" panose="00000600000000000000" pitchFamily="2" charset="-122"/>
-              </a:rPr>
-              <a:t>React </a:t>
-            </a:r>
-            <a:r>
-              <a:rPr lang="zh-CN" altLang="en-US" sz="2400" dirty="0">
-                <a:latin typeface="HarmonyOS Sans SC Medium" panose="00000600000000000000" pitchFamily="2" charset="-122"/>
-                <a:ea typeface="HarmonyOS Sans SC Medium" panose="00000600000000000000" pitchFamily="2" charset="-122"/>
-              </a:rPr>
-              <a:t>框架。</a:t>
-            </a:r>
-            <a:endParaRPr lang="zh-CN" altLang="en-US" sz="2400" dirty="0">
-              <a:latin typeface="HarmonyOS Sans SC Light" panose="00000400000000000000" pitchFamily="2" charset="-122"/>
-              <a:ea typeface="HarmonyOS Sans SC Light" panose="00000400000000000000" pitchFamily="2" charset="-122"/>
-            </a:endParaRPr>
-          </a:p>
-        </p:txBody>
-      </p:sp>
       <p:pic>
         <p:nvPicPr>
           <p:cNvPr id="4" name="图片 3" descr="文本&#10;&#10;描述已自动生成">
             <a:extLst>
               <a:ext uri="{FF2B5EF4-FFF2-40B4-BE49-F238E27FC236}">
-                <a16:creationId xmlns:a16="http://schemas.microsoft.com/office/drawing/2014/main" id="{1D39C110-CA4C-08DE-E4E2-40E880445FB5}"/>
+                <a16:creationId xmlns:a16="http://schemas.microsoft.com/office/drawing/2014/main" id="{41BD99CE-8543-EBE4-7F47-C390B1DFBEA8}"/>
               </a:ext>
             </a:extLst>
           </p:cNvPr>
@@ -4449,7 +4369,7 @@
           <p:cNvPr id="7" name="组合 6">
             <a:extLst>
               <a:ext uri="{FF2B5EF4-FFF2-40B4-BE49-F238E27FC236}">
-                <a16:creationId xmlns:a16="http://schemas.microsoft.com/office/drawing/2014/main" id="{AF705D76-1543-DFF8-1A96-0EDDAF196220}"/>
+                <a16:creationId xmlns:a16="http://schemas.microsoft.com/office/drawing/2014/main" id="{2362A935-6239-D984-00B4-C942BA0C03D2}"/>
               </a:ext>
             </a:extLst>
           </p:cNvPr>
@@ -4469,7 +4389,7 @@
             <p:cNvPr id="8" name="直接连接符 7">
               <a:extLst>
                 <a:ext uri="{FF2B5EF4-FFF2-40B4-BE49-F238E27FC236}">
-                  <a16:creationId xmlns:a16="http://schemas.microsoft.com/office/drawing/2014/main" id="{E45C09AE-5931-C996-185F-31C116CB15CE}"/>
+                  <a16:creationId xmlns:a16="http://schemas.microsoft.com/office/drawing/2014/main" id="{FC8EFE0B-C7DC-EE9D-F4A9-9793D85765B7}"/>
                 </a:ext>
               </a:extLst>
             </p:cNvPr>
@@ -4512,7 +4432,7 @@
             <p:cNvPr id="9" name="直接连接符 8">
               <a:extLst>
                 <a:ext uri="{FF2B5EF4-FFF2-40B4-BE49-F238E27FC236}">
-                  <a16:creationId xmlns:a16="http://schemas.microsoft.com/office/drawing/2014/main" id="{EDD77E22-9408-D126-3376-A2CE41095F85}"/>
+                  <a16:creationId xmlns:a16="http://schemas.microsoft.com/office/drawing/2014/main" id="{85E690FC-683F-BD45-72A4-3CD259AD0CC5}"/>
                 </a:ext>
               </a:extLst>
             </p:cNvPr>
@@ -4556,7 +4476,7 @@
           <p:cNvPr id="10" name="图片 9" descr="画着卡通人物&#10;&#10;中度可信度描述已自动生成">
             <a:extLst>
               <a:ext uri="{FF2B5EF4-FFF2-40B4-BE49-F238E27FC236}">
-                <a16:creationId xmlns:a16="http://schemas.microsoft.com/office/drawing/2014/main" id="{9FE0D93E-B149-EF53-091F-547E01E5690E}"/>
+                <a16:creationId xmlns:a16="http://schemas.microsoft.com/office/drawing/2014/main" id="{F344BC8C-01CC-5D3D-4D33-CAEB09BDA671}"/>
               </a:ext>
             </a:extLst>
           </p:cNvPr>
@@ -4590,7 +4510,7 @@
     </p:spTree>
     <p:extLst>
       <p:ext uri="{BB962C8B-B14F-4D97-AF65-F5344CB8AC3E}">
-        <p14:creationId xmlns:p14="http://schemas.microsoft.com/office/powerpoint/2010/main" val="2083029886"/>
+        <p14:creationId xmlns:p14="http://schemas.microsoft.com/office/powerpoint/2010/main" val="1158315764"/>
       </p:ext>
     </p:extLst>
   </p:cSld>
@@ -4628,7 +4548,7 @@
         <p:cNvPr id="1" name="">
           <a:extLst>
             <a:ext uri="{FF2B5EF4-FFF2-40B4-BE49-F238E27FC236}">
-              <a16:creationId xmlns:a16="http://schemas.microsoft.com/office/drawing/2014/main" id="{19ECA13D-ABB1-79B4-9EBD-90D483336A42}"/>
+              <a16:creationId xmlns:a16="http://schemas.microsoft.com/office/drawing/2014/main" id="{CE4D2014-3656-04FC-2290-BC45A35EF552}"/>
             </a:ext>
           </a:extLst>
         </p:cNvPr>
@@ -4648,7 +4568,7 @@
           <p:cNvPr id="6" name="L 形 5">
             <a:extLst>
               <a:ext uri="{FF2B5EF4-FFF2-40B4-BE49-F238E27FC236}">
-                <a16:creationId xmlns:a16="http://schemas.microsoft.com/office/drawing/2014/main" id="{1FC94A21-8114-04BC-FA76-BAA1D34F4387}"/>
+                <a16:creationId xmlns:a16="http://schemas.microsoft.com/office/drawing/2014/main" id="{D60FA4D5-8A02-98A3-E211-AE6713314E14}"/>
               </a:ext>
             </a:extLst>
           </p:cNvPr>
@@ -4725,7 +4645,7 @@
           <p:cNvPr id="5" name="文本框 4">
             <a:extLst>
               <a:ext uri="{FF2B5EF4-FFF2-40B4-BE49-F238E27FC236}">
-                <a16:creationId xmlns:a16="http://schemas.microsoft.com/office/drawing/2014/main" id="{B2E02623-2B41-A3EB-8E9D-A5B07CC92C68}"/>
+                <a16:creationId xmlns:a16="http://schemas.microsoft.com/office/drawing/2014/main" id="{D87D74AB-FD7E-461B-3F4F-2578E1B593F6}"/>
               </a:ext>
             </a:extLst>
           </p:cNvPr>
@@ -4734,7 +4654,7 @@
         </p:nvSpPr>
         <p:spPr>
           <a:xfrm>
-            <a:off x="1699558" y="1187285"/>
+            <a:off x="1699563" y="2226507"/>
             <a:ext cx="8792873" cy="1015663"/>
           </a:xfrm>
           <a:prstGeom prst="rect">
@@ -4768,7 +4688,7 @@
           <p:cNvPr id="3" name="文本框 2">
             <a:extLst>
               <a:ext uri="{FF2B5EF4-FFF2-40B4-BE49-F238E27FC236}">
-                <a16:creationId xmlns:a16="http://schemas.microsoft.com/office/drawing/2014/main" id="{3F5E8C8D-41FF-D872-5775-3BEED8D66E98}"/>
+                <a16:creationId xmlns:a16="http://schemas.microsoft.com/office/drawing/2014/main" id="{5941210F-E5BE-FC6B-85E9-04274D800EC7}"/>
               </a:ext>
             </a:extLst>
           </p:cNvPr>
@@ -4777,7 +4697,7 @@
         </p:nvSpPr>
         <p:spPr>
           <a:xfrm>
-            <a:off x="797712" y="2103166"/>
+            <a:off x="797718" y="3671560"/>
             <a:ext cx="10596562" cy="721736"/>
           </a:xfrm>
           <a:prstGeom prst="rect">
@@ -4850,7 +4770,7 @@
           <p:cNvPr id="4" name="图片 3" descr="文本&#10;&#10;描述已自动生成">
             <a:extLst>
               <a:ext uri="{FF2B5EF4-FFF2-40B4-BE49-F238E27FC236}">
-                <a16:creationId xmlns:a16="http://schemas.microsoft.com/office/drawing/2014/main" id="{727916EE-2E0D-A80E-B937-B443EE88B3F2}"/>
+                <a16:creationId xmlns:a16="http://schemas.microsoft.com/office/drawing/2014/main" id="{1D39C110-CA4C-08DE-E4E2-40E880445FB5}"/>
               </a:ext>
             </a:extLst>
           </p:cNvPr>
@@ -4885,7 +4805,7 @@
           <p:cNvPr id="7" name="组合 6">
             <a:extLst>
               <a:ext uri="{FF2B5EF4-FFF2-40B4-BE49-F238E27FC236}">
-                <a16:creationId xmlns:a16="http://schemas.microsoft.com/office/drawing/2014/main" id="{276ACA1A-D5F6-DD35-E169-6086B78B4949}"/>
+                <a16:creationId xmlns:a16="http://schemas.microsoft.com/office/drawing/2014/main" id="{AF705D76-1543-DFF8-1A96-0EDDAF196220}"/>
               </a:ext>
             </a:extLst>
           </p:cNvPr>
@@ -4905,7 +4825,7 @@
             <p:cNvPr id="8" name="直接连接符 7">
               <a:extLst>
                 <a:ext uri="{FF2B5EF4-FFF2-40B4-BE49-F238E27FC236}">
-                  <a16:creationId xmlns:a16="http://schemas.microsoft.com/office/drawing/2014/main" id="{AA658C9B-E5FE-1E1F-1D34-AA57E6483BB7}"/>
+                  <a16:creationId xmlns:a16="http://schemas.microsoft.com/office/drawing/2014/main" id="{E45C09AE-5931-C996-185F-31C116CB15CE}"/>
                 </a:ext>
               </a:extLst>
             </p:cNvPr>
@@ -4948,7 +4868,7 @@
             <p:cNvPr id="9" name="直接连接符 8">
               <a:extLst>
                 <a:ext uri="{FF2B5EF4-FFF2-40B4-BE49-F238E27FC236}">
-                  <a16:creationId xmlns:a16="http://schemas.microsoft.com/office/drawing/2014/main" id="{7223A6E4-0578-2DF3-4014-2E01C8E5DCA9}"/>
+                  <a16:creationId xmlns:a16="http://schemas.microsoft.com/office/drawing/2014/main" id="{EDD77E22-9408-D126-3376-A2CE41095F85}"/>
                 </a:ext>
               </a:extLst>
             </p:cNvPr>
@@ -4992,7 +4912,7 @@
           <p:cNvPr id="10" name="图片 9" descr="画着卡通人物&#10;&#10;中度可信度描述已自动生成">
             <a:extLst>
               <a:ext uri="{FF2B5EF4-FFF2-40B4-BE49-F238E27FC236}">
-                <a16:creationId xmlns:a16="http://schemas.microsoft.com/office/drawing/2014/main" id="{D1ABE0BD-AB3D-EF3F-7D32-1A49CE41F10D}"/>
+                <a16:creationId xmlns:a16="http://schemas.microsoft.com/office/drawing/2014/main" id="{9FE0D93E-B149-EF53-091F-547E01E5690E}"/>
               </a:ext>
             </a:extLst>
           </p:cNvPr>
@@ -5023,57 +4943,10 @@
           </a:prstGeom>
         </p:spPr>
       </p:pic>
-      <p:pic>
-        <p:nvPicPr>
-          <p:cNvPr id="2050" name="Picture 2" descr="Diagram showing how Next.js spans the server and client, and provides additional features such as routing, data fetching, and rendering.">
-            <a:extLst>
-              <a:ext uri="{FF2B5EF4-FFF2-40B4-BE49-F238E27FC236}">
-                <a16:creationId xmlns:a16="http://schemas.microsoft.com/office/drawing/2014/main" id="{E86E8701-BEFB-6227-9D6E-DF9E6069E0A3}"/>
-              </a:ext>
-            </a:extLst>
-          </p:cNvPr>
-          <p:cNvPicPr>
-            <a:picLocks noChangeAspect="1" noChangeArrowheads="1"/>
-          </p:cNvPicPr>
-          <p:nvPr/>
-        </p:nvPicPr>
-        <p:blipFill>
-          <a:blip r:embed="rId4">
-            <a:extLst>
-              <a:ext uri="{28A0092B-C50C-407E-A947-70E740481C1C}">
-                <a14:useLocalDpi xmlns:a14="http://schemas.microsoft.com/office/drawing/2010/main" val="0"/>
-              </a:ext>
-            </a:extLst>
-          </a:blip>
-          <a:srcRect/>
-          <a:stretch>
-            <a:fillRect/>
-          </a:stretch>
-        </p:blipFill>
-        <p:spPr bwMode="auto">
-          <a:xfrm>
-            <a:off x="2808018" y="3151726"/>
-            <a:ext cx="6575951" cy="3098746"/>
-          </a:xfrm>
-          <a:prstGeom prst="rect">
-            <a:avLst/>
-          </a:prstGeom>
-          <a:noFill/>
-          <a:extLst>
-            <a:ext uri="{909E8E84-426E-40DD-AFC4-6F175D3DCCD1}">
-              <a14:hiddenFill xmlns:a14="http://schemas.microsoft.com/office/drawing/2010/main">
-                <a:solidFill>
-                  <a:srgbClr val="FFFFFF"/>
-                </a:solidFill>
-              </a14:hiddenFill>
-            </a:ext>
-          </a:extLst>
-        </p:spPr>
-      </p:pic>
     </p:spTree>
     <p:extLst>
       <p:ext uri="{BB962C8B-B14F-4D97-AF65-F5344CB8AC3E}">
-        <p14:creationId xmlns:p14="http://schemas.microsoft.com/office/powerpoint/2010/main" val="2082084355"/>
+        <p14:creationId xmlns:p14="http://schemas.microsoft.com/office/powerpoint/2010/main" val="2083029886"/>
       </p:ext>
     </p:extLst>
   </p:cSld>
@@ -5111,7 +4984,7 @@
         <p:cNvPr id="1" name="">
           <a:extLst>
             <a:ext uri="{FF2B5EF4-FFF2-40B4-BE49-F238E27FC236}">
-              <a16:creationId xmlns:a16="http://schemas.microsoft.com/office/drawing/2014/main" id="{BDE329AA-BB2D-97CB-675C-38F0089FA323}"/>
+              <a16:creationId xmlns:a16="http://schemas.microsoft.com/office/drawing/2014/main" id="{19ECA13D-ABB1-79B4-9EBD-90D483336A42}"/>
             </a:ext>
           </a:extLst>
         </p:cNvPr>
@@ -5131,7 +5004,7 @@
           <p:cNvPr id="6" name="L 形 5">
             <a:extLst>
               <a:ext uri="{FF2B5EF4-FFF2-40B4-BE49-F238E27FC236}">
-                <a16:creationId xmlns:a16="http://schemas.microsoft.com/office/drawing/2014/main" id="{6B5D27F0-1704-D7ED-D47E-F76E79A27E9C}"/>
+                <a16:creationId xmlns:a16="http://schemas.microsoft.com/office/drawing/2014/main" id="{1FC94A21-8114-04BC-FA76-BAA1D34F4387}"/>
               </a:ext>
             </a:extLst>
           </p:cNvPr>
@@ -5208,7 +5081,7 @@
           <p:cNvPr id="5" name="文本框 4">
             <a:extLst>
               <a:ext uri="{FF2B5EF4-FFF2-40B4-BE49-F238E27FC236}">
-                <a16:creationId xmlns:a16="http://schemas.microsoft.com/office/drawing/2014/main" id="{B23192B3-BF86-E37A-33CD-A86250866835}"/>
+                <a16:creationId xmlns:a16="http://schemas.microsoft.com/office/drawing/2014/main" id="{B2E02623-2B41-A3EB-8E9D-A5B07CC92C68}"/>
               </a:ext>
             </a:extLst>
           </p:cNvPr>
@@ -5217,7 +5090,7 @@
         </p:nvSpPr>
         <p:spPr>
           <a:xfrm>
-            <a:off x="1699563" y="2921168"/>
+            <a:off x="1699558" y="1187285"/>
             <a:ext cx="8792873" cy="1015663"/>
           </a:xfrm>
           <a:prstGeom prst="rect">
@@ -5233,22 +5106,97 @@
           <a:p>
             <a:pPr algn="ctr"/>
             <a:r>
-              <a:rPr lang="zh-CN" altLang="en-US" sz="6000" dirty="0">
-                <a:latin typeface="+mj-ea"/>
-                <a:ea typeface="+mj-ea"/>
-              </a:rPr>
-              <a:t>渲染 </a:t>
-            </a:r>
-            <a:r>
               <a:rPr lang="en-US" altLang="zh-CN" sz="6000" dirty="0">
                 <a:latin typeface="+mj-ea"/>
                 <a:ea typeface="+mj-ea"/>
               </a:rPr>
-              <a:t>UI</a:t>
+              <a:t>Next.js</a:t>
             </a:r>
             <a:endParaRPr lang="zh-CN" altLang="en-US" sz="6000" dirty="0">
               <a:latin typeface="+mj-ea"/>
               <a:ea typeface="+mj-ea"/>
+            </a:endParaRPr>
+          </a:p>
+        </p:txBody>
+      </p:sp>
+      <p:sp>
+        <p:nvSpPr>
+          <p:cNvPr id="3" name="文本框 2">
+            <a:extLst>
+              <a:ext uri="{FF2B5EF4-FFF2-40B4-BE49-F238E27FC236}">
+                <a16:creationId xmlns:a16="http://schemas.microsoft.com/office/drawing/2014/main" id="{3F5E8C8D-41FF-D872-5775-3BEED8D66E98}"/>
+              </a:ext>
+            </a:extLst>
+          </p:cNvPr>
+          <p:cNvSpPr txBox="1"/>
+          <p:nvPr/>
+        </p:nvSpPr>
+        <p:spPr>
+          <a:xfrm>
+            <a:off x="797712" y="2103166"/>
+            <a:ext cx="10596562" cy="721736"/>
+          </a:xfrm>
+          <a:prstGeom prst="rect">
+            <a:avLst/>
+          </a:prstGeom>
+          <a:noFill/>
+        </p:spPr>
+        <p:txBody>
+          <a:bodyPr wrap="square" rtlCol="0">
+            <a:spAutoFit/>
+          </a:bodyPr>
+          <a:lstStyle/>
+          <a:p>
+            <a:pPr algn="ctr">
+              <a:lnSpc>
+                <a:spcPct val="200000"/>
+              </a:lnSpc>
+            </a:pPr>
+            <a:r>
+              <a:rPr lang="en-US" altLang="zh-CN" sz="2400" dirty="0">
+                <a:latin typeface="HarmonyOS Sans SC Medium" panose="00000600000000000000" pitchFamily="2" charset="-122"/>
+                <a:ea typeface="HarmonyOS Sans SC Medium" panose="00000600000000000000" pitchFamily="2" charset="-122"/>
+              </a:rPr>
+              <a:t>Next.js </a:t>
+            </a:r>
+            <a:r>
+              <a:rPr lang="zh-CN" altLang="en-US" sz="2400" dirty="0">
+                <a:latin typeface="HarmonyOS Sans SC Medium" panose="00000600000000000000" pitchFamily="2" charset="-122"/>
+                <a:ea typeface="HarmonyOS Sans SC Medium" panose="00000600000000000000" pitchFamily="2" charset="-122"/>
+              </a:rPr>
+              <a:t>是一个提供构建块用于创建 </a:t>
+            </a:r>
+            <a:r>
+              <a:rPr lang="en-US" altLang="zh-CN" sz="2400" dirty="0">
+                <a:latin typeface="HarmonyOS Sans SC Medium" panose="00000600000000000000" pitchFamily="2" charset="-122"/>
+                <a:ea typeface="HarmonyOS Sans SC Medium" panose="00000600000000000000" pitchFamily="2" charset="-122"/>
+              </a:rPr>
+              <a:t>Web </a:t>
+            </a:r>
+            <a:r>
+              <a:rPr lang="zh-CN" altLang="en-US" sz="2400" dirty="0">
+                <a:latin typeface="HarmonyOS Sans SC Medium" panose="00000600000000000000" pitchFamily="2" charset="-122"/>
+                <a:ea typeface="HarmonyOS Sans SC Medium" panose="00000600000000000000" pitchFamily="2" charset="-122"/>
+              </a:rPr>
+              <a:t>应用程序的 </a:t>
+            </a:r>
+            <a:r>
+              <a:rPr lang="en-US" altLang="zh-CN" sz="2400" dirty="0">
+                <a:latin typeface="HarmonyOS Sans SC Medium" panose="00000600000000000000" pitchFamily="2" charset="-122"/>
+                <a:ea typeface="HarmonyOS Sans SC Medium" panose="00000600000000000000" pitchFamily="2" charset="-122"/>
+              </a:rPr>
+              <a:t>React </a:t>
+            </a:r>
+            <a:r>
+              <a:rPr lang="zh-CN" altLang="en-US" sz="2400" dirty="0">
+                <a:latin typeface="HarmonyOS Sans SC Medium" panose="00000600000000000000" pitchFamily="2" charset="-122"/>
+                <a:ea typeface="HarmonyOS Sans SC Medium" panose="00000600000000000000" pitchFamily="2" charset="-122"/>
+              </a:rPr>
+              <a:t>框架。</a:t>
+            </a:r>
+            <a:endParaRPr lang="zh-CN" altLang="en-US" sz="2400" dirty="0">
+              <a:latin typeface="HarmonyOS Sans SC Light" panose="00000400000000000000" pitchFamily="2" charset="-122"/>
+              <a:ea typeface="HarmonyOS Sans SC Light" panose="00000400000000000000" pitchFamily="2" charset="-122"/>
             </a:endParaRPr>
           </a:p>
         </p:txBody>
@@ -5258,7 +5206,7 @@
           <p:cNvPr id="4" name="图片 3" descr="文本&#10;&#10;描述已自动生成">
             <a:extLst>
               <a:ext uri="{FF2B5EF4-FFF2-40B4-BE49-F238E27FC236}">
-                <a16:creationId xmlns:a16="http://schemas.microsoft.com/office/drawing/2014/main" id="{1A92D783-CF14-44D3-240E-461AD3EF79CA}"/>
+                <a16:creationId xmlns:a16="http://schemas.microsoft.com/office/drawing/2014/main" id="{727916EE-2E0D-A80E-B937-B443EE88B3F2}"/>
               </a:ext>
             </a:extLst>
           </p:cNvPr>
@@ -5293,7 +5241,7 @@
           <p:cNvPr id="7" name="组合 6">
             <a:extLst>
               <a:ext uri="{FF2B5EF4-FFF2-40B4-BE49-F238E27FC236}">
-                <a16:creationId xmlns:a16="http://schemas.microsoft.com/office/drawing/2014/main" id="{495BD41D-5157-6D00-0AE2-DB50BBA9E03A}"/>
+                <a16:creationId xmlns:a16="http://schemas.microsoft.com/office/drawing/2014/main" id="{276ACA1A-D5F6-DD35-E169-6086B78B4949}"/>
               </a:ext>
             </a:extLst>
           </p:cNvPr>
@@ -5313,7 +5261,7 @@
             <p:cNvPr id="8" name="直接连接符 7">
               <a:extLst>
                 <a:ext uri="{FF2B5EF4-FFF2-40B4-BE49-F238E27FC236}">
-                  <a16:creationId xmlns:a16="http://schemas.microsoft.com/office/drawing/2014/main" id="{82ADC538-98E9-A2F2-E740-E8B78FDBE0B5}"/>
+                  <a16:creationId xmlns:a16="http://schemas.microsoft.com/office/drawing/2014/main" id="{AA658C9B-E5FE-1E1F-1D34-AA57E6483BB7}"/>
                 </a:ext>
               </a:extLst>
             </p:cNvPr>
@@ -5356,7 +5304,7 @@
             <p:cNvPr id="9" name="直接连接符 8">
               <a:extLst>
                 <a:ext uri="{FF2B5EF4-FFF2-40B4-BE49-F238E27FC236}">
-                  <a16:creationId xmlns:a16="http://schemas.microsoft.com/office/drawing/2014/main" id="{F556C471-FECD-943C-795F-896182194F99}"/>
+                  <a16:creationId xmlns:a16="http://schemas.microsoft.com/office/drawing/2014/main" id="{7223A6E4-0578-2DF3-4014-2E01C8E5DCA9}"/>
                 </a:ext>
               </a:extLst>
             </p:cNvPr>
@@ -5400,7 +5348,7 @@
           <p:cNvPr id="10" name="图片 9" descr="画着卡通人物&#10;&#10;中度可信度描述已自动生成">
             <a:extLst>
               <a:ext uri="{FF2B5EF4-FFF2-40B4-BE49-F238E27FC236}">
-                <a16:creationId xmlns:a16="http://schemas.microsoft.com/office/drawing/2014/main" id="{87D418B0-01C1-F4B1-3347-AF2906CC611A}"/>
+                <a16:creationId xmlns:a16="http://schemas.microsoft.com/office/drawing/2014/main" id="{D1ABE0BD-AB3D-EF3F-7D32-1A49CE41F10D}"/>
               </a:ext>
             </a:extLst>
           </p:cNvPr>
@@ -5431,10 +5379,57 @@
           </a:prstGeom>
         </p:spPr>
       </p:pic>
+      <p:pic>
+        <p:nvPicPr>
+          <p:cNvPr id="2050" name="Picture 2" descr="Diagram showing how Next.js spans the server and client, and provides additional features such as routing, data fetching, and rendering.">
+            <a:extLst>
+              <a:ext uri="{FF2B5EF4-FFF2-40B4-BE49-F238E27FC236}">
+                <a16:creationId xmlns:a16="http://schemas.microsoft.com/office/drawing/2014/main" id="{E86E8701-BEFB-6227-9D6E-DF9E6069E0A3}"/>
+              </a:ext>
+            </a:extLst>
+          </p:cNvPr>
+          <p:cNvPicPr>
+            <a:picLocks noChangeAspect="1" noChangeArrowheads="1"/>
+          </p:cNvPicPr>
+          <p:nvPr/>
+        </p:nvPicPr>
+        <p:blipFill>
+          <a:blip r:embed="rId4">
+            <a:extLst>
+              <a:ext uri="{28A0092B-C50C-407E-A947-70E740481C1C}">
+                <a14:useLocalDpi xmlns:a14="http://schemas.microsoft.com/office/drawing/2010/main" val="0"/>
+              </a:ext>
+            </a:extLst>
+          </a:blip>
+          <a:srcRect/>
+          <a:stretch>
+            <a:fillRect/>
+          </a:stretch>
+        </p:blipFill>
+        <p:spPr bwMode="auto">
+          <a:xfrm>
+            <a:off x="2808018" y="3151726"/>
+            <a:ext cx="6575951" cy="3098746"/>
+          </a:xfrm>
+          <a:prstGeom prst="rect">
+            <a:avLst/>
+          </a:prstGeom>
+          <a:noFill/>
+          <a:extLst>
+            <a:ext uri="{909E8E84-426E-40DD-AFC4-6F175D3DCCD1}">
+              <a14:hiddenFill xmlns:a14="http://schemas.microsoft.com/office/drawing/2010/main">
+                <a:solidFill>
+                  <a:srgbClr val="FFFFFF"/>
+                </a:solidFill>
+              </a14:hiddenFill>
+            </a:ext>
+          </a:extLst>
+        </p:spPr>
+      </p:pic>
     </p:spTree>
     <p:extLst>
       <p:ext uri="{BB962C8B-B14F-4D97-AF65-F5344CB8AC3E}">
-        <p14:creationId xmlns:p14="http://schemas.microsoft.com/office/powerpoint/2010/main" val="2306482695"/>
+        <p14:creationId xmlns:p14="http://schemas.microsoft.com/office/powerpoint/2010/main" val="2082084355"/>
       </p:ext>
     </p:extLst>
   </p:cSld>
@@ -5472,7 +5467,7 @@
         <p:cNvPr id="1" name="">
           <a:extLst>
             <a:ext uri="{FF2B5EF4-FFF2-40B4-BE49-F238E27FC236}">
-              <a16:creationId xmlns:a16="http://schemas.microsoft.com/office/drawing/2014/main" id="{DB25DD9C-A04F-0A9C-2C74-41C5C7DBAC5F}"/>
+              <a16:creationId xmlns:a16="http://schemas.microsoft.com/office/drawing/2014/main" id="{BDE329AA-BB2D-97CB-675C-38F0089FA323}"/>
             </a:ext>
           </a:extLst>
         </p:cNvPr>
@@ -5492,7 +5487,7 @@
           <p:cNvPr id="6" name="L 形 5">
             <a:extLst>
               <a:ext uri="{FF2B5EF4-FFF2-40B4-BE49-F238E27FC236}">
-                <a16:creationId xmlns:a16="http://schemas.microsoft.com/office/drawing/2014/main" id="{BAB6D7FE-E726-85FE-1794-AE2FC70CC9D5}"/>
+                <a16:creationId xmlns:a16="http://schemas.microsoft.com/office/drawing/2014/main" id="{6B5D27F0-1704-D7ED-D47E-F76E79A27E9C}"/>
               </a:ext>
             </a:extLst>
           </p:cNvPr>
@@ -5569,7 +5564,7 @@
           <p:cNvPr id="5" name="文本框 4">
             <a:extLst>
               <a:ext uri="{FF2B5EF4-FFF2-40B4-BE49-F238E27FC236}">
-                <a16:creationId xmlns:a16="http://schemas.microsoft.com/office/drawing/2014/main" id="{B97ED8C4-95AC-773D-4217-D87E563156BC}"/>
+                <a16:creationId xmlns:a16="http://schemas.microsoft.com/office/drawing/2014/main" id="{B23192B3-BF86-E37A-33CD-A86250866835}"/>
               </a:ext>
             </a:extLst>
           </p:cNvPr>
@@ -5578,7 +5573,7 @@
         </p:nvSpPr>
         <p:spPr>
           <a:xfrm>
-            <a:off x="1699562" y="1208510"/>
+            <a:off x="1699563" y="2921168"/>
             <a:ext cx="8792873" cy="1015663"/>
           </a:xfrm>
           <a:prstGeom prst="rect">
@@ -5619,7 +5614,7 @@
           <p:cNvPr id="4" name="图片 3" descr="文本&#10;&#10;描述已自动生成">
             <a:extLst>
               <a:ext uri="{FF2B5EF4-FFF2-40B4-BE49-F238E27FC236}">
-                <a16:creationId xmlns:a16="http://schemas.microsoft.com/office/drawing/2014/main" id="{986CC460-B06C-F684-8E39-B4ED7D1949F9}"/>
+                <a16:creationId xmlns:a16="http://schemas.microsoft.com/office/drawing/2014/main" id="{1A92D783-CF14-44D3-240E-461AD3EF79CA}"/>
               </a:ext>
             </a:extLst>
           </p:cNvPr>
@@ -5654,7 +5649,7 @@
           <p:cNvPr id="7" name="组合 6">
             <a:extLst>
               <a:ext uri="{FF2B5EF4-FFF2-40B4-BE49-F238E27FC236}">
-                <a16:creationId xmlns:a16="http://schemas.microsoft.com/office/drawing/2014/main" id="{E488D2DB-DA5E-6438-4B87-CD4D6517F9A7}"/>
+                <a16:creationId xmlns:a16="http://schemas.microsoft.com/office/drawing/2014/main" id="{495BD41D-5157-6D00-0AE2-DB50BBA9E03A}"/>
               </a:ext>
             </a:extLst>
           </p:cNvPr>
@@ -5674,7 +5669,7 @@
             <p:cNvPr id="8" name="直接连接符 7">
               <a:extLst>
                 <a:ext uri="{FF2B5EF4-FFF2-40B4-BE49-F238E27FC236}">
-                  <a16:creationId xmlns:a16="http://schemas.microsoft.com/office/drawing/2014/main" id="{80AA2B5B-CA23-CC26-F3C6-7BCCB61D4D1B}"/>
+                  <a16:creationId xmlns:a16="http://schemas.microsoft.com/office/drawing/2014/main" id="{82ADC538-98E9-A2F2-E740-E8B78FDBE0B5}"/>
                 </a:ext>
               </a:extLst>
             </p:cNvPr>
@@ -5717,7 +5712,7 @@
             <p:cNvPr id="9" name="直接连接符 8">
               <a:extLst>
                 <a:ext uri="{FF2B5EF4-FFF2-40B4-BE49-F238E27FC236}">
-                  <a16:creationId xmlns:a16="http://schemas.microsoft.com/office/drawing/2014/main" id="{4E9BA2CF-29B5-4E25-65B7-E586923D5753}"/>
+                  <a16:creationId xmlns:a16="http://schemas.microsoft.com/office/drawing/2014/main" id="{F556C471-FECD-943C-795F-896182194F99}"/>
                 </a:ext>
               </a:extLst>
             </p:cNvPr>
@@ -5761,7 +5756,7 @@
           <p:cNvPr id="10" name="图片 9" descr="画着卡通人物&#10;&#10;中度可信度描述已自动生成">
             <a:extLst>
               <a:ext uri="{FF2B5EF4-FFF2-40B4-BE49-F238E27FC236}">
-                <a16:creationId xmlns:a16="http://schemas.microsoft.com/office/drawing/2014/main" id="{D420A0AA-2F89-FDA0-922C-C9E98A831F66}"/>
+                <a16:creationId xmlns:a16="http://schemas.microsoft.com/office/drawing/2014/main" id="{87D418B0-01C1-F4B1-3347-AF2906CC611A}"/>
               </a:ext>
             </a:extLst>
           </p:cNvPr>
@@ -5792,57 +5787,10 @@
           </a:prstGeom>
         </p:spPr>
       </p:pic>
-      <p:pic>
-        <p:nvPicPr>
-          <p:cNvPr id="3074" name="Picture 2" descr="Two side-by-side diagrams, left showing the HTML code, and right showing the DOM tree.">
-            <a:extLst>
-              <a:ext uri="{FF2B5EF4-FFF2-40B4-BE49-F238E27FC236}">
-                <a16:creationId xmlns:a16="http://schemas.microsoft.com/office/drawing/2014/main" id="{3C00F26C-F2C6-B208-7C93-A703C518D107}"/>
-              </a:ext>
-            </a:extLst>
-          </p:cNvPr>
-          <p:cNvPicPr>
-            <a:picLocks noChangeAspect="1" noChangeArrowheads="1"/>
-          </p:cNvPicPr>
-          <p:nvPr/>
-        </p:nvPicPr>
-        <p:blipFill>
-          <a:blip r:embed="rId4">
-            <a:extLst>
-              <a:ext uri="{28A0092B-C50C-407E-A947-70E740481C1C}">
-                <a14:useLocalDpi xmlns:a14="http://schemas.microsoft.com/office/drawing/2010/main" val="0"/>
-              </a:ext>
-            </a:extLst>
-          </a:blip>
-          <a:srcRect/>
-          <a:stretch>
-            <a:fillRect/>
-          </a:stretch>
-        </p:blipFill>
-        <p:spPr bwMode="auto">
-          <a:xfrm>
-            <a:off x="2186761" y="2506485"/>
-            <a:ext cx="7818477" cy="3713777"/>
-          </a:xfrm>
-          <a:prstGeom prst="rect">
-            <a:avLst/>
-          </a:prstGeom>
-          <a:noFill/>
-          <a:extLst>
-            <a:ext uri="{909E8E84-426E-40DD-AFC4-6F175D3DCCD1}">
-              <a14:hiddenFill xmlns:a14="http://schemas.microsoft.com/office/drawing/2010/main">
-                <a:solidFill>
-                  <a:srgbClr val="FFFFFF"/>
-                </a:solidFill>
-              </a14:hiddenFill>
-            </a:ext>
-          </a:extLst>
-        </p:spPr>
-      </p:pic>
     </p:spTree>
     <p:extLst>
       <p:ext uri="{BB962C8B-B14F-4D97-AF65-F5344CB8AC3E}">
-        <p14:creationId xmlns:p14="http://schemas.microsoft.com/office/powerpoint/2010/main" val="3561228780"/>
+        <p14:creationId xmlns:p14="http://schemas.microsoft.com/office/powerpoint/2010/main" val="2306482695"/>
       </p:ext>
     </p:extLst>
   </p:cSld>
@@ -5880,7 +5828,7 @@
         <p:cNvPr id="1" name="">
           <a:extLst>
             <a:ext uri="{FF2B5EF4-FFF2-40B4-BE49-F238E27FC236}">
-              <a16:creationId xmlns:a16="http://schemas.microsoft.com/office/drawing/2014/main" id="{DC82CF1B-89AB-B762-08E4-122BE4050C1F}"/>
+              <a16:creationId xmlns:a16="http://schemas.microsoft.com/office/drawing/2014/main" id="{DB25DD9C-A04F-0A9C-2C74-41C5C7DBAC5F}"/>
             </a:ext>
           </a:extLst>
         </p:cNvPr>
@@ -5900,7 +5848,7 @@
           <p:cNvPr id="6" name="L 形 5">
             <a:extLst>
               <a:ext uri="{FF2B5EF4-FFF2-40B4-BE49-F238E27FC236}">
-                <a16:creationId xmlns:a16="http://schemas.microsoft.com/office/drawing/2014/main" id="{8B4E0FEB-C126-6B9C-9FA1-16BA7A65D955}"/>
+                <a16:creationId xmlns:a16="http://schemas.microsoft.com/office/drawing/2014/main" id="{BAB6D7FE-E726-85FE-1794-AE2FC70CC9D5}"/>
               </a:ext>
             </a:extLst>
           </p:cNvPr>
@@ -5977,7 +5925,7 @@
           <p:cNvPr id="5" name="文本框 4">
             <a:extLst>
               <a:ext uri="{FF2B5EF4-FFF2-40B4-BE49-F238E27FC236}">
-                <a16:creationId xmlns:a16="http://schemas.microsoft.com/office/drawing/2014/main" id="{0775EEED-E132-235D-D1D8-54297C6B0CE9}"/>
+                <a16:creationId xmlns:a16="http://schemas.microsoft.com/office/drawing/2014/main" id="{B97ED8C4-95AC-773D-4217-D87E563156BC}"/>
               </a:ext>
             </a:extLst>
           </p:cNvPr>
@@ -5986,7 +5934,7 @@
         </p:nvSpPr>
         <p:spPr>
           <a:xfrm>
-            <a:off x="1699563" y="2921168"/>
+            <a:off x="1699562" y="1208510"/>
             <a:ext cx="8792873" cy="1015663"/>
           </a:xfrm>
           <a:prstGeom prst="rect">
@@ -6002,11 +5950,18 @@
           <a:p>
             <a:pPr algn="ctr"/>
             <a:r>
+              <a:rPr lang="zh-CN" altLang="en-US" sz="6000" dirty="0">
+                <a:latin typeface="+mj-ea"/>
+                <a:ea typeface="+mj-ea"/>
+              </a:rPr>
+              <a:t>渲染 </a:t>
+            </a:r>
+            <a:r>
               <a:rPr lang="en-US" altLang="zh-CN" sz="6000" dirty="0">
                 <a:latin typeface="+mj-ea"/>
                 <a:ea typeface="+mj-ea"/>
               </a:rPr>
-              <a:t>DOM</a:t>
+              <a:t>UI</a:t>
             </a:r>
             <a:endParaRPr lang="zh-CN" altLang="en-US" sz="6000" dirty="0">
               <a:latin typeface="+mj-ea"/>
@@ -6020,7 +5975,7 @@
           <p:cNvPr id="4" name="图片 3" descr="文本&#10;&#10;描述已自动生成">
             <a:extLst>
               <a:ext uri="{FF2B5EF4-FFF2-40B4-BE49-F238E27FC236}">
-                <a16:creationId xmlns:a16="http://schemas.microsoft.com/office/drawing/2014/main" id="{E4C111ED-B657-CC7A-FC1E-7FE75CF8AEB4}"/>
+                <a16:creationId xmlns:a16="http://schemas.microsoft.com/office/drawing/2014/main" id="{986CC460-B06C-F684-8E39-B4ED7D1949F9}"/>
               </a:ext>
             </a:extLst>
           </p:cNvPr>
@@ -6055,7 +6010,7 @@
           <p:cNvPr id="7" name="组合 6">
             <a:extLst>
               <a:ext uri="{FF2B5EF4-FFF2-40B4-BE49-F238E27FC236}">
-                <a16:creationId xmlns:a16="http://schemas.microsoft.com/office/drawing/2014/main" id="{095F9F1F-1324-C1AB-44A8-8D8560D1DFC2}"/>
+                <a16:creationId xmlns:a16="http://schemas.microsoft.com/office/drawing/2014/main" id="{E488D2DB-DA5E-6438-4B87-CD4D6517F9A7}"/>
               </a:ext>
             </a:extLst>
           </p:cNvPr>
@@ -6075,7 +6030,7 @@
             <p:cNvPr id="8" name="直接连接符 7">
               <a:extLst>
                 <a:ext uri="{FF2B5EF4-FFF2-40B4-BE49-F238E27FC236}">
-                  <a16:creationId xmlns:a16="http://schemas.microsoft.com/office/drawing/2014/main" id="{31183A42-F3E6-66F0-21F3-E9725AB2110F}"/>
+                  <a16:creationId xmlns:a16="http://schemas.microsoft.com/office/drawing/2014/main" id="{80AA2B5B-CA23-CC26-F3C6-7BCCB61D4D1B}"/>
                 </a:ext>
               </a:extLst>
             </p:cNvPr>
@@ -6118,7 +6073,7 @@
             <p:cNvPr id="9" name="直接连接符 8">
               <a:extLst>
                 <a:ext uri="{FF2B5EF4-FFF2-40B4-BE49-F238E27FC236}">
-                  <a16:creationId xmlns:a16="http://schemas.microsoft.com/office/drawing/2014/main" id="{575D011D-FBD6-420C-BC99-95BC5633D876}"/>
+                  <a16:creationId xmlns:a16="http://schemas.microsoft.com/office/drawing/2014/main" id="{4E9BA2CF-29B5-4E25-65B7-E586923D5753}"/>
                 </a:ext>
               </a:extLst>
             </p:cNvPr>
@@ -6162,7 +6117,7 @@
           <p:cNvPr id="10" name="图片 9" descr="画着卡通人物&#10;&#10;中度可信度描述已自动生成">
             <a:extLst>
               <a:ext uri="{FF2B5EF4-FFF2-40B4-BE49-F238E27FC236}">
-                <a16:creationId xmlns:a16="http://schemas.microsoft.com/office/drawing/2014/main" id="{E1CA17FA-FF69-DDCF-D886-2DC5FEA88BFF}"/>
+                <a16:creationId xmlns:a16="http://schemas.microsoft.com/office/drawing/2014/main" id="{D420A0AA-2F89-FDA0-922C-C9E98A831F66}"/>
               </a:ext>
             </a:extLst>
           </p:cNvPr>
@@ -6193,10 +6148,57 @@
           </a:prstGeom>
         </p:spPr>
       </p:pic>
+      <p:pic>
+        <p:nvPicPr>
+          <p:cNvPr id="3074" name="Picture 2" descr="Two side-by-side diagrams, left showing the HTML code, and right showing the DOM tree.">
+            <a:extLst>
+              <a:ext uri="{FF2B5EF4-FFF2-40B4-BE49-F238E27FC236}">
+                <a16:creationId xmlns:a16="http://schemas.microsoft.com/office/drawing/2014/main" id="{3C00F26C-F2C6-B208-7C93-A703C518D107}"/>
+              </a:ext>
+            </a:extLst>
+          </p:cNvPr>
+          <p:cNvPicPr>
+            <a:picLocks noChangeAspect="1" noChangeArrowheads="1"/>
+          </p:cNvPicPr>
+          <p:nvPr/>
+        </p:nvPicPr>
+        <p:blipFill>
+          <a:blip r:embed="rId4">
+            <a:extLst>
+              <a:ext uri="{28A0092B-C50C-407E-A947-70E740481C1C}">
+                <a14:useLocalDpi xmlns:a14="http://schemas.microsoft.com/office/drawing/2010/main" val="0"/>
+              </a:ext>
+            </a:extLst>
+          </a:blip>
+          <a:srcRect/>
+          <a:stretch>
+            <a:fillRect/>
+          </a:stretch>
+        </p:blipFill>
+        <p:spPr bwMode="auto">
+          <a:xfrm>
+            <a:off x="2186761" y="2506485"/>
+            <a:ext cx="7818477" cy="3713777"/>
+          </a:xfrm>
+          <a:prstGeom prst="rect">
+            <a:avLst/>
+          </a:prstGeom>
+          <a:noFill/>
+          <a:extLst>
+            <a:ext uri="{909E8E84-426E-40DD-AFC4-6F175D3DCCD1}">
+              <a14:hiddenFill xmlns:a14="http://schemas.microsoft.com/office/drawing/2010/main">
+                <a:solidFill>
+                  <a:srgbClr val="FFFFFF"/>
+                </a:solidFill>
+              </a14:hiddenFill>
+            </a:ext>
+          </a:extLst>
+        </p:spPr>
+      </p:pic>
     </p:spTree>
     <p:extLst>
       <p:ext uri="{BB962C8B-B14F-4D97-AF65-F5344CB8AC3E}">
-        <p14:creationId xmlns:p14="http://schemas.microsoft.com/office/powerpoint/2010/main" val="2979862162"/>
+        <p14:creationId xmlns:p14="http://schemas.microsoft.com/office/powerpoint/2010/main" val="3561228780"/>
       </p:ext>
     </p:extLst>
   </p:cSld>
@@ -6234,7 +6236,7 @@
         <p:cNvPr id="1" name="">
           <a:extLst>
             <a:ext uri="{FF2B5EF4-FFF2-40B4-BE49-F238E27FC236}">
-              <a16:creationId xmlns:a16="http://schemas.microsoft.com/office/drawing/2014/main" id="{572274AB-5780-6513-E9F2-E87A863B7D8D}"/>
+              <a16:creationId xmlns:a16="http://schemas.microsoft.com/office/drawing/2014/main" id="{DC82CF1B-89AB-B762-08E4-122BE4050C1F}"/>
             </a:ext>
           </a:extLst>
         </p:cNvPr>
@@ -6254,7 +6256,7 @@
           <p:cNvPr id="6" name="L 形 5">
             <a:extLst>
               <a:ext uri="{FF2B5EF4-FFF2-40B4-BE49-F238E27FC236}">
-                <a16:creationId xmlns:a16="http://schemas.microsoft.com/office/drawing/2014/main" id="{0877A44F-B3A2-435D-9F3B-FDD7287E8F26}"/>
+                <a16:creationId xmlns:a16="http://schemas.microsoft.com/office/drawing/2014/main" id="{8B4E0FEB-C126-6B9C-9FA1-16BA7A65D955}"/>
               </a:ext>
             </a:extLst>
           </p:cNvPr>
@@ -6331,7 +6333,7 @@
           <p:cNvPr id="5" name="文本框 4">
             <a:extLst>
               <a:ext uri="{FF2B5EF4-FFF2-40B4-BE49-F238E27FC236}">
-                <a16:creationId xmlns:a16="http://schemas.microsoft.com/office/drawing/2014/main" id="{EB4577C5-7558-399D-219C-F9456C49AFC7}"/>
+                <a16:creationId xmlns:a16="http://schemas.microsoft.com/office/drawing/2014/main" id="{0775EEED-E132-235D-D1D8-54297C6B0CE9}"/>
               </a:ext>
             </a:extLst>
           </p:cNvPr>
@@ -6340,7 +6342,7 @@
         </p:nvSpPr>
         <p:spPr>
           <a:xfrm>
-            <a:off x="1699562" y="1208510"/>
+            <a:off x="1699563" y="2921168"/>
             <a:ext cx="8792873" cy="1015663"/>
           </a:xfrm>
           <a:prstGeom prst="rect">
@@ -6374,7 +6376,7 @@
           <p:cNvPr id="4" name="图片 3" descr="文本&#10;&#10;描述已自动生成">
             <a:extLst>
               <a:ext uri="{FF2B5EF4-FFF2-40B4-BE49-F238E27FC236}">
-                <a16:creationId xmlns:a16="http://schemas.microsoft.com/office/drawing/2014/main" id="{45B6A2B2-8962-31FA-6579-56156CCA8122}"/>
+                <a16:creationId xmlns:a16="http://schemas.microsoft.com/office/drawing/2014/main" id="{E4C111ED-B657-CC7A-FC1E-7FE75CF8AEB4}"/>
               </a:ext>
             </a:extLst>
           </p:cNvPr>
@@ -6409,7 +6411,7 @@
           <p:cNvPr id="7" name="组合 6">
             <a:extLst>
               <a:ext uri="{FF2B5EF4-FFF2-40B4-BE49-F238E27FC236}">
-                <a16:creationId xmlns:a16="http://schemas.microsoft.com/office/drawing/2014/main" id="{F9E66D37-5286-2924-E2DD-556EE5EDF2F6}"/>
+                <a16:creationId xmlns:a16="http://schemas.microsoft.com/office/drawing/2014/main" id="{095F9F1F-1324-C1AB-44A8-8D8560D1DFC2}"/>
               </a:ext>
             </a:extLst>
           </p:cNvPr>
@@ -6429,7 +6431,7 @@
             <p:cNvPr id="8" name="直接连接符 7">
               <a:extLst>
                 <a:ext uri="{FF2B5EF4-FFF2-40B4-BE49-F238E27FC236}">
-                  <a16:creationId xmlns:a16="http://schemas.microsoft.com/office/drawing/2014/main" id="{2D57DE39-3737-E733-ADCC-257D3DC281E4}"/>
+                  <a16:creationId xmlns:a16="http://schemas.microsoft.com/office/drawing/2014/main" id="{31183A42-F3E6-66F0-21F3-E9725AB2110F}"/>
                 </a:ext>
               </a:extLst>
             </p:cNvPr>
@@ -6472,7 +6474,7 @@
             <p:cNvPr id="9" name="直接连接符 8">
               <a:extLst>
                 <a:ext uri="{FF2B5EF4-FFF2-40B4-BE49-F238E27FC236}">
-                  <a16:creationId xmlns:a16="http://schemas.microsoft.com/office/drawing/2014/main" id="{409D86C9-7AA4-C0BA-E6F5-7AADF0389CC5}"/>
+                  <a16:creationId xmlns:a16="http://schemas.microsoft.com/office/drawing/2014/main" id="{575D011D-FBD6-420C-BC99-95BC5633D876}"/>
                 </a:ext>
               </a:extLst>
             </p:cNvPr>
@@ -6516,7 +6518,7 @@
           <p:cNvPr id="10" name="图片 9" descr="画着卡通人物&#10;&#10;中度可信度描述已自动生成">
             <a:extLst>
               <a:ext uri="{FF2B5EF4-FFF2-40B4-BE49-F238E27FC236}">
-                <a16:creationId xmlns:a16="http://schemas.microsoft.com/office/drawing/2014/main" id="{86625BF2-9850-B813-5F14-ABF51FE9A7CE}"/>
+                <a16:creationId xmlns:a16="http://schemas.microsoft.com/office/drawing/2014/main" id="{E1CA17FA-FF69-DDCF-D886-2DC5FEA88BFF}"/>
               </a:ext>
             </a:extLst>
           </p:cNvPr>
@@ -6547,57 +6549,10 @@
           </a:prstGeom>
         </p:spPr>
       </p:pic>
-      <p:pic>
-        <p:nvPicPr>
-          <p:cNvPr id="4098" name="Picture 2" descr="Two side-by-side diagrams, left showing the DOM tree, and right showing the rendered UI.">
-            <a:extLst>
-              <a:ext uri="{FF2B5EF4-FFF2-40B4-BE49-F238E27FC236}">
-                <a16:creationId xmlns:a16="http://schemas.microsoft.com/office/drawing/2014/main" id="{CB67A40D-6CFC-73FC-C03E-8CE018FC2E26}"/>
-              </a:ext>
-            </a:extLst>
-          </p:cNvPr>
-          <p:cNvPicPr>
-            <a:picLocks noChangeAspect="1" noChangeArrowheads="1"/>
-          </p:cNvPicPr>
-          <p:nvPr/>
-        </p:nvPicPr>
-        <p:blipFill>
-          <a:blip r:embed="rId4">
-            <a:extLst>
-              <a:ext uri="{28A0092B-C50C-407E-A947-70E740481C1C}">
-                <a14:useLocalDpi xmlns:a14="http://schemas.microsoft.com/office/drawing/2010/main" val="0"/>
-              </a:ext>
-            </a:extLst>
-          </a:blip>
-          <a:srcRect/>
-          <a:stretch>
-            <a:fillRect/>
-          </a:stretch>
-        </p:blipFill>
-        <p:spPr bwMode="auto">
-          <a:xfrm>
-            <a:off x="2186761" y="2508843"/>
-            <a:ext cx="7818477" cy="3708687"/>
-          </a:xfrm>
-          <a:prstGeom prst="rect">
-            <a:avLst/>
-          </a:prstGeom>
-          <a:noFill/>
-          <a:extLst>
-            <a:ext uri="{909E8E84-426E-40DD-AFC4-6F175D3DCCD1}">
-              <a14:hiddenFill xmlns:a14="http://schemas.microsoft.com/office/drawing/2010/main">
-                <a:solidFill>
-                  <a:srgbClr val="FFFFFF"/>
-                </a:solidFill>
-              </a14:hiddenFill>
-            </a:ext>
-          </a:extLst>
-        </p:spPr>
-      </p:pic>
     </p:spTree>
     <p:extLst>
       <p:ext uri="{BB962C8B-B14F-4D97-AF65-F5344CB8AC3E}">
-        <p14:creationId xmlns:p14="http://schemas.microsoft.com/office/powerpoint/2010/main" val="661682348"/>
+        <p14:creationId xmlns:p14="http://schemas.microsoft.com/office/powerpoint/2010/main" val="2979862162"/>
       </p:ext>
     </p:extLst>
   </p:cSld>
@@ -6635,7 +6590,7 @@
         <p:cNvPr id="1" name="">
           <a:extLst>
             <a:ext uri="{FF2B5EF4-FFF2-40B4-BE49-F238E27FC236}">
-              <a16:creationId xmlns:a16="http://schemas.microsoft.com/office/drawing/2014/main" id="{A1E96C40-CB64-8557-AFE1-909B32B9B2D0}"/>
+              <a16:creationId xmlns:a16="http://schemas.microsoft.com/office/drawing/2014/main" id="{572274AB-5780-6513-E9F2-E87A863B7D8D}"/>
             </a:ext>
           </a:extLst>
         </p:cNvPr>
@@ -6655,7 +6610,7 @@
           <p:cNvPr id="6" name="L 形 5">
             <a:extLst>
               <a:ext uri="{FF2B5EF4-FFF2-40B4-BE49-F238E27FC236}">
-                <a16:creationId xmlns:a16="http://schemas.microsoft.com/office/drawing/2014/main" id="{8B3FEAD7-B945-52DA-F51B-2B49302D4C16}"/>
+                <a16:creationId xmlns:a16="http://schemas.microsoft.com/office/drawing/2014/main" id="{0877A44F-B3A2-435D-9F3B-FDD7287E8F26}"/>
               </a:ext>
             </a:extLst>
           </p:cNvPr>
@@ -6732,7 +6687,7 @@
           <p:cNvPr id="5" name="文本框 4">
             <a:extLst>
               <a:ext uri="{FF2B5EF4-FFF2-40B4-BE49-F238E27FC236}">
-                <a16:creationId xmlns:a16="http://schemas.microsoft.com/office/drawing/2014/main" id="{9F6D209B-51F4-C9FB-9996-4AF7EAAAAAD9}"/>
+                <a16:creationId xmlns:a16="http://schemas.microsoft.com/office/drawing/2014/main" id="{EB4577C5-7558-399D-219C-F9456C49AFC7}"/>
               </a:ext>
             </a:extLst>
           </p:cNvPr>
@@ -6741,7 +6696,7 @@
         </p:nvSpPr>
         <p:spPr>
           <a:xfrm>
-            <a:off x="1699563" y="2921168"/>
+            <a:off x="1699562" y="1208510"/>
             <a:ext cx="8792873" cy="1015663"/>
           </a:xfrm>
           <a:prstGeom prst="rect">
@@ -6757,32 +6712,11 @@
           <a:p>
             <a:pPr algn="ctr"/>
             <a:r>
-              <a:rPr lang="zh-CN" altLang="en-US" sz="6000" dirty="0">
-                <a:latin typeface="+mj-ea"/>
-                <a:ea typeface="+mj-ea"/>
-              </a:rPr>
-              <a:t>使用 </a:t>
-            </a:r>
-            <a:r>
               <a:rPr lang="en-US" altLang="zh-CN" sz="6000" dirty="0">
                 <a:latin typeface="+mj-ea"/>
                 <a:ea typeface="+mj-ea"/>
               </a:rPr>
-              <a:t>JavaScript </a:t>
-            </a:r>
-            <a:r>
-              <a:rPr lang="zh-CN" altLang="en-US" sz="6000" dirty="0">
-                <a:latin typeface="+mj-ea"/>
-                <a:ea typeface="+mj-ea"/>
-              </a:rPr>
-              <a:t>更新 </a:t>
-            </a:r>
-            <a:r>
-              <a:rPr lang="en-US" altLang="zh-CN" sz="6000" dirty="0">
-                <a:latin typeface="+mj-ea"/>
-                <a:ea typeface="+mj-ea"/>
-              </a:rPr>
-              <a:t>UI</a:t>
+              <a:t>DOM</a:t>
             </a:r>
             <a:endParaRPr lang="zh-CN" altLang="en-US" sz="6000" dirty="0">
               <a:latin typeface="+mj-ea"/>
@@ -6796,7 +6730,7 @@
           <p:cNvPr id="4" name="图片 3" descr="文本&#10;&#10;描述已自动生成">
             <a:extLst>
               <a:ext uri="{FF2B5EF4-FFF2-40B4-BE49-F238E27FC236}">
-                <a16:creationId xmlns:a16="http://schemas.microsoft.com/office/drawing/2014/main" id="{613D822C-C5BE-F612-8CB8-A26624DD0430}"/>
+                <a16:creationId xmlns:a16="http://schemas.microsoft.com/office/drawing/2014/main" id="{45B6A2B2-8962-31FA-6579-56156CCA8122}"/>
               </a:ext>
             </a:extLst>
           </p:cNvPr>
@@ -6831,7 +6765,7 @@
           <p:cNvPr id="7" name="组合 6">
             <a:extLst>
               <a:ext uri="{FF2B5EF4-FFF2-40B4-BE49-F238E27FC236}">
-                <a16:creationId xmlns:a16="http://schemas.microsoft.com/office/drawing/2014/main" id="{A49EAF3F-3745-2606-0D9E-9452C397AAD8}"/>
+                <a16:creationId xmlns:a16="http://schemas.microsoft.com/office/drawing/2014/main" id="{F9E66D37-5286-2924-E2DD-556EE5EDF2F6}"/>
               </a:ext>
             </a:extLst>
           </p:cNvPr>
@@ -6851,7 +6785,7 @@
             <p:cNvPr id="8" name="直接连接符 7">
               <a:extLst>
                 <a:ext uri="{FF2B5EF4-FFF2-40B4-BE49-F238E27FC236}">
-                  <a16:creationId xmlns:a16="http://schemas.microsoft.com/office/drawing/2014/main" id="{DDB9799D-56DF-76EE-18B1-59A2A96BCD84}"/>
+                  <a16:creationId xmlns:a16="http://schemas.microsoft.com/office/drawing/2014/main" id="{2D57DE39-3737-E733-ADCC-257D3DC281E4}"/>
                 </a:ext>
               </a:extLst>
             </p:cNvPr>
@@ -6894,7 +6828,7 @@
             <p:cNvPr id="9" name="直接连接符 8">
               <a:extLst>
                 <a:ext uri="{FF2B5EF4-FFF2-40B4-BE49-F238E27FC236}">
-                  <a16:creationId xmlns:a16="http://schemas.microsoft.com/office/drawing/2014/main" id="{7492AF94-09B7-4941-FFB1-0C5C8BF2D633}"/>
+                  <a16:creationId xmlns:a16="http://schemas.microsoft.com/office/drawing/2014/main" id="{409D86C9-7AA4-C0BA-E6F5-7AADF0389CC5}"/>
                 </a:ext>
               </a:extLst>
             </p:cNvPr>
@@ -6938,7 +6872,7 @@
           <p:cNvPr id="10" name="图片 9" descr="画着卡通人物&#10;&#10;中度可信度描述已自动生成">
             <a:extLst>
               <a:ext uri="{FF2B5EF4-FFF2-40B4-BE49-F238E27FC236}">
-                <a16:creationId xmlns:a16="http://schemas.microsoft.com/office/drawing/2014/main" id="{C13605EE-F328-FA4E-30D7-652AFED286C7}"/>
+                <a16:creationId xmlns:a16="http://schemas.microsoft.com/office/drawing/2014/main" id="{86625BF2-9850-B813-5F14-ABF51FE9A7CE}"/>
               </a:ext>
             </a:extLst>
           </p:cNvPr>
@@ -6969,10 +6903,57 @@
           </a:prstGeom>
         </p:spPr>
       </p:pic>
+      <p:pic>
+        <p:nvPicPr>
+          <p:cNvPr id="4098" name="Picture 2" descr="Two side-by-side diagrams, left showing the DOM tree, and right showing the rendered UI.">
+            <a:extLst>
+              <a:ext uri="{FF2B5EF4-FFF2-40B4-BE49-F238E27FC236}">
+                <a16:creationId xmlns:a16="http://schemas.microsoft.com/office/drawing/2014/main" id="{CB67A40D-6CFC-73FC-C03E-8CE018FC2E26}"/>
+              </a:ext>
+            </a:extLst>
+          </p:cNvPr>
+          <p:cNvPicPr>
+            <a:picLocks noChangeAspect="1" noChangeArrowheads="1"/>
+          </p:cNvPicPr>
+          <p:nvPr/>
+        </p:nvPicPr>
+        <p:blipFill>
+          <a:blip r:embed="rId4">
+            <a:extLst>
+              <a:ext uri="{28A0092B-C50C-407E-A947-70E740481C1C}">
+                <a14:useLocalDpi xmlns:a14="http://schemas.microsoft.com/office/drawing/2010/main" val="0"/>
+              </a:ext>
+            </a:extLst>
+          </a:blip>
+          <a:srcRect/>
+          <a:stretch>
+            <a:fillRect/>
+          </a:stretch>
+        </p:blipFill>
+        <p:spPr bwMode="auto">
+          <a:xfrm>
+            <a:off x="2186761" y="2508843"/>
+            <a:ext cx="7818477" cy="3708687"/>
+          </a:xfrm>
+          <a:prstGeom prst="rect">
+            <a:avLst/>
+          </a:prstGeom>
+          <a:noFill/>
+          <a:extLst>
+            <a:ext uri="{909E8E84-426E-40DD-AFC4-6F175D3DCCD1}">
+              <a14:hiddenFill xmlns:a14="http://schemas.microsoft.com/office/drawing/2010/main">
+                <a:solidFill>
+                  <a:srgbClr val="FFFFFF"/>
+                </a:solidFill>
+              </a14:hiddenFill>
+            </a:ext>
+          </a:extLst>
+        </p:spPr>
+      </p:pic>
     </p:spTree>
     <p:extLst>
       <p:ext uri="{BB962C8B-B14F-4D97-AF65-F5344CB8AC3E}">
-        <p14:creationId xmlns:p14="http://schemas.microsoft.com/office/powerpoint/2010/main" val="3199965341"/>
+        <p14:creationId xmlns:p14="http://schemas.microsoft.com/office/powerpoint/2010/main" val="661682348"/>
       </p:ext>
     </p:extLst>
   </p:cSld>
@@ -7010,7 +6991,7 @@
         <p:cNvPr id="1" name="">
           <a:extLst>
             <a:ext uri="{FF2B5EF4-FFF2-40B4-BE49-F238E27FC236}">
-              <a16:creationId xmlns:a16="http://schemas.microsoft.com/office/drawing/2014/main" id="{A65973AE-D7C5-3934-1482-8BDFE77D62C6}"/>
+              <a16:creationId xmlns:a16="http://schemas.microsoft.com/office/drawing/2014/main" id="{A1E96C40-CB64-8557-AFE1-909B32B9B2D0}"/>
             </a:ext>
           </a:extLst>
         </p:cNvPr>
@@ -7030,7 +7011,7 @@
           <p:cNvPr id="6" name="L 形 5">
             <a:extLst>
               <a:ext uri="{FF2B5EF4-FFF2-40B4-BE49-F238E27FC236}">
-                <a16:creationId xmlns:a16="http://schemas.microsoft.com/office/drawing/2014/main" id="{AA622C64-AC6D-9AD6-7018-6473D1EB3644}"/>
+                <a16:creationId xmlns:a16="http://schemas.microsoft.com/office/drawing/2014/main" id="{8B3FEAD7-B945-52DA-F51B-2B49302D4C16}"/>
               </a:ext>
             </a:extLst>
           </p:cNvPr>
@@ -7107,7 +7088,7 @@
           <p:cNvPr id="5" name="文本框 4">
             <a:extLst>
               <a:ext uri="{FF2B5EF4-FFF2-40B4-BE49-F238E27FC236}">
-                <a16:creationId xmlns:a16="http://schemas.microsoft.com/office/drawing/2014/main" id="{D1240442-06E3-F9D8-CB84-8A20BE682EFD}"/>
+                <a16:creationId xmlns:a16="http://schemas.microsoft.com/office/drawing/2014/main" id="{9F6D209B-51F4-C9FB-9996-4AF7EAAAAAD9}"/>
               </a:ext>
             </a:extLst>
           </p:cNvPr>
@@ -7132,11 +7113,32 @@
           <a:p>
             <a:pPr algn="ctr"/>
             <a:r>
+              <a:rPr lang="zh-CN" altLang="en-US" sz="6000" dirty="0">
+                <a:latin typeface="+mj-ea"/>
+                <a:ea typeface="+mj-ea"/>
+              </a:rPr>
+              <a:t>使用 </a:t>
+            </a:r>
+            <a:r>
               <a:rPr lang="en-US" altLang="zh-CN" sz="6000" dirty="0">
                 <a:latin typeface="+mj-ea"/>
                 <a:ea typeface="+mj-ea"/>
               </a:rPr>
-              <a:t>HTML vs. the DOM</a:t>
+              <a:t>JavaScript </a:t>
+            </a:r>
+            <a:r>
+              <a:rPr lang="zh-CN" altLang="en-US" sz="6000" dirty="0">
+                <a:latin typeface="+mj-ea"/>
+                <a:ea typeface="+mj-ea"/>
+              </a:rPr>
+              <a:t>更新 </a:t>
+            </a:r>
+            <a:r>
+              <a:rPr lang="en-US" altLang="zh-CN" sz="6000" dirty="0">
+                <a:latin typeface="+mj-ea"/>
+                <a:ea typeface="+mj-ea"/>
+              </a:rPr>
+              <a:t>UI</a:t>
             </a:r>
             <a:endParaRPr lang="zh-CN" altLang="en-US" sz="6000" dirty="0">
               <a:latin typeface="+mj-ea"/>
@@ -7150,7 +7152,7 @@
           <p:cNvPr id="4" name="图片 3" descr="文本&#10;&#10;描述已自动生成">
             <a:extLst>
               <a:ext uri="{FF2B5EF4-FFF2-40B4-BE49-F238E27FC236}">
-                <a16:creationId xmlns:a16="http://schemas.microsoft.com/office/drawing/2014/main" id="{604AFAE1-3E28-ACED-D33A-D36EF361FDE1}"/>
+                <a16:creationId xmlns:a16="http://schemas.microsoft.com/office/drawing/2014/main" id="{613D822C-C5BE-F612-8CB8-A26624DD0430}"/>
               </a:ext>
             </a:extLst>
           </p:cNvPr>
@@ -7185,7 +7187,7 @@
           <p:cNvPr id="7" name="组合 6">
             <a:extLst>
               <a:ext uri="{FF2B5EF4-FFF2-40B4-BE49-F238E27FC236}">
-                <a16:creationId xmlns:a16="http://schemas.microsoft.com/office/drawing/2014/main" id="{969DE95C-314E-984F-8127-6937B59C39F4}"/>
+                <a16:creationId xmlns:a16="http://schemas.microsoft.com/office/drawing/2014/main" id="{A49EAF3F-3745-2606-0D9E-9452C397AAD8}"/>
               </a:ext>
             </a:extLst>
           </p:cNvPr>
@@ -7205,7 +7207,7 @@
             <p:cNvPr id="8" name="直接连接符 7">
               <a:extLst>
                 <a:ext uri="{FF2B5EF4-FFF2-40B4-BE49-F238E27FC236}">
-                  <a16:creationId xmlns:a16="http://schemas.microsoft.com/office/drawing/2014/main" id="{38197590-D555-2154-FD7A-50CEF5B85283}"/>
+                  <a16:creationId xmlns:a16="http://schemas.microsoft.com/office/drawing/2014/main" id="{DDB9799D-56DF-76EE-18B1-59A2A96BCD84}"/>
                 </a:ext>
               </a:extLst>
             </p:cNvPr>
@@ -7248,7 +7250,7 @@
             <p:cNvPr id="9" name="直接连接符 8">
               <a:extLst>
                 <a:ext uri="{FF2B5EF4-FFF2-40B4-BE49-F238E27FC236}">
-                  <a16:creationId xmlns:a16="http://schemas.microsoft.com/office/drawing/2014/main" id="{9E4B4E2E-1050-ABFA-ECC1-80D4AE930BB9}"/>
+                  <a16:creationId xmlns:a16="http://schemas.microsoft.com/office/drawing/2014/main" id="{7492AF94-09B7-4941-FFB1-0C5C8BF2D633}"/>
                 </a:ext>
               </a:extLst>
             </p:cNvPr>
@@ -7292,7 +7294,7 @@
           <p:cNvPr id="10" name="图片 9" descr="画着卡通人物&#10;&#10;中度可信度描述已自动生成">
             <a:extLst>
               <a:ext uri="{FF2B5EF4-FFF2-40B4-BE49-F238E27FC236}">
-                <a16:creationId xmlns:a16="http://schemas.microsoft.com/office/drawing/2014/main" id="{1EF9C3DA-8EEC-919A-3AB2-F0A31E327681}"/>
+                <a16:creationId xmlns:a16="http://schemas.microsoft.com/office/drawing/2014/main" id="{C13605EE-F328-FA4E-30D7-652AFED286C7}"/>
               </a:ext>
             </a:extLst>
           </p:cNvPr>
@@ -7326,7 +7328,7 @@
     </p:spTree>
     <p:extLst>
       <p:ext uri="{BB962C8B-B14F-4D97-AF65-F5344CB8AC3E}">
-        <p14:creationId xmlns:p14="http://schemas.microsoft.com/office/powerpoint/2010/main" val="3068636553"/>
+        <p14:creationId xmlns:p14="http://schemas.microsoft.com/office/powerpoint/2010/main" val="3199965341"/>
       </p:ext>
     </p:extLst>
   </p:cSld>
@@ -7364,7 +7366,7 @@
         <p:cNvPr id="1" name="">
           <a:extLst>
             <a:ext uri="{FF2B5EF4-FFF2-40B4-BE49-F238E27FC236}">
-              <a16:creationId xmlns:a16="http://schemas.microsoft.com/office/drawing/2014/main" id="{16B19536-5248-CB9E-C50B-2CAB28263E8A}"/>
+              <a16:creationId xmlns:a16="http://schemas.microsoft.com/office/drawing/2014/main" id="{A65973AE-D7C5-3934-1482-8BDFE77D62C6}"/>
             </a:ext>
           </a:extLst>
         </p:cNvPr>
@@ -7384,7 +7386,7 @@
           <p:cNvPr id="6" name="L 形 5">
             <a:extLst>
               <a:ext uri="{FF2B5EF4-FFF2-40B4-BE49-F238E27FC236}">
-                <a16:creationId xmlns:a16="http://schemas.microsoft.com/office/drawing/2014/main" id="{B0F79E46-CC1A-5C88-AA52-741FCC9895E3}"/>
+                <a16:creationId xmlns:a16="http://schemas.microsoft.com/office/drawing/2014/main" id="{AA622C64-AC6D-9AD6-7018-6473D1EB3644}"/>
               </a:ext>
             </a:extLst>
           </p:cNvPr>
@@ -7461,7 +7463,7 @@
           <p:cNvPr id="5" name="文本框 4">
             <a:extLst>
               <a:ext uri="{FF2B5EF4-FFF2-40B4-BE49-F238E27FC236}">
-                <a16:creationId xmlns:a16="http://schemas.microsoft.com/office/drawing/2014/main" id="{644FDCFB-42D2-2981-4E4D-BC3B51441577}"/>
+                <a16:creationId xmlns:a16="http://schemas.microsoft.com/office/drawing/2014/main" id="{D1240442-06E3-F9D8-CB84-8A20BE682EFD}"/>
               </a:ext>
             </a:extLst>
           </p:cNvPr>
@@ -7470,7 +7472,7 @@
         </p:nvSpPr>
         <p:spPr>
           <a:xfrm>
-            <a:off x="1699562" y="1208510"/>
+            <a:off x="1699563" y="2921168"/>
             <a:ext cx="8792873" cy="1015663"/>
           </a:xfrm>
           <a:prstGeom prst="rect">
@@ -7504,7 +7506,7 @@
           <p:cNvPr id="4" name="图片 3" descr="文本&#10;&#10;描述已自动生成">
             <a:extLst>
               <a:ext uri="{FF2B5EF4-FFF2-40B4-BE49-F238E27FC236}">
-                <a16:creationId xmlns:a16="http://schemas.microsoft.com/office/drawing/2014/main" id="{F4392DAF-646B-0AF5-5D6D-ED762D68F866}"/>
+                <a16:creationId xmlns:a16="http://schemas.microsoft.com/office/drawing/2014/main" id="{604AFAE1-3E28-ACED-D33A-D36EF361FDE1}"/>
               </a:ext>
             </a:extLst>
           </p:cNvPr>
@@ -7539,7 +7541,7 @@
           <p:cNvPr id="7" name="组合 6">
             <a:extLst>
               <a:ext uri="{FF2B5EF4-FFF2-40B4-BE49-F238E27FC236}">
-                <a16:creationId xmlns:a16="http://schemas.microsoft.com/office/drawing/2014/main" id="{C68407C5-C7EA-3CA4-C20E-A165360DC504}"/>
+                <a16:creationId xmlns:a16="http://schemas.microsoft.com/office/drawing/2014/main" id="{969DE95C-314E-984F-8127-6937B59C39F4}"/>
               </a:ext>
             </a:extLst>
           </p:cNvPr>
@@ -7559,7 +7561,7 @@
             <p:cNvPr id="8" name="直接连接符 7">
               <a:extLst>
                 <a:ext uri="{FF2B5EF4-FFF2-40B4-BE49-F238E27FC236}">
-                  <a16:creationId xmlns:a16="http://schemas.microsoft.com/office/drawing/2014/main" id="{EC22A74C-9613-3BEE-595E-A0666316398E}"/>
+                  <a16:creationId xmlns:a16="http://schemas.microsoft.com/office/drawing/2014/main" id="{38197590-D555-2154-FD7A-50CEF5B85283}"/>
                 </a:ext>
               </a:extLst>
             </p:cNvPr>
@@ -7602,7 +7604,7 @@
             <p:cNvPr id="9" name="直接连接符 8">
               <a:extLst>
                 <a:ext uri="{FF2B5EF4-FFF2-40B4-BE49-F238E27FC236}">
-                  <a16:creationId xmlns:a16="http://schemas.microsoft.com/office/drawing/2014/main" id="{1BCD0A5B-EF17-EDB0-E576-2A0345896EC0}"/>
+                  <a16:creationId xmlns:a16="http://schemas.microsoft.com/office/drawing/2014/main" id="{9E4B4E2E-1050-ABFA-ECC1-80D4AE930BB9}"/>
                 </a:ext>
               </a:extLst>
             </p:cNvPr>
@@ -7646,7 +7648,7 @@
           <p:cNvPr id="10" name="图片 9" descr="画着卡通人物&#10;&#10;中度可信度描述已自动生成">
             <a:extLst>
               <a:ext uri="{FF2B5EF4-FFF2-40B4-BE49-F238E27FC236}">
-                <a16:creationId xmlns:a16="http://schemas.microsoft.com/office/drawing/2014/main" id="{5D541009-29A8-ED40-71B6-319EEADB40DC}"/>
+                <a16:creationId xmlns:a16="http://schemas.microsoft.com/office/drawing/2014/main" id="{1EF9C3DA-8EEC-919A-3AB2-F0A31E327681}"/>
               </a:ext>
             </a:extLst>
           </p:cNvPr>
@@ -7677,57 +7679,10 @@
           </a:prstGeom>
         </p:spPr>
       </p:pic>
-      <p:pic>
-        <p:nvPicPr>
-          <p:cNvPr id="5122" name="Picture 2" descr="Two side-by-side diagrams showing the differences between the rendered DOM elements and Source Code (HTML)">
-            <a:extLst>
-              <a:ext uri="{FF2B5EF4-FFF2-40B4-BE49-F238E27FC236}">
-                <a16:creationId xmlns:a16="http://schemas.microsoft.com/office/drawing/2014/main" id="{1BF39417-3D94-A587-1687-743860C2C906}"/>
-              </a:ext>
-            </a:extLst>
-          </p:cNvPr>
-          <p:cNvPicPr>
-            <a:picLocks noChangeAspect="1" noChangeArrowheads="1"/>
-          </p:cNvPicPr>
-          <p:nvPr/>
-        </p:nvPicPr>
-        <p:blipFill>
-          <a:blip r:embed="rId4">
-            <a:extLst>
-              <a:ext uri="{28A0092B-C50C-407E-A947-70E740481C1C}">
-                <a14:useLocalDpi xmlns:a14="http://schemas.microsoft.com/office/drawing/2010/main" val="0"/>
-              </a:ext>
-            </a:extLst>
-          </a:blip>
-          <a:srcRect/>
-          <a:stretch>
-            <a:fillRect/>
-          </a:stretch>
-        </p:blipFill>
-        <p:spPr bwMode="auto">
-          <a:xfrm>
-            <a:off x="1093928" y="2503753"/>
-            <a:ext cx="10004140" cy="3713777"/>
-          </a:xfrm>
-          <a:prstGeom prst="rect">
-            <a:avLst/>
-          </a:prstGeom>
-          <a:noFill/>
-          <a:extLst>
-            <a:ext uri="{909E8E84-426E-40DD-AFC4-6F175D3DCCD1}">
-              <a14:hiddenFill xmlns:a14="http://schemas.microsoft.com/office/drawing/2010/main">
-                <a:solidFill>
-                  <a:srgbClr val="FFFFFF"/>
-                </a:solidFill>
-              </a14:hiddenFill>
-            </a:ext>
-          </a:extLst>
-        </p:spPr>
-      </p:pic>
     </p:spTree>
     <p:extLst>
       <p:ext uri="{BB962C8B-B14F-4D97-AF65-F5344CB8AC3E}">
-        <p14:creationId xmlns:p14="http://schemas.microsoft.com/office/powerpoint/2010/main" val="3065151607"/>
+        <p14:creationId xmlns:p14="http://schemas.microsoft.com/office/powerpoint/2010/main" val="3068636553"/>
       </p:ext>
     </p:extLst>
   </p:cSld>
@@ -7765,7 +7720,7 @@
         <p:cNvPr id="1" name="">
           <a:extLst>
             <a:ext uri="{FF2B5EF4-FFF2-40B4-BE49-F238E27FC236}">
-              <a16:creationId xmlns:a16="http://schemas.microsoft.com/office/drawing/2014/main" id="{68061B45-55C6-7803-6123-6F1552E3383D}"/>
+              <a16:creationId xmlns:a16="http://schemas.microsoft.com/office/drawing/2014/main" id="{16B19536-5248-CB9E-C50B-2CAB28263E8A}"/>
             </a:ext>
           </a:extLst>
         </p:cNvPr>
@@ -7785,7 +7740,7 @@
           <p:cNvPr id="6" name="L 形 5">
             <a:extLst>
               <a:ext uri="{FF2B5EF4-FFF2-40B4-BE49-F238E27FC236}">
-                <a16:creationId xmlns:a16="http://schemas.microsoft.com/office/drawing/2014/main" id="{A21FFC21-4891-2CF4-191C-8AA09FCD6014}"/>
+                <a16:creationId xmlns:a16="http://schemas.microsoft.com/office/drawing/2014/main" id="{B0F79E46-CC1A-5C88-AA52-741FCC9895E3}"/>
               </a:ext>
             </a:extLst>
           </p:cNvPr>
@@ -7862,7 +7817,7 @@
           <p:cNvPr id="5" name="文本框 4">
             <a:extLst>
               <a:ext uri="{FF2B5EF4-FFF2-40B4-BE49-F238E27FC236}">
-                <a16:creationId xmlns:a16="http://schemas.microsoft.com/office/drawing/2014/main" id="{4F40EB89-5803-4296-A633-B09EC74A4653}"/>
+                <a16:creationId xmlns:a16="http://schemas.microsoft.com/office/drawing/2014/main" id="{644FDCFB-42D2-2981-4E4D-BC3B51441577}"/>
               </a:ext>
             </a:extLst>
           </p:cNvPr>
@@ -7871,7 +7826,7 @@
         </p:nvSpPr>
         <p:spPr>
           <a:xfrm>
-            <a:off x="1699563" y="2921168"/>
+            <a:off x="1699562" y="1208510"/>
             <a:ext cx="8792873" cy="1015663"/>
           </a:xfrm>
           <a:prstGeom prst="rect">
@@ -7887,26 +7842,16 @@
           <a:p>
             <a:pPr algn="ctr"/>
             <a:r>
-              <a:rPr lang="zh-CN" altLang="en-US" sz="6000" dirty="0">
-                <a:latin typeface="+mj-ea"/>
-                <a:ea typeface="+mj-ea"/>
-              </a:rPr>
-              <a:t>命令式 </a:t>
-            </a:r>
-            <a:r>
               <a:rPr lang="en-US" altLang="zh-CN" sz="6000" dirty="0">
                 <a:latin typeface="+mj-ea"/>
                 <a:ea typeface="+mj-ea"/>
               </a:rPr>
-              <a:t>vs. </a:t>
-            </a:r>
-            <a:r>
-              <a:rPr lang="zh-CN" altLang="en-US" sz="6000" dirty="0">
-                <a:latin typeface="+mj-ea"/>
-                <a:ea typeface="+mj-ea"/>
-              </a:rPr>
-              <a:t>声明式编程</a:t>
-            </a:r>
+              <a:t>HTML vs. the DOM</a:t>
+            </a:r>
+            <a:endParaRPr lang="zh-CN" altLang="en-US" sz="6000" dirty="0">
+              <a:latin typeface="+mj-ea"/>
+              <a:ea typeface="+mj-ea"/>
+            </a:endParaRPr>
           </a:p>
         </p:txBody>
       </p:sp>
@@ -7915,7 +7860,7 @@
           <p:cNvPr id="4" name="图片 3" descr="文本&#10;&#10;描述已自动生成">
             <a:extLst>
               <a:ext uri="{FF2B5EF4-FFF2-40B4-BE49-F238E27FC236}">
-                <a16:creationId xmlns:a16="http://schemas.microsoft.com/office/drawing/2014/main" id="{9673228B-0635-57F4-AED5-517BAD0B3B02}"/>
+                <a16:creationId xmlns:a16="http://schemas.microsoft.com/office/drawing/2014/main" id="{F4392DAF-646B-0AF5-5D6D-ED762D68F866}"/>
               </a:ext>
             </a:extLst>
           </p:cNvPr>
@@ -7950,7 +7895,7 @@
           <p:cNvPr id="7" name="组合 6">
             <a:extLst>
               <a:ext uri="{FF2B5EF4-FFF2-40B4-BE49-F238E27FC236}">
-                <a16:creationId xmlns:a16="http://schemas.microsoft.com/office/drawing/2014/main" id="{EDE82CE7-6901-FA5D-2534-0485B2CBF6AC}"/>
+                <a16:creationId xmlns:a16="http://schemas.microsoft.com/office/drawing/2014/main" id="{C68407C5-C7EA-3CA4-C20E-A165360DC504}"/>
               </a:ext>
             </a:extLst>
           </p:cNvPr>
@@ -7970,7 +7915,7 @@
             <p:cNvPr id="8" name="直接连接符 7">
               <a:extLst>
                 <a:ext uri="{FF2B5EF4-FFF2-40B4-BE49-F238E27FC236}">
-                  <a16:creationId xmlns:a16="http://schemas.microsoft.com/office/drawing/2014/main" id="{9B36DBEE-0E2D-AB1F-BC4C-B811CF2DD965}"/>
+                  <a16:creationId xmlns:a16="http://schemas.microsoft.com/office/drawing/2014/main" id="{EC22A74C-9613-3BEE-595E-A0666316398E}"/>
                 </a:ext>
               </a:extLst>
             </p:cNvPr>
@@ -8013,7 +7958,7 @@
             <p:cNvPr id="9" name="直接连接符 8">
               <a:extLst>
                 <a:ext uri="{FF2B5EF4-FFF2-40B4-BE49-F238E27FC236}">
-                  <a16:creationId xmlns:a16="http://schemas.microsoft.com/office/drawing/2014/main" id="{B6A81271-CC79-7D69-A8E1-3C4881B4FB2D}"/>
+                  <a16:creationId xmlns:a16="http://schemas.microsoft.com/office/drawing/2014/main" id="{1BCD0A5B-EF17-EDB0-E576-2A0345896EC0}"/>
                 </a:ext>
               </a:extLst>
             </p:cNvPr>
@@ -8057,7 +8002,7 @@
           <p:cNvPr id="10" name="图片 9" descr="画着卡通人物&#10;&#10;中度可信度描述已自动生成">
             <a:extLst>
               <a:ext uri="{FF2B5EF4-FFF2-40B4-BE49-F238E27FC236}">
-                <a16:creationId xmlns:a16="http://schemas.microsoft.com/office/drawing/2014/main" id="{CC668EF6-5A6E-7DB2-8139-19F8C0D6606E}"/>
+                <a16:creationId xmlns:a16="http://schemas.microsoft.com/office/drawing/2014/main" id="{5D541009-29A8-ED40-71B6-319EEADB40DC}"/>
               </a:ext>
             </a:extLst>
           </p:cNvPr>
@@ -8088,10 +8033,57 @@
           </a:prstGeom>
         </p:spPr>
       </p:pic>
+      <p:pic>
+        <p:nvPicPr>
+          <p:cNvPr id="5122" name="Picture 2" descr="Two side-by-side diagrams showing the differences between the rendered DOM elements and Source Code (HTML)">
+            <a:extLst>
+              <a:ext uri="{FF2B5EF4-FFF2-40B4-BE49-F238E27FC236}">
+                <a16:creationId xmlns:a16="http://schemas.microsoft.com/office/drawing/2014/main" id="{1BF39417-3D94-A587-1687-743860C2C906}"/>
+              </a:ext>
+            </a:extLst>
+          </p:cNvPr>
+          <p:cNvPicPr>
+            <a:picLocks noChangeAspect="1" noChangeArrowheads="1"/>
+          </p:cNvPicPr>
+          <p:nvPr/>
+        </p:nvPicPr>
+        <p:blipFill>
+          <a:blip r:embed="rId4">
+            <a:extLst>
+              <a:ext uri="{28A0092B-C50C-407E-A947-70E740481C1C}">
+                <a14:useLocalDpi xmlns:a14="http://schemas.microsoft.com/office/drawing/2010/main" val="0"/>
+              </a:ext>
+            </a:extLst>
+          </a:blip>
+          <a:srcRect/>
+          <a:stretch>
+            <a:fillRect/>
+          </a:stretch>
+        </p:blipFill>
+        <p:spPr bwMode="auto">
+          <a:xfrm>
+            <a:off x="1093928" y="2503753"/>
+            <a:ext cx="10004140" cy="3713777"/>
+          </a:xfrm>
+          <a:prstGeom prst="rect">
+            <a:avLst/>
+          </a:prstGeom>
+          <a:noFill/>
+          <a:extLst>
+            <a:ext uri="{909E8E84-426E-40DD-AFC4-6F175D3DCCD1}">
+              <a14:hiddenFill xmlns:a14="http://schemas.microsoft.com/office/drawing/2010/main">
+                <a:solidFill>
+                  <a:srgbClr val="FFFFFF"/>
+                </a:solidFill>
+              </a14:hiddenFill>
+            </a:ext>
+          </a:extLst>
+        </p:spPr>
+      </p:pic>
     </p:spTree>
     <p:extLst>
       <p:ext uri="{BB962C8B-B14F-4D97-AF65-F5344CB8AC3E}">
-        <p14:creationId xmlns:p14="http://schemas.microsoft.com/office/powerpoint/2010/main" val="3116301958"/>
+        <p14:creationId xmlns:p14="http://schemas.microsoft.com/office/powerpoint/2010/main" val="3065151607"/>
       </p:ext>
     </p:extLst>
   </p:cSld>
@@ -8129,7 +8121,7 @@
         <p:cNvPr id="1" name="">
           <a:extLst>
             <a:ext uri="{FF2B5EF4-FFF2-40B4-BE49-F238E27FC236}">
-              <a16:creationId xmlns:a16="http://schemas.microsoft.com/office/drawing/2014/main" id="{8A9919EA-D458-50DC-E221-6BD6304B594C}"/>
+              <a16:creationId xmlns:a16="http://schemas.microsoft.com/office/drawing/2014/main" id="{A85DEDC0-6C74-2004-492F-3049C0E8AC9B}"/>
             </a:ext>
           </a:extLst>
         </p:cNvPr>
@@ -8149,7 +8141,7 @@
           <p:cNvPr id="6" name="L 形 5">
             <a:extLst>
               <a:ext uri="{FF2B5EF4-FFF2-40B4-BE49-F238E27FC236}">
-                <a16:creationId xmlns:a16="http://schemas.microsoft.com/office/drawing/2014/main" id="{66EB81E2-E98B-0BEE-00D5-77CB050842D9}"/>
+                <a16:creationId xmlns:a16="http://schemas.microsoft.com/office/drawing/2014/main" id="{7C188C0E-1C57-E48F-D320-8623867B40E8}"/>
               </a:ext>
             </a:extLst>
           </p:cNvPr>
@@ -8226,7 +8218,7 @@
           <p:cNvPr id="5" name="文本框 4">
             <a:extLst>
               <a:ext uri="{FF2B5EF4-FFF2-40B4-BE49-F238E27FC236}">
-                <a16:creationId xmlns:a16="http://schemas.microsoft.com/office/drawing/2014/main" id="{4C531855-7860-409C-9BE0-734138DC13ED}"/>
+                <a16:creationId xmlns:a16="http://schemas.microsoft.com/office/drawing/2014/main" id="{2AF8FB76-349A-8000-90DD-DAE3AE664090}"/>
               </a:ext>
             </a:extLst>
           </p:cNvPr>
@@ -8235,7 +8227,7 @@
         </p:nvSpPr>
         <p:spPr>
           <a:xfrm>
-            <a:off x="1699563" y="2921168"/>
+            <a:off x="1699562" y="2226507"/>
             <a:ext cx="8792873" cy="1015663"/>
           </a:xfrm>
           <a:prstGeom prst="rect">
@@ -8251,28 +8243,107 @@
           <a:p>
             <a:pPr algn="ctr"/>
             <a:r>
-              <a:rPr lang="en-US" altLang="zh-CN" sz="6000" dirty="0">
-                <a:latin typeface="+mj-ea"/>
-                <a:ea typeface="+mj-ea"/>
-              </a:rPr>
-              <a:t>Web </a:t>
-            </a:r>
-            <a:r>
               <a:rPr lang="zh-CN" altLang="en-US" sz="6000" dirty="0">
                 <a:latin typeface="+mj-ea"/>
                 <a:ea typeface="+mj-ea"/>
               </a:rPr>
-              <a:t>应用</a:t>
-            </a:r>
+              <a:t>环境安装</a:t>
+            </a:r>
+          </a:p>
+        </p:txBody>
+      </p:sp>
+      <p:sp>
+        <p:nvSpPr>
+          <p:cNvPr id="3" name="文本框 2">
+            <a:extLst>
+              <a:ext uri="{FF2B5EF4-FFF2-40B4-BE49-F238E27FC236}">
+                <a16:creationId xmlns:a16="http://schemas.microsoft.com/office/drawing/2014/main" id="{F6EC339B-3084-7DCB-CE67-E4C4E3BA199F}"/>
+              </a:ext>
+            </a:extLst>
+          </p:cNvPr>
+          <p:cNvSpPr txBox="1"/>
+          <p:nvPr/>
+        </p:nvSpPr>
+        <p:spPr>
+          <a:xfrm>
+            <a:off x="797717" y="3615831"/>
+            <a:ext cx="10596562" cy="1460400"/>
+          </a:xfrm>
+          <a:prstGeom prst="rect">
+            <a:avLst/>
+          </a:prstGeom>
+          <a:noFill/>
+        </p:spPr>
+        <p:txBody>
+          <a:bodyPr wrap="square" rtlCol="0">
+            <a:spAutoFit/>
+          </a:bodyPr>
+          <a:lstStyle/>
+          <a:p>
+            <a:pPr algn="ctr">
+              <a:lnSpc>
+                <a:spcPct val="200000"/>
+              </a:lnSpc>
+            </a:pPr>
+            <a:r>
+              <a:rPr lang="en-US" altLang="zh-CN" sz="2400" dirty="0">
+                <a:latin typeface="HarmonyOS Sans SC Medium" panose="00000600000000000000" pitchFamily="2" charset="-122"/>
+                <a:ea typeface="HarmonyOS Sans SC Medium" panose="00000600000000000000" pitchFamily="2" charset="-122"/>
+              </a:rPr>
+              <a:t>Node.js 20.12.0 </a:t>
+            </a:r>
+            <a:r>
+              <a:rPr lang="zh-CN" altLang="en-US" sz="2400" dirty="0">
+                <a:latin typeface="HarmonyOS Sans SC Medium" panose="00000600000000000000" pitchFamily="2" charset="-122"/>
+                <a:ea typeface="HarmonyOS Sans SC Medium" panose="00000600000000000000" pitchFamily="2" charset="-122"/>
+              </a:rPr>
+              <a:t>或更高版本</a:t>
+            </a:r>
+            <a:endParaRPr lang="en-US" altLang="zh-CN" sz="2400" dirty="0">
+              <a:latin typeface="HarmonyOS Sans SC Medium" panose="00000600000000000000" pitchFamily="2" charset="-122"/>
+              <a:ea typeface="HarmonyOS Sans SC Medium" panose="00000600000000000000" pitchFamily="2" charset="-122"/>
+            </a:endParaRPr>
+          </a:p>
+          <a:p>
+            <a:pPr algn="ctr">
+              <a:lnSpc>
+                <a:spcPct val="200000"/>
+              </a:lnSpc>
+            </a:pPr>
+            <a:r>
+              <a:rPr lang="en-US" altLang="zh-CN" sz="2400" dirty="0" err="1">
+                <a:latin typeface="HarmonyOS Sans SC Medium" panose="00000600000000000000" pitchFamily="2" charset="-122"/>
+                <a:ea typeface="HarmonyOS Sans SC Medium" panose="00000600000000000000" pitchFamily="2" charset="-122"/>
+              </a:rPr>
+              <a:t>VSCode</a:t>
+            </a:r>
+            <a:r>
+              <a:rPr lang="en-US" altLang="zh-CN" sz="2400" dirty="0">
+                <a:latin typeface="HarmonyOS Sans SC Medium" panose="00000600000000000000" pitchFamily="2" charset="-122"/>
+                <a:ea typeface="HarmonyOS Sans SC Medium" panose="00000600000000000000" pitchFamily="2" charset="-122"/>
+              </a:rPr>
+              <a:t> </a:t>
+            </a:r>
+            <a:r>
+              <a:rPr lang="zh-CN" altLang="en-US" sz="2400" dirty="0">
+                <a:latin typeface="HarmonyOS Sans SC Medium" panose="00000600000000000000" pitchFamily="2" charset="-122"/>
+                <a:ea typeface="HarmonyOS Sans SC Medium" panose="00000600000000000000" pitchFamily="2" charset="-122"/>
+              </a:rPr>
+              <a:t>或其它文本编辑器</a:t>
+            </a:r>
+            <a:endParaRPr lang="zh-CN" altLang="en-US" sz="2400" dirty="0">
+              <a:latin typeface="HarmonyOS Sans SC Light" panose="00000400000000000000" pitchFamily="2" charset="-122"/>
+              <a:ea typeface="HarmonyOS Sans SC Light" panose="00000400000000000000" pitchFamily="2" charset="-122"/>
+            </a:endParaRPr>
           </a:p>
         </p:txBody>
       </p:sp>
       <p:pic>
         <p:nvPicPr>
-          <p:cNvPr id="7" name="图片 6" descr="文本&#10;&#10;描述已自动生成">
-            <a:extLst>
-              <a:ext uri="{FF2B5EF4-FFF2-40B4-BE49-F238E27FC236}">
-                <a16:creationId xmlns:a16="http://schemas.microsoft.com/office/drawing/2014/main" id="{ACBF2635-CD6F-2918-191D-A45E404522B1}"/>
+          <p:cNvPr id="4" name="图片 3" descr="文本&#10;&#10;描述已自动生成">
+            <a:extLst>
+              <a:ext uri="{FF2B5EF4-FFF2-40B4-BE49-F238E27FC236}">
+                <a16:creationId xmlns:a16="http://schemas.microsoft.com/office/drawing/2014/main" id="{7E241AB0-8993-DED6-C521-33AACE9AEEDF}"/>
               </a:ext>
             </a:extLst>
           </p:cNvPr>
@@ -8304,10 +8375,10 @@
       </p:pic>
       <p:grpSp>
         <p:nvGrpSpPr>
-          <p:cNvPr id="8" name="组合 7">
-            <a:extLst>
-              <a:ext uri="{FF2B5EF4-FFF2-40B4-BE49-F238E27FC236}">
-                <a16:creationId xmlns:a16="http://schemas.microsoft.com/office/drawing/2014/main" id="{891A7694-9AC4-2DF3-8B75-9CB44F17575A}"/>
+          <p:cNvPr id="7" name="组合 6">
+            <a:extLst>
+              <a:ext uri="{FF2B5EF4-FFF2-40B4-BE49-F238E27FC236}">
+                <a16:creationId xmlns:a16="http://schemas.microsoft.com/office/drawing/2014/main" id="{6B01E568-2F7E-2689-7A0D-2042FDB60D3C}"/>
               </a:ext>
             </a:extLst>
           </p:cNvPr>
@@ -8324,10 +8395,10 @@
         </p:grpSpPr>
         <p:cxnSp>
           <p:nvCxnSpPr>
-            <p:cNvPr id="9" name="直接连接符 8">
+            <p:cNvPr id="8" name="直接连接符 7">
               <a:extLst>
                 <a:ext uri="{FF2B5EF4-FFF2-40B4-BE49-F238E27FC236}">
-                  <a16:creationId xmlns:a16="http://schemas.microsoft.com/office/drawing/2014/main" id="{61E487BC-8C28-F5B5-CF68-AE48E4E36BBF}"/>
+                  <a16:creationId xmlns:a16="http://schemas.microsoft.com/office/drawing/2014/main" id="{C2DEDC16-15F8-BBA3-5781-CE554E9BA22E}"/>
                 </a:ext>
               </a:extLst>
             </p:cNvPr>
@@ -8367,10 +8438,10 @@
         </p:cxnSp>
         <p:cxnSp>
           <p:nvCxnSpPr>
-            <p:cNvPr id="10" name="直接连接符 9">
+            <p:cNvPr id="9" name="直接连接符 8">
               <a:extLst>
                 <a:ext uri="{FF2B5EF4-FFF2-40B4-BE49-F238E27FC236}">
-                  <a16:creationId xmlns:a16="http://schemas.microsoft.com/office/drawing/2014/main" id="{7273B80B-BF39-8FCC-6E39-E56683EF61FB}"/>
+                  <a16:creationId xmlns:a16="http://schemas.microsoft.com/office/drawing/2014/main" id="{63D19B94-E154-DFB5-DAED-7563FB0641E3}"/>
                 </a:ext>
               </a:extLst>
             </p:cNvPr>
@@ -8411,10 +8482,10 @@
       </p:grpSp>
       <p:pic>
         <p:nvPicPr>
-          <p:cNvPr id="11" name="图片 10" descr="画着卡通人物&#10;&#10;中度可信度描述已自动生成">
-            <a:extLst>
-              <a:ext uri="{FF2B5EF4-FFF2-40B4-BE49-F238E27FC236}">
-                <a16:creationId xmlns:a16="http://schemas.microsoft.com/office/drawing/2014/main" id="{74C59203-0F41-F044-C46A-59F66A1E7543}"/>
+          <p:cNvPr id="10" name="图片 9" descr="画着卡通人物&#10;&#10;中度可信度描述已自动生成">
+            <a:extLst>
+              <a:ext uri="{FF2B5EF4-FFF2-40B4-BE49-F238E27FC236}">
+                <a16:creationId xmlns:a16="http://schemas.microsoft.com/office/drawing/2014/main" id="{37883C35-E282-631D-3BAB-645F3146947D}"/>
               </a:ext>
             </a:extLst>
           </p:cNvPr>
@@ -8448,20 +8519,20 @@
     </p:spTree>
     <p:extLst>
       <p:ext uri="{BB962C8B-B14F-4D97-AF65-F5344CB8AC3E}">
-        <p14:creationId xmlns:p14="http://schemas.microsoft.com/office/powerpoint/2010/main" val="1513193967"/>
+        <p14:creationId xmlns:p14="http://schemas.microsoft.com/office/powerpoint/2010/main" val="2217329459"/>
       </p:ext>
     </p:extLst>
   </p:cSld>
   <p:clrMapOvr>
     <a:masterClrMapping/>
   </p:clrMapOvr>
-  <mc:AlternateContent xmlns:mc="http://schemas.openxmlformats.org/markup-compatibility/2006" xmlns:p159="http://schemas.microsoft.com/office/powerpoint/2015/09/main">
-    <mc:Choice Requires="p159">
+  <mc:AlternateContent xmlns:mc="http://schemas.openxmlformats.org/markup-compatibility/2006">
+    <mc:Choice xmlns:p159="http://schemas.microsoft.com/office/powerpoint/2015/09/main" Requires="p159">
       <p:transition xmlns:p14="http://schemas.microsoft.com/office/powerpoint/2010/main" spd="slow" p14:dur="2000">
         <p159:morph option="byObject"/>
       </p:transition>
     </mc:Choice>
-    <mc:Fallback xmlns="">
+    <mc:Fallback>
       <p:transition spd="slow">
         <p:fade/>
       </p:transition>
@@ -8486,7 +8557,7 @@
         <p:cNvPr id="1" name="">
           <a:extLst>
             <a:ext uri="{FF2B5EF4-FFF2-40B4-BE49-F238E27FC236}">
-              <a16:creationId xmlns:a16="http://schemas.microsoft.com/office/drawing/2014/main" id="{D9347DB8-5A87-F20A-3C77-A6F8A7C954FB}"/>
+              <a16:creationId xmlns:a16="http://schemas.microsoft.com/office/drawing/2014/main" id="{68061B45-55C6-7803-6123-6F1552E3383D}"/>
             </a:ext>
           </a:extLst>
         </p:cNvPr>
@@ -8506,7 +8577,7 @@
           <p:cNvPr id="6" name="L 形 5">
             <a:extLst>
               <a:ext uri="{FF2B5EF4-FFF2-40B4-BE49-F238E27FC236}">
-                <a16:creationId xmlns:a16="http://schemas.microsoft.com/office/drawing/2014/main" id="{F97C37C4-E3D1-89FD-C838-8384D9C412B4}"/>
+                <a16:creationId xmlns:a16="http://schemas.microsoft.com/office/drawing/2014/main" id="{A21FFC21-4891-2CF4-191C-8AA09FCD6014}"/>
               </a:ext>
             </a:extLst>
           </p:cNvPr>
@@ -8583,7 +8654,7 @@
           <p:cNvPr id="5" name="文本框 4">
             <a:extLst>
               <a:ext uri="{FF2B5EF4-FFF2-40B4-BE49-F238E27FC236}">
-                <a16:creationId xmlns:a16="http://schemas.microsoft.com/office/drawing/2014/main" id="{38019D60-671A-9FAD-93D3-656074DDC4C9}"/>
+                <a16:creationId xmlns:a16="http://schemas.microsoft.com/office/drawing/2014/main" id="{4F40EB89-5803-4296-A633-B09EC74A4653}"/>
               </a:ext>
             </a:extLst>
           </p:cNvPr>
@@ -8592,7 +8663,7 @@
         </p:nvSpPr>
         <p:spPr>
           <a:xfrm>
-            <a:off x="1699563" y="2226507"/>
+            <a:off x="1699563" y="2921168"/>
             <a:ext cx="8792873" cy="1015663"/>
           </a:xfrm>
           <a:prstGeom prst="rect">
@@ -8631,77 +8702,12 @@
           </a:p>
         </p:txBody>
       </p:sp>
-      <p:sp>
-        <p:nvSpPr>
-          <p:cNvPr id="3" name="文本框 2">
-            <a:extLst>
-              <a:ext uri="{FF2B5EF4-FFF2-40B4-BE49-F238E27FC236}">
-                <a16:creationId xmlns:a16="http://schemas.microsoft.com/office/drawing/2014/main" id="{95F2CE9A-929B-652A-2ABD-F113AF81B6A1}"/>
-              </a:ext>
-            </a:extLst>
-          </p:cNvPr>
-          <p:cNvSpPr txBox="1"/>
-          <p:nvPr/>
-        </p:nvSpPr>
-        <p:spPr>
-          <a:xfrm>
-            <a:off x="797718" y="3671560"/>
-            <a:ext cx="10596562" cy="1460400"/>
-          </a:xfrm>
-          <a:prstGeom prst="rect">
-            <a:avLst/>
-          </a:prstGeom>
-          <a:noFill/>
-        </p:spPr>
-        <p:txBody>
-          <a:bodyPr wrap="square" rtlCol="0">
-            <a:spAutoFit/>
-          </a:bodyPr>
-          <a:lstStyle/>
-          <a:p>
-            <a:pPr algn="ctr">
-              <a:lnSpc>
-                <a:spcPct val="200000"/>
-              </a:lnSpc>
-            </a:pPr>
-            <a:r>
-              <a:rPr lang="zh-CN" altLang="en-US" sz="2400" dirty="0">
-                <a:latin typeface="HarmonyOS Sans SC Medium" panose="00000600000000000000" pitchFamily="2" charset="-122"/>
-                <a:ea typeface="HarmonyOS Sans SC Medium" panose="00000600000000000000" pitchFamily="2" charset="-122"/>
-              </a:rPr>
-              <a:t>命令式编程就像给厨师提供制作披萨的分步说明。</a:t>
-            </a:r>
-            <a:endParaRPr lang="en-US" altLang="zh-CN" sz="2400" dirty="0">
-              <a:latin typeface="HarmonyOS Sans SC Medium" panose="00000600000000000000" pitchFamily="2" charset="-122"/>
-              <a:ea typeface="HarmonyOS Sans SC Medium" panose="00000600000000000000" pitchFamily="2" charset="-122"/>
-            </a:endParaRPr>
-          </a:p>
-          <a:p>
-            <a:pPr algn="ctr">
-              <a:lnSpc>
-                <a:spcPct val="200000"/>
-              </a:lnSpc>
-            </a:pPr>
-            <a:r>
-              <a:rPr lang="zh-CN" altLang="en-US" sz="2400" dirty="0">
-                <a:latin typeface="HarmonyOS Sans SC Medium" panose="00000600000000000000" pitchFamily="2" charset="-122"/>
-                <a:ea typeface="HarmonyOS Sans SC Medium" panose="00000600000000000000" pitchFamily="2" charset="-122"/>
-              </a:rPr>
-              <a:t>声明式编程就像点披萨而不关心制作披萨的步骤。</a:t>
-            </a:r>
-            <a:endParaRPr lang="zh-CN" altLang="en-US" sz="2400" dirty="0">
-              <a:latin typeface="HarmonyOS Sans SC Light" panose="00000400000000000000" pitchFamily="2" charset="-122"/>
-              <a:ea typeface="HarmonyOS Sans SC Light" panose="00000400000000000000" pitchFamily="2" charset="-122"/>
-            </a:endParaRPr>
-          </a:p>
-        </p:txBody>
-      </p:sp>
       <p:pic>
         <p:nvPicPr>
           <p:cNvPr id="4" name="图片 3" descr="文本&#10;&#10;描述已自动生成">
             <a:extLst>
               <a:ext uri="{FF2B5EF4-FFF2-40B4-BE49-F238E27FC236}">
-                <a16:creationId xmlns:a16="http://schemas.microsoft.com/office/drawing/2014/main" id="{0561CB8E-2B9F-BA44-AF70-226A091827A3}"/>
+                <a16:creationId xmlns:a16="http://schemas.microsoft.com/office/drawing/2014/main" id="{9673228B-0635-57F4-AED5-517BAD0B3B02}"/>
               </a:ext>
             </a:extLst>
           </p:cNvPr>
@@ -8736,7 +8742,7 @@
           <p:cNvPr id="7" name="组合 6">
             <a:extLst>
               <a:ext uri="{FF2B5EF4-FFF2-40B4-BE49-F238E27FC236}">
-                <a16:creationId xmlns:a16="http://schemas.microsoft.com/office/drawing/2014/main" id="{8AFA70B4-BE6B-6896-5EF9-D640FF27B26F}"/>
+                <a16:creationId xmlns:a16="http://schemas.microsoft.com/office/drawing/2014/main" id="{EDE82CE7-6901-FA5D-2534-0485B2CBF6AC}"/>
               </a:ext>
             </a:extLst>
           </p:cNvPr>
@@ -8756,7 +8762,7 @@
             <p:cNvPr id="8" name="直接连接符 7">
               <a:extLst>
                 <a:ext uri="{FF2B5EF4-FFF2-40B4-BE49-F238E27FC236}">
-                  <a16:creationId xmlns:a16="http://schemas.microsoft.com/office/drawing/2014/main" id="{FBBF71E9-BB6D-56CD-4619-F1FAFFA3635C}"/>
+                  <a16:creationId xmlns:a16="http://schemas.microsoft.com/office/drawing/2014/main" id="{9B36DBEE-0E2D-AB1F-BC4C-B811CF2DD965}"/>
                 </a:ext>
               </a:extLst>
             </p:cNvPr>
@@ -8799,7 +8805,7 @@
             <p:cNvPr id="9" name="直接连接符 8">
               <a:extLst>
                 <a:ext uri="{FF2B5EF4-FFF2-40B4-BE49-F238E27FC236}">
-                  <a16:creationId xmlns:a16="http://schemas.microsoft.com/office/drawing/2014/main" id="{C26C5E16-50C8-CF3A-8847-25E7A5A76725}"/>
+                  <a16:creationId xmlns:a16="http://schemas.microsoft.com/office/drawing/2014/main" id="{B6A81271-CC79-7D69-A8E1-3C4881B4FB2D}"/>
                 </a:ext>
               </a:extLst>
             </p:cNvPr>
@@ -8843,7 +8849,7 @@
           <p:cNvPr id="10" name="图片 9" descr="画着卡通人物&#10;&#10;中度可信度描述已自动生成">
             <a:extLst>
               <a:ext uri="{FF2B5EF4-FFF2-40B4-BE49-F238E27FC236}">
-                <a16:creationId xmlns:a16="http://schemas.microsoft.com/office/drawing/2014/main" id="{1906FF10-678D-C179-7238-E73BB05E3DF1}"/>
+                <a16:creationId xmlns:a16="http://schemas.microsoft.com/office/drawing/2014/main" id="{CC668EF6-5A6E-7DB2-8139-19F8C0D6606E}"/>
               </a:ext>
             </a:extLst>
           </p:cNvPr>
@@ -8877,7 +8883,7 @@
     </p:spTree>
     <p:extLst>
       <p:ext uri="{BB962C8B-B14F-4D97-AF65-F5344CB8AC3E}">
-        <p14:creationId xmlns:p14="http://schemas.microsoft.com/office/powerpoint/2010/main" val="3522904991"/>
+        <p14:creationId xmlns:p14="http://schemas.microsoft.com/office/powerpoint/2010/main" val="3116301958"/>
       </p:ext>
     </p:extLst>
   </p:cSld>
@@ -8915,6 +8921,435 @@
         <p:cNvPr id="1" name="">
           <a:extLst>
             <a:ext uri="{FF2B5EF4-FFF2-40B4-BE49-F238E27FC236}">
+              <a16:creationId xmlns:a16="http://schemas.microsoft.com/office/drawing/2014/main" id="{D9347DB8-5A87-F20A-3C77-A6F8A7C954FB}"/>
+            </a:ext>
+          </a:extLst>
+        </p:cNvPr>
+        <p:cNvGrpSpPr/>
+        <p:nvPr/>
+      </p:nvGrpSpPr>
+      <p:grpSpPr>
+        <a:xfrm>
+          <a:off x="0" y="0"/>
+          <a:ext cx="0" cy="0"/>
+          <a:chOff x="0" y="0"/>
+          <a:chExt cx="0" cy="0"/>
+        </a:xfrm>
+      </p:grpSpPr>
+      <p:sp>
+        <p:nvSpPr>
+          <p:cNvPr id="6" name="L 形 5">
+            <a:extLst>
+              <a:ext uri="{FF2B5EF4-FFF2-40B4-BE49-F238E27FC236}">
+                <a16:creationId xmlns:a16="http://schemas.microsoft.com/office/drawing/2014/main" id="{F97C37C4-E3D1-89FD-C838-8384D9C412B4}"/>
+              </a:ext>
+            </a:extLst>
+          </p:cNvPr>
+          <p:cNvSpPr/>
+          <p:nvPr/>
+        </p:nvSpPr>
+        <p:spPr>
+          <a:xfrm rot="16200000">
+            <a:off x="11425326" y="6047098"/>
+            <a:ext cx="340866" cy="340866"/>
+          </a:xfrm>
+          <a:prstGeom prst="corner">
+            <a:avLst/>
+          </a:prstGeom>
+          <a:gradFill flip="none" rotWithShape="1">
+            <a:gsLst>
+              <a:gs pos="0">
+                <a:schemeClr val="accent5">
+                  <a:lumMod val="89000"/>
+                </a:schemeClr>
+              </a:gs>
+              <a:gs pos="23000">
+                <a:schemeClr val="accent5">
+                  <a:lumMod val="89000"/>
+                </a:schemeClr>
+              </a:gs>
+              <a:gs pos="69000">
+                <a:schemeClr val="accent5">
+                  <a:lumMod val="75000"/>
+                </a:schemeClr>
+              </a:gs>
+              <a:gs pos="97000">
+                <a:schemeClr val="accent5">
+                  <a:lumMod val="70000"/>
+                </a:schemeClr>
+              </a:gs>
+            </a:gsLst>
+            <a:path path="circle">
+              <a:fillToRect l="50000" t="50000" r="50000" b="50000"/>
+            </a:path>
+            <a:tileRect/>
+          </a:gradFill>
+          <a:ln>
+            <a:noFill/>
+          </a:ln>
+        </p:spPr>
+        <p:style>
+          <a:lnRef idx="2">
+            <a:schemeClr val="accent1">
+              <a:shade val="15000"/>
+            </a:schemeClr>
+          </a:lnRef>
+          <a:fillRef idx="1">
+            <a:schemeClr val="accent1"/>
+          </a:fillRef>
+          <a:effectRef idx="0">
+            <a:schemeClr val="accent1"/>
+          </a:effectRef>
+          <a:fontRef idx="minor">
+            <a:schemeClr val="lt1"/>
+          </a:fontRef>
+        </p:style>
+        <p:txBody>
+          <a:bodyPr rtlCol="0" anchor="ctr"/>
+          <a:lstStyle/>
+          <a:p>
+            <a:pPr algn="ctr"/>
+            <a:endParaRPr lang="zh-CN" altLang="en-US" dirty="0"/>
+          </a:p>
+        </p:txBody>
+      </p:sp>
+      <p:sp>
+        <p:nvSpPr>
+          <p:cNvPr id="5" name="文本框 4">
+            <a:extLst>
+              <a:ext uri="{FF2B5EF4-FFF2-40B4-BE49-F238E27FC236}">
+                <a16:creationId xmlns:a16="http://schemas.microsoft.com/office/drawing/2014/main" id="{38019D60-671A-9FAD-93D3-656074DDC4C9}"/>
+              </a:ext>
+            </a:extLst>
+          </p:cNvPr>
+          <p:cNvSpPr txBox="1"/>
+          <p:nvPr/>
+        </p:nvSpPr>
+        <p:spPr>
+          <a:xfrm>
+            <a:off x="1699563" y="2226507"/>
+            <a:ext cx="8792873" cy="1015663"/>
+          </a:xfrm>
+          <a:prstGeom prst="rect">
+            <a:avLst/>
+          </a:prstGeom>
+          <a:noFill/>
+        </p:spPr>
+        <p:txBody>
+          <a:bodyPr wrap="square" rtlCol="0">
+            <a:spAutoFit/>
+          </a:bodyPr>
+          <a:lstStyle/>
+          <a:p>
+            <a:pPr algn="ctr"/>
+            <a:r>
+              <a:rPr lang="zh-CN" altLang="en-US" sz="6000" dirty="0">
+                <a:latin typeface="+mj-ea"/>
+                <a:ea typeface="+mj-ea"/>
+              </a:rPr>
+              <a:t>命令式 </a:t>
+            </a:r>
+            <a:r>
+              <a:rPr lang="en-US" altLang="zh-CN" sz="6000" dirty="0">
+                <a:latin typeface="+mj-ea"/>
+                <a:ea typeface="+mj-ea"/>
+              </a:rPr>
+              <a:t>vs. </a:t>
+            </a:r>
+            <a:r>
+              <a:rPr lang="zh-CN" altLang="en-US" sz="6000" dirty="0">
+                <a:latin typeface="+mj-ea"/>
+                <a:ea typeface="+mj-ea"/>
+              </a:rPr>
+              <a:t>声明式编程</a:t>
+            </a:r>
+          </a:p>
+        </p:txBody>
+      </p:sp>
+      <p:sp>
+        <p:nvSpPr>
+          <p:cNvPr id="3" name="文本框 2">
+            <a:extLst>
+              <a:ext uri="{FF2B5EF4-FFF2-40B4-BE49-F238E27FC236}">
+                <a16:creationId xmlns:a16="http://schemas.microsoft.com/office/drawing/2014/main" id="{95F2CE9A-929B-652A-2ABD-F113AF81B6A1}"/>
+              </a:ext>
+            </a:extLst>
+          </p:cNvPr>
+          <p:cNvSpPr txBox="1"/>
+          <p:nvPr/>
+        </p:nvSpPr>
+        <p:spPr>
+          <a:xfrm>
+            <a:off x="797718" y="3671560"/>
+            <a:ext cx="10596562" cy="1460400"/>
+          </a:xfrm>
+          <a:prstGeom prst="rect">
+            <a:avLst/>
+          </a:prstGeom>
+          <a:noFill/>
+        </p:spPr>
+        <p:txBody>
+          <a:bodyPr wrap="square" rtlCol="0">
+            <a:spAutoFit/>
+          </a:bodyPr>
+          <a:lstStyle/>
+          <a:p>
+            <a:pPr algn="ctr">
+              <a:lnSpc>
+                <a:spcPct val="200000"/>
+              </a:lnSpc>
+            </a:pPr>
+            <a:r>
+              <a:rPr lang="zh-CN" altLang="en-US" sz="2400" dirty="0">
+                <a:latin typeface="HarmonyOS Sans SC Medium" panose="00000600000000000000" pitchFamily="2" charset="-122"/>
+                <a:ea typeface="HarmonyOS Sans SC Medium" panose="00000600000000000000" pitchFamily="2" charset="-122"/>
+              </a:rPr>
+              <a:t>命令式编程就像给厨师提供制作披萨的分步说明。</a:t>
+            </a:r>
+            <a:endParaRPr lang="en-US" altLang="zh-CN" sz="2400" dirty="0">
+              <a:latin typeface="HarmonyOS Sans SC Medium" panose="00000600000000000000" pitchFamily="2" charset="-122"/>
+              <a:ea typeface="HarmonyOS Sans SC Medium" panose="00000600000000000000" pitchFamily="2" charset="-122"/>
+            </a:endParaRPr>
+          </a:p>
+          <a:p>
+            <a:pPr algn="ctr">
+              <a:lnSpc>
+                <a:spcPct val="200000"/>
+              </a:lnSpc>
+            </a:pPr>
+            <a:r>
+              <a:rPr lang="zh-CN" altLang="en-US" sz="2400" dirty="0">
+                <a:latin typeface="HarmonyOS Sans SC Medium" panose="00000600000000000000" pitchFamily="2" charset="-122"/>
+                <a:ea typeface="HarmonyOS Sans SC Medium" panose="00000600000000000000" pitchFamily="2" charset="-122"/>
+              </a:rPr>
+              <a:t>声明式编程就像点披萨而不关心制作披萨的步骤。</a:t>
+            </a:r>
+            <a:endParaRPr lang="zh-CN" altLang="en-US" sz="2400" dirty="0">
+              <a:latin typeface="HarmonyOS Sans SC Light" panose="00000400000000000000" pitchFamily="2" charset="-122"/>
+              <a:ea typeface="HarmonyOS Sans SC Light" panose="00000400000000000000" pitchFamily="2" charset="-122"/>
+            </a:endParaRPr>
+          </a:p>
+        </p:txBody>
+      </p:sp>
+      <p:pic>
+        <p:nvPicPr>
+          <p:cNvPr id="4" name="图片 3" descr="文本&#10;&#10;描述已自动生成">
+            <a:extLst>
+              <a:ext uri="{FF2B5EF4-FFF2-40B4-BE49-F238E27FC236}">
+                <a16:creationId xmlns:a16="http://schemas.microsoft.com/office/drawing/2014/main" id="{0561CB8E-2B9F-BA44-AF70-226A091827A3}"/>
+              </a:ext>
+            </a:extLst>
+          </p:cNvPr>
+          <p:cNvPicPr>
+            <a:picLocks noChangeAspect="1"/>
+          </p:cNvPicPr>
+          <p:nvPr/>
+        </p:nvPicPr>
+        <p:blipFill>
+          <a:blip r:embed="rId2">
+            <a:extLst>
+              <a:ext uri="{28A0092B-C50C-407E-A947-70E740481C1C}">
+                <a14:useLocalDpi xmlns:a14="http://schemas.microsoft.com/office/drawing/2010/main" val="0"/>
+              </a:ext>
+            </a:extLst>
+          </a:blip>
+          <a:srcRect l="8541" t="32975" r="50762" b="24967"/>
+          <a:stretch/>
+        </p:blipFill>
+        <p:spPr>
+          <a:xfrm>
+            <a:off x="670104" y="583651"/>
+            <a:ext cx="1149170" cy="466142"/>
+          </a:xfrm>
+          <a:prstGeom prst="rect">
+            <a:avLst/>
+          </a:prstGeom>
+        </p:spPr>
+      </p:pic>
+      <p:grpSp>
+        <p:nvGrpSpPr>
+          <p:cNvPr id="7" name="组合 6">
+            <a:extLst>
+              <a:ext uri="{FF2B5EF4-FFF2-40B4-BE49-F238E27FC236}">
+                <a16:creationId xmlns:a16="http://schemas.microsoft.com/office/drawing/2014/main" id="{8AFA70B4-BE6B-6896-5EF9-D640FF27B26F}"/>
+              </a:ext>
+            </a:extLst>
+          </p:cNvPr>
+          <p:cNvGrpSpPr/>
+          <p:nvPr/>
+        </p:nvGrpSpPr>
+        <p:grpSpPr>
+          <a:xfrm rot="2700000">
+            <a:off x="1976438" y="763144"/>
+            <a:ext cx="107157" cy="107157"/>
+            <a:chOff x="1859756" y="228537"/>
+            <a:chExt cx="252413" cy="252413"/>
+          </a:xfrm>
+        </p:grpSpPr>
+        <p:cxnSp>
+          <p:nvCxnSpPr>
+            <p:cNvPr id="8" name="直接连接符 7">
+              <a:extLst>
+                <a:ext uri="{FF2B5EF4-FFF2-40B4-BE49-F238E27FC236}">
+                  <a16:creationId xmlns:a16="http://schemas.microsoft.com/office/drawing/2014/main" id="{FBBF71E9-BB6D-56CD-4619-F1FAFFA3635C}"/>
+                </a:ext>
+              </a:extLst>
+            </p:cNvPr>
+            <p:cNvCxnSpPr>
+              <a:cxnSpLocks/>
+            </p:cNvCxnSpPr>
+            <p:nvPr/>
+          </p:nvCxnSpPr>
+          <p:spPr>
+            <a:xfrm>
+              <a:off x="1859756" y="354744"/>
+              <a:ext cx="252413" cy="0"/>
+            </a:xfrm>
+            <a:prstGeom prst="line">
+              <a:avLst/>
+            </a:prstGeom>
+            <a:ln>
+              <a:solidFill>
+                <a:schemeClr val="accent4"/>
+              </a:solidFill>
+            </a:ln>
+          </p:spPr>
+          <p:style>
+            <a:lnRef idx="2">
+              <a:schemeClr val="accent1"/>
+            </a:lnRef>
+            <a:fillRef idx="0">
+              <a:schemeClr val="accent1"/>
+            </a:fillRef>
+            <a:effectRef idx="1">
+              <a:schemeClr val="accent1"/>
+            </a:effectRef>
+            <a:fontRef idx="minor">
+              <a:schemeClr val="tx1"/>
+            </a:fontRef>
+          </p:style>
+        </p:cxnSp>
+        <p:cxnSp>
+          <p:nvCxnSpPr>
+            <p:cNvPr id="9" name="直接连接符 8">
+              <a:extLst>
+                <a:ext uri="{FF2B5EF4-FFF2-40B4-BE49-F238E27FC236}">
+                  <a16:creationId xmlns:a16="http://schemas.microsoft.com/office/drawing/2014/main" id="{C26C5E16-50C8-CF3A-8847-25E7A5A76725}"/>
+                </a:ext>
+              </a:extLst>
+            </p:cNvPr>
+            <p:cNvCxnSpPr>
+              <a:cxnSpLocks/>
+            </p:cNvCxnSpPr>
+            <p:nvPr/>
+          </p:nvCxnSpPr>
+          <p:spPr>
+            <a:xfrm rot="5400000">
+              <a:off x="1859756" y="354744"/>
+              <a:ext cx="252413" cy="0"/>
+            </a:xfrm>
+            <a:prstGeom prst="line">
+              <a:avLst/>
+            </a:prstGeom>
+            <a:ln>
+              <a:solidFill>
+                <a:schemeClr val="accent4"/>
+              </a:solidFill>
+            </a:ln>
+          </p:spPr>
+          <p:style>
+            <a:lnRef idx="2">
+              <a:schemeClr val="accent1"/>
+            </a:lnRef>
+            <a:fillRef idx="0">
+              <a:schemeClr val="accent1"/>
+            </a:fillRef>
+            <a:effectRef idx="1">
+              <a:schemeClr val="accent1"/>
+            </a:effectRef>
+            <a:fontRef idx="minor">
+              <a:schemeClr val="tx1"/>
+            </a:fontRef>
+          </p:style>
+        </p:cxnSp>
+      </p:grpSp>
+      <p:pic>
+        <p:nvPicPr>
+          <p:cNvPr id="10" name="图片 9" descr="画着卡通人物&#10;&#10;中度可信度描述已自动生成">
+            <a:extLst>
+              <a:ext uri="{FF2B5EF4-FFF2-40B4-BE49-F238E27FC236}">
+                <a16:creationId xmlns:a16="http://schemas.microsoft.com/office/drawing/2014/main" id="{1906FF10-678D-C179-7238-E73BB05E3DF1}"/>
+              </a:ext>
+            </a:extLst>
+          </p:cNvPr>
+          <p:cNvPicPr>
+            <a:picLocks noChangeAspect="1"/>
+          </p:cNvPicPr>
+          <p:nvPr/>
+        </p:nvPicPr>
+        <p:blipFill>
+          <a:blip r:embed="rId3">
+            <a:extLst>
+              <a:ext uri="{28A0092B-C50C-407E-A947-70E740481C1C}">
+                <a14:useLocalDpi xmlns:a14="http://schemas.microsoft.com/office/drawing/2010/main" val="0"/>
+              </a:ext>
+            </a:extLst>
+          </a:blip>
+          <a:stretch>
+            <a:fillRect/>
+          </a:stretch>
+        </p:blipFill>
+        <p:spPr>
+          <a:xfrm>
+            <a:off x="2325819" y="707245"/>
+            <a:ext cx="1193722" cy="218954"/>
+          </a:xfrm>
+          <a:prstGeom prst="rect">
+            <a:avLst/>
+          </a:prstGeom>
+        </p:spPr>
+      </p:pic>
+    </p:spTree>
+    <p:extLst>
+      <p:ext uri="{BB962C8B-B14F-4D97-AF65-F5344CB8AC3E}">
+        <p14:creationId xmlns:p14="http://schemas.microsoft.com/office/powerpoint/2010/main" val="3522904991"/>
+      </p:ext>
+    </p:extLst>
+  </p:cSld>
+  <p:clrMapOvr>
+    <a:masterClrMapping/>
+  </p:clrMapOvr>
+  <mc:AlternateContent xmlns:mc="http://schemas.openxmlformats.org/markup-compatibility/2006" xmlns:p159="http://schemas.microsoft.com/office/powerpoint/2015/09/main">
+    <mc:Choice Requires="p159">
+      <p:transition xmlns:p14="http://schemas.microsoft.com/office/powerpoint/2010/main" spd="slow" p14:dur="2000">
+        <p159:morph option="byObject"/>
+      </p:transition>
+    </mc:Choice>
+    <mc:Fallback xmlns="">
+      <p:transition spd="slow">
+        <p:fade/>
+      </p:transition>
+    </mc:Fallback>
+  </mc:AlternateContent>
+</p:sld>
+</file>
+
+<file path=ppt/slides/slide22.xml><?xml version="1.0" encoding="utf-8"?>
+<p:sld xmlns:a="http://schemas.openxmlformats.org/drawingml/2006/main" xmlns:r="http://schemas.openxmlformats.org/officeDocument/2006/relationships" xmlns:p="http://schemas.openxmlformats.org/presentationml/2006/main">
+  <p:cSld>
+    <p:bg>
+      <p:bgPr>
+        <a:solidFill>
+          <a:srgbClr val="121633"/>
+        </a:solidFill>
+        <a:effectLst/>
+      </p:bgPr>
+    </p:bg>
+    <p:spTree>
+      <p:nvGrpSpPr>
+        <p:cNvPr id="1" name="">
+          <a:extLst>
+            <a:ext uri="{FF2B5EF4-FFF2-40B4-BE49-F238E27FC236}">
               <a16:creationId xmlns:a16="http://schemas.microsoft.com/office/drawing/2014/main" id="{86986229-9EF8-B764-8BB6-F321C3392752}"/>
             </a:ext>
           </a:extLst>
@@ -9241,13 +9676,13 @@
   <p:clrMapOvr>
     <a:masterClrMapping/>
   </p:clrMapOvr>
-  <mc:AlternateContent xmlns:mc="http://schemas.openxmlformats.org/markup-compatibility/2006">
-    <mc:Choice xmlns:p159="http://schemas.microsoft.com/office/powerpoint/2015/09/main" Requires="p159">
+  <mc:AlternateContent xmlns:mc="http://schemas.openxmlformats.org/markup-compatibility/2006" xmlns:p159="http://schemas.microsoft.com/office/powerpoint/2015/09/main">
+    <mc:Choice Requires="p159">
       <p:transition xmlns:p14="http://schemas.microsoft.com/office/powerpoint/2010/main" spd="slow" p14:dur="2000">
         <p159:morph option="byObject"/>
       </p:transition>
     </mc:Choice>
-    <mc:Fallback>
+    <mc:Fallback xmlns="">
       <p:transition spd="slow">
         <p:fade/>
       </p:transition>
@@ -9256,7 +9691,7 @@
 </p:sld>
 </file>
 
-<file path=ppt/slides/slide22.xml><?xml version="1.0" encoding="utf-8"?>
+<file path=ppt/slides/slide23.xml><?xml version="1.0" encoding="utf-8"?>
 <p:sld xmlns:a="http://schemas.openxmlformats.org/drawingml/2006/main" xmlns:r="http://schemas.openxmlformats.org/officeDocument/2006/relationships" xmlns:p="http://schemas.openxmlformats.org/presentationml/2006/main">
   <p:cSld>
     <p:bg>
@@ -9595,13 +10030,13 @@
   <p:clrMapOvr>
     <a:masterClrMapping/>
   </p:clrMapOvr>
-  <mc:AlternateContent xmlns:mc="http://schemas.openxmlformats.org/markup-compatibility/2006">
-    <mc:Choice xmlns:p159="http://schemas.microsoft.com/office/powerpoint/2015/09/main" Requires="p159">
+  <mc:AlternateContent xmlns:mc="http://schemas.openxmlformats.org/markup-compatibility/2006" xmlns:p159="http://schemas.microsoft.com/office/powerpoint/2015/09/main">
+    <mc:Choice Requires="p159">
       <p:transition xmlns:p14="http://schemas.microsoft.com/office/powerpoint/2010/main" spd="slow" p14:dur="2000">
         <p159:morph option="byObject"/>
       </p:transition>
     </mc:Choice>
-    <mc:Fallback>
+    <mc:Fallback xmlns="">
       <p:transition spd="slow">
         <p:fade/>
       </p:transition>
@@ -9610,7 +10045,7 @@
 </p:sld>
 </file>
 
-<file path=ppt/slides/slide23.xml><?xml version="1.0" encoding="utf-8"?>
+<file path=ppt/slides/slide24.xml><?xml version="1.0" encoding="utf-8"?>
 <p:sld xmlns:a="http://schemas.openxmlformats.org/drawingml/2006/main" xmlns:r="http://schemas.openxmlformats.org/officeDocument/2006/relationships" xmlns:p="http://schemas.openxmlformats.org/presentationml/2006/main">
   <p:cSld>
     <p:bg>
@@ -9966,13 +10401,13 @@
   <p:clrMapOvr>
     <a:masterClrMapping/>
   </p:clrMapOvr>
-  <mc:AlternateContent xmlns:mc="http://schemas.openxmlformats.org/markup-compatibility/2006">
-    <mc:Choice xmlns:p159="http://schemas.microsoft.com/office/powerpoint/2015/09/main" Requires="p159">
+  <mc:AlternateContent xmlns:mc="http://schemas.openxmlformats.org/markup-compatibility/2006" xmlns:p159="http://schemas.microsoft.com/office/powerpoint/2015/09/main">
+    <mc:Choice Requires="p159">
       <p:transition xmlns:p14="http://schemas.microsoft.com/office/powerpoint/2010/main" spd="slow" p14:dur="2000">
         <p159:morph option="byObject"/>
       </p:transition>
     </mc:Choice>
-    <mc:Fallback>
+    <mc:Fallback xmlns="">
       <p:transition spd="slow">
         <p:fade/>
       </p:transition>
@@ -9981,7 +10416,7 @@
 </p:sld>
 </file>
 
-<file path=ppt/slides/slide24.xml><?xml version="1.0" encoding="utf-8"?>
+<file path=ppt/slides/slide25.xml><?xml version="1.0" encoding="utf-8"?>
 <p:sld xmlns:a="http://schemas.openxmlformats.org/drawingml/2006/main" xmlns:r="http://schemas.openxmlformats.org/officeDocument/2006/relationships" xmlns:p="http://schemas.openxmlformats.org/presentationml/2006/main">
   <p:cSld>
     <p:bg>
@@ -10489,13 +10924,13 @@
   <p:clrMapOvr>
     <a:masterClrMapping/>
   </p:clrMapOvr>
-  <mc:AlternateContent xmlns:mc="http://schemas.openxmlformats.org/markup-compatibility/2006">
-    <mc:Choice xmlns:p159="http://schemas.microsoft.com/office/powerpoint/2015/09/main" Requires="p159">
+  <mc:AlternateContent xmlns:mc="http://schemas.openxmlformats.org/markup-compatibility/2006" xmlns:p159="http://schemas.microsoft.com/office/powerpoint/2015/09/main">
+    <mc:Choice Requires="p159">
       <p:transition xmlns:p14="http://schemas.microsoft.com/office/powerpoint/2010/main" spd="slow" p14:dur="2000">
         <p159:morph option="byObject"/>
       </p:transition>
     </mc:Choice>
-    <mc:Fallback>
+    <mc:Fallback xmlns="">
       <p:transition spd="slow">
         <p:fade/>
       </p:transition>
@@ -10504,7 +10939,7 @@
 </p:sld>
 </file>
 
-<file path=ppt/slides/slide25.xml><?xml version="1.0" encoding="utf-8"?>
+<file path=ppt/slides/slide26.xml><?xml version="1.0" encoding="utf-8"?>
 <p:sld xmlns:a="http://schemas.openxmlformats.org/drawingml/2006/main" xmlns:r="http://schemas.openxmlformats.org/officeDocument/2006/relationships" xmlns:p="http://schemas.openxmlformats.org/presentationml/2006/main">
   <p:cSld>
     <p:bg>
@@ -11316,7 +11751,7 @@
         <p:cNvPr id="1" name="">
           <a:extLst>
             <a:ext uri="{FF2B5EF4-FFF2-40B4-BE49-F238E27FC236}">
-              <a16:creationId xmlns:a16="http://schemas.microsoft.com/office/drawing/2014/main" id="{067186E4-52C4-52E9-143D-886866E4F946}"/>
+              <a16:creationId xmlns:a16="http://schemas.microsoft.com/office/drawing/2014/main" id="{8A9919EA-D458-50DC-E221-6BD6304B594C}"/>
             </a:ext>
           </a:extLst>
         </p:cNvPr>
@@ -11333,309 +11768,10 @@
       </p:grpSpPr>
       <p:sp>
         <p:nvSpPr>
-          <p:cNvPr id="4" name="文本框 3">
-            <a:extLst>
-              <a:ext uri="{FF2B5EF4-FFF2-40B4-BE49-F238E27FC236}">
-                <a16:creationId xmlns:a16="http://schemas.microsoft.com/office/drawing/2014/main" id="{A473AD22-8F70-88ED-B006-FCA9D6996189}"/>
-              </a:ext>
-            </a:extLst>
-          </p:cNvPr>
-          <p:cNvSpPr txBox="1"/>
-          <p:nvPr/>
-        </p:nvSpPr>
-        <p:spPr>
-          <a:xfrm>
-            <a:off x="985838" y="1190625"/>
-            <a:ext cx="10596562" cy="4337469"/>
-          </a:xfrm>
-          <a:prstGeom prst="rect">
-            <a:avLst/>
-          </a:prstGeom>
-          <a:noFill/>
-        </p:spPr>
-        <p:txBody>
-          <a:bodyPr wrap="square" rtlCol="0">
-            <a:spAutoFit/>
-          </a:bodyPr>
-          <a:lstStyle/>
-          <a:p>
-            <a:pPr>
-              <a:lnSpc>
-                <a:spcPct val="200000"/>
-              </a:lnSpc>
-            </a:pPr>
-            <a:endParaRPr lang="en-US" altLang="zh-CN" sz="1400" dirty="0">
-              <a:latin typeface="HarmonyOS Sans SC Medium" panose="00000600000000000000" pitchFamily="2" charset="-122"/>
-              <a:ea typeface="HarmonyOS Sans SC Medium" panose="00000600000000000000" pitchFamily="2" charset="-122"/>
-            </a:endParaRPr>
-          </a:p>
-          <a:p>
-            <a:pPr>
-              <a:lnSpc>
-                <a:spcPct val="200000"/>
-              </a:lnSpc>
-            </a:pPr>
-            <a:r>
-              <a:rPr lang="zh-CN" altLang="en-US" sz="1400" dirty="0">
-                <a:latin typeface="HarmonyOS Sans SC Medium" panose="00000600000000000000" pitchFamily="2" charset="-122"/>
-                <a:ea typeface="HarmonyOS Sans SC Medium" panose="00000600000000000000" pitchFamily="2" charset="-122"/>
-              </a:rPr>
-              <a:t>用户界面：</a:t>
-            </a:r>
-            <a:r>
-              <a:rPr lang="zh-CN" altLang="en-US" sz="1400" dirty="0">
-                <a:latin typeface="HarmonyOS Sans SC Light" panose="00000400000000000000" pitchFamily="2" charset="-122"/>
-                <a:ea typeface="HarmonyOS Sans SC Light" panose="00000400000000000000" pitchFamily="2" charset="-122"/>
-              </a:rPr>
-              <a:t>用户将如何使用并与您的应用程序交互。</a:t>
-            </a:r>
-          </a:p>
-          <a:p>
-            <a:pPr>
-              <a:lnSpc>
-                <a:spcPct val="200000"/>
-              </a:lnSpc>
-            </a:pPr>
-            <a:r>
-              <a:rPr lang="zh-CN" altLang="en-US" sz="1400" dirty="0">
-                <a:latin typeface="HarmonyOS Sans SC Medium" panose="00000600000000000000" pitchFamily="2" charset="-122"/>
-                <a:ea typeface="HarmonyOS Sans SC Medium" panose="00000600000000000000" pitchFamily="2" charset="-122"/>
-              </a:rPr>
-              <a:t>路由：</a:t>
-            </a:r>
-            <a:r>
-              <a:rPr lang="zh-CN" altLang="en-US" sz="1400" dirty="0">
-                <a:latin typeface="HarmonyOS Sans SC Light" panose="00000400000000000000" pitchFamily="2" charset="-122"/>
-                <a:ea typeface="HarmonyOS Sans SC Light" panose="00000400000000000000" pitchFamily="2" charset="-122"/>
-              </a:rPr>
-              <a:t>用户如何在应用程序的不同部分之间导航。</a:t>
-            </a:r>
-          </a:p>
-          <a:p>
-            <a:pPr>
-              <a:lnSpc>
-                <a:spcPct val="200000"/>
-              </a:lnSpc>
-            </a:pPr>
-            <a:r>
-              <a:rPr lang="zh-CN" altLang="en-US" sz="1400" dirty="0">
-                <a:latin typeface="HarmonyOS Sans SC Medium" panose="00000600000000000000" pitchFamily="2" charset="-122"/>
-                <a:ea typeface="HarmonyOS Sans SC Medium" panose="00000600000000000000" pitchFamily="2" charset="-122"/>
-              </a:rPr>
-              <a:t>数据获取：</a:t>
-            </a:r>
-            <a:r>
-              <a:rPr lang="zh-CN" altLang="en-US" sz="1400" dirty="0">
-                <a:latin typeface="HarmonyOS Sans SC Light" panose="00000400000000000000" pitchFamily="2" charset="-122"/>
-                <a:ea typeface="HarmonyOS Sans SC Light" panose="00000400000000000000" pitchFamily="2" charset="-122"/>
-              </a:rPr>
-              <a:t>您的数据在何处运作以及如何获取数据。</a:t>
-            </a:r>
-          </a:p>
-          <a:p>
-            <a:pPr>
-              <a:lnSpc>
-                <a:spcPct val="200000"/>
-              </a:lnSpc>
-            </a:pPr>
-            <a:r>
-              <a:rPr lang="zh-CN" altLang="en-US" sz="1400" dirty="0">
-                <a:latin typeface="HarmonyOS Sans SC Medium" panose="00000600000000000000" pitchFamily="2" charset="-122"/>
-                <a:ea typeface="HarmonyOS Sans SC Medium" panose="00000600000000000000" pitchFamily="2" charset="-122"/>
-              </a:rPr>
-              <a:t>渲染：</a:t>
-            </a:r>
-            <a:r>
-              <a:rPr lang="zh-CN" altLang="en-US" sz="1400" dirty="0">
-                <a:latin typeface="HarmonyOS Sans SC Light" panose="00000400000000000000" pitchFamily="2" charset="-122"/>
-                <a:ea typeface="HarmonyOS Sans SC Light" panose="00000400000000000000" pitchFamily="2" charset="-122"/>
-              </a:rPr>
-              <a:t>何时何地呈现静态或动态内容。</a:t>
-            </a:r>
-          </a:p>
-          <a:p>
-            <a:pPr>
-              <a:lnSpc>
-                <a:spcPct val="200000"/>
-              </a:lnSpc>
-            </a:pPr>
-            <a:r>
-              <a:rPr lang="zh-CN" altLang="en-US" sz="1400" dirty="0">
-                <a:latin typeface="HarmonyOS Sans SC Medium" panose="00000600000000000000" pitchFamily="2" charset="-122"/>
-                <a:ea typeface="HarmonyOS Sans SC Medium" panose="00000600000000000000" pitchFamily="2" charset="-122"/>
-              </a:rPr>
-              <a:t>集成：</a:t>
-            </a:r>
-            <a:r>
-              <a:rPr lang="zh-CN" altLang="en-US" sz="1400" dirty="0">
-                <a:latin typeface="HarmonyOS Sans SC Light" panose="00000400000000000000" pitchFamily="2" charset="-122"/>
-                <a:ea typeface="HarmonyOS Sans SC Light" panose="00000400000000000000" pitchFamily="2" charset="-122"/>
-              </a:rPr>
-              <a:t>您使用哪些第三方服务（用于 </a:t>
-            </a:r>
-            <a:r>
-              <a:rPr lang="en-US" altLang="zh-CN" sz="1400" dirty="0">
-                <a:latin typeface="HarmonyOS Sans SC Light" panose="00000400000000000000" pitchFamily="2" charset="-122"/>
-                <a:ea typeface="HarmonyOS Sans SC Light" panose="00000400000000000000" pitchFamily="2" charset="-122"/>
-              </a:rPr>
-              <a:t>CMS</a:t>
-            </a:r>
-            <a:r>
-              <a:rPr lang="zh-CN" altLang="en-US" sz="1400" dirty="0">
-                <a:latin typeface="HarmonyOS Sans SC Light" panose="00000400000000000000" pitchFamily="2" charset="-122"/>
-                <a:ea typeface="HarmonyOS Sans SC Light" panose="00000400000000000000" pitchFamily="2" charset="-122"/>
-              </a:rPr>
-              <a:t>、</a:t>
-            </a:r>
-            <a:r>
-              <a:rPr lang="en-US" altLang="zh-CN" sz="1400" dirty="0">
-                <a:latin typeface="HarmonyOS Sans SC Light" panose="00000400000000000000" pitchFamily="2" charset="-122"/>
-                <a:ea typeface="HarmonyOS Sans SC Light" panose="00000400000000000000" pitchFamily="2" charset="-122"/>
-              </a:rPr>
-              <a:t>AUTH</a:t>
-            </a:r>
-            <a:r>
-              <a:rPr lang="zh-CN" altLang="en-US" sz="1400" dirty="0">
-                <a:latin typeface="HarmonyOS Sans SC Light" panose="00000400000000000000" pitchFamily="2" charset="-122"/>
-                <a:ea typeface="HarmonyOS Sans SC Light" panose="00000400000000000000" pitchFamily="2" charset="-122"/>
-              </a:rPr>
-              <a:t>、付款等），以及如何连接它们。</a:t>
-            </a:r>
-          </a:p>
-          <a:p>
-            <a:pPr>
-              <a:lnSpc>
-                <a:spcPct val="200000"/>
-              </a:lnSpc>
-            </a:pPr>
-            <a:r>
-              <a:rPr lang="zh-CN" altLang="en-US" sz="1400" dirty="0">
-                <a:latin typeface="HarmonyOS Sans SC Medium" panose="00000600000000000000" pitchFamily="2" charset="-122"/>
-                <a:ea typeface="HarmonyOS Sans SC Medium" panose="00000600000000000000" pitchFamily="2" charset="-122"/>
-              </a:rPr>
-              <a:t>基础架构：</a:t>
-            </a:r>
-            <a:r>
-              <a:rPr lang="zh-CN" altLang="en-US" sz="1400" dirty="0">
-                <a:latin typeface="HarmonyOS Sans SC Light" panose="00000400000000000000" pitchFamily="2" charset="-122"/>
-                <a:ea typeface="HarmonyOS Sans SC Light" panose="00000400000000000000" pitchFamily="2" charset="-122"/>
-              </a:rPr>
-              <a:t>部署，存储和运行应用程序代码（</a:t>
-            </a:r>
-            <a:r>
-              <a:rPr lang="en-US" altLang="zh-CN" sz="1400" dirty="0">
-                <a:latin typeface="HarmonyOS Sans SC Light" panose="00000400000000000000" pitchFamily="2" charset="-122"/>
-                <a:ea typeface="HarmonyOS Sans SC Light" panose="00000400000000000000" pitchFamily="2" charset="-122"/>
-              </a:rPr>
-              <a:t>serverless</a:t>
-            </a:r>
-            <a:r>
-              <a:rPr lang="zh-CN" altLang="en-US" sz="1400" dirty="0">
-                <a:latin typeface="HarmonyOS Sans SC Light" panose="00000400000000000000" pitchFamily="2" charset="-122"/>
-                <a:ea typeface="HarmonyOS Sans SC Light" panose="00000400000000000000" pitchFamily="2" charset="-122"/>
-              </a:rPr>
-              <a:t>，</a:t>
-            </a:r>
-            <a:r>
-              <a:rPr lang="en-US" altLang="zh-CN" sz="1400" dirty="0">
-                <a:latin typeface="HarmonyOS Sans SC Light" panose="00000400000000000000" pitchFamily="2" charset="-122"/>
-                <a:ea typeface="HarmonyOS Sans SC Light" panose="00000400000000000000" pitchFamily="2" charset="-122"/>
-              </a:rPr>
-              <a:t>CDN</a:t>
-            </a:r>
-            <a:r>
-              <a:rPr lang="zh-CN" altLang="en-US" sz="1400" dirty="0">
-                <a:latin typeface="HarmonyOS Sans SC Light" panose="00000400000000000000" pitchFamily="2" charset="-122"/>
-                <a:ea typeface="HarmonyOS Sans SC Light" panose="00000400000000000000" pitchFamily="2" charset="-122"/>
-              </a:rPr>
-              <a:t>，</a:t>
-            </a:r>
-            <a:r>
-              <a:rPr lang="en-US" altLang="zh-CN" sz="1400" dirty="0">
-                <a:latin typeface="HarmonyOS Sans SC Light" panose="00000400000000000000" pitchFamily="2" charset="-122"/>
-                <a:ea typeface="HarmonyOS Sans SC Light" panose="00000400000000000000" pitchFamily="2" charset="-122"/>
-              </a:rPr>
-              <a:t>Edge </a:t>
-            </a:r>
-            <a:r>
-              <a:rPr lang="zh-CN" altLang="en-US" sz="1400" dirty="0">
-                <a:latin typeface="HarmonyOS Sans SC Light" panose="00000400000000000000" pitchFamily="2" charset="-122"/>
-                <a:ea typeface="HarmonyOS Sans SC Light" panose="00000400000000000000" pitchFamily="2" charset="-122"/>
-              </a:rPr>
-              <a:t>等）的位置。</a:t>
-            </a:r>
-          </a:p>
-          <a:p>
-            <a:pPr>
-              <a:lnSpc>
-                <a:spcPct val="200000"/>
-              </a:lnSpc>
-            </a:pPr>
-            <a:r>
-              <a:rPr lang="zh-CN" altLang="en-US" sz="1400" dirty="0">
-                <a:latin typeface="HarmonyOS Sans SC Medium" panose="00000600000000000000" pitchFamily="2" charset="-122"/>
-                <a:ea typeface="HarmonyOS Sans SC Medium" panose="00000600000000000000" pitchFamily="2" charset="-122"/>
-              </a:rPr>
-              <a:t>性能：</a:t>
-            </a:r>
-            <a:r>
-              <a:rPr lang="zh-CN" altLang="en-US" sz="1400" dirty="0">
-                <a:latin typeface="HarmonyOS Sans SC Light" panose="00000400000000000000" pitchFamily="2" charset="-122"/>
-                <a:ea typeface="HarmonyOS Sans SC Light" panose="00000400000000000000" pitchFamily="2" charset="-122"/>
-              </a:rPr>
-              <a:t>如何优化终端用户的应用程序。</a:t>
-            </a:r>
-          </a:p>
-          <a:p>
-            <a:pPr>
-              <a:lnSpc>
-                <a:spcPct val="200000"/>
-              </a:lnSpc>
-            </a:pPr>
-            <a:r>
-              <a:rPr lang="zh-CN" altLang="en-US" sz="1400" dirty="0">
-                <a:latin typeface="HarmonyOS Sans SC Medium" panose="00000600000000000000" pitchFamily="2" charset="-122"/>
-                <a:ea typeface="HarmonyOS Sans SC Medium" panose="00000600000000000000" pitchFamily="2" charset="-122"/>
-              </a:rPr>
-              <a:t>可扩展性：</a:t>
-            </a:r>
-            <a:r>
-              <a:rPr lang="zh-CN" altLang="en-US" sz="1400" dirty="0">
-                <a:latin typeface="HarmonyOS Sans SC Light" panose="00000400000000000000" pitchFamily="2" charset="-122"/>
-                <a:ea typeface="HarmonyOS Sans SC Light" panose="00000400000000000000" pitchFamily="2" charset="-122"/>
-              </a:rPr>
-              <a:t>您的应用程序如何适应团队、数据和流量的增长。</a:t>
-            </a:r>
-          </a:p>
-          <a:p>
-            <a:pPr>
-              <a:lnSpc>
-                <a:spcPct val="200000"/>
-              </a:lnSpc>
-            </a:pPr>
-            <a:r>
-              <a:rPr lang="zh-CN" altLang="en-US" sz="1400" dirty="0">
-                <a:latin typeface="HarmonyOS Sans SC Medium" panose="00000600000000000000" pitchFamily="2" charset="-122"/>
-                <a:ea typeface="HarmonyOS Sans SC Medium" panose="00000600000000000000" pitchFamily="2" charset="-122"/>
-              </a:rPr>
-              <a:t>开发人员经验：</a:t>
-            </a:r>
-            <a:r>
-              <a:rPr lang="zh-CN" altLang="en-US" sz="1400" dirty="0">
-                <a:latin typeface="HarmonyOS Sans SC Light" panose="00000400000000000000" pitchFamily="2" charset="-122"/>
-                <a:ea typeface="HarmonyOS Sans SC Light" panose="00000400000000000000" pitchFamily="2" charset="-122"/>
-              </a:rPr>
-              <a:t>团队的经验建立和维护您的应用程序。</a:t>
-            </a:r>
-          </a:p>
-        </p:txBody>
-      </p:sp>
-      <p:sp>
-        <p:nvSpPr>
           <p:cNvPr id="6" name="L 形 5">
             <a:extLst>
               <a:ext uri="{FF2B5EF4-FFF2-40B4-BE49-F238E27FC236}">
-                <a16:creationId xmlns:a16="http://schemas.microsoft.com/office/drawing/2014/main" id="{F426D700-6FD3-D337-AC88-817F0F424AB7}"/>
+                <a16:creationId xmlns:a16="http://schemas.microsoft.com/office/drawing/2014/main" id="{66EB81E2-E98B-0BEE-00D5-77CB050842D9}"/>
               </a:ext>
             </a:extLst>
           </p:cNvPr>
@@ -11707,12 +11843,58 @@
           </a:p>
         </p:txBody>
       </p:sp>
+      <p:sp>
+        <p:nvSpPr>
+          <p:cNvPr id="5" name="文本框 4">
+            <a:extLst>
+              <a:ext uri="{FF2B5EF4-FFF2-40B4-BE49-F238E27FC236}">
+                <a16:creationId xmlns:a16="http://schemas.microsoft.com/office/drawing/2014/main" id="{4C531855-7860-409C-9BE0-734138DC13ED}"/>
+              </a:ext>
+            </a:extLst>
+          </p:cNvPr>
+          <p:cNvSpPr txBox="1"/>
+          <p:nvPr/>
+        </p:nvSpPr>
+        <p:spPr>
+          <a:xfrm>
+            <a:off x="1699563" y="2921168"/>
+            <a:ext cx="8792873" cy="1015663"/>
+          </a:xfrm>
+          <a:prstGeom prst="rect">
+            <a:avLst/>
+          </a:prstGeom>
+          <a:noFill/>
+        </p:spPr>
+        <p:txBody>
+          <a:bodyPr wrap="square" rtlCol="0">
+            <a:spAutoFit/>
+          </a:bodyPr>
+          <a:lstStyle/>
+          <a:p>
+            <a:pPr algn="ctr"/>
+            <a:r>
+              <a:rPr lang="en-US" altLang="zh-CN" sz="6000" dirty="0">
+                <a:latin typeface="+mj-ea"/>
+                <a:ea typeface="+mj-ea"/>
+              </a:rPr>
+              <a:t>Web </a:t>
+            </a:r>
+            <a:r>
+              <a:rPr lang="zh-CN" altLang="en-US" sz="6000" dirty="0">
+                <a:latin typeface="+mj-ea"/>
+                <a:ea typeface="+mj-ea"/>
+              </a:rPr>
+              <a:t>应用</a:t>
+            </a:r>
+          </a:p>
+        </p:txBody>
+      </p:sp>
       <p:pic>
         <p:nvPicPr>
-          <p:cNvPr id="5" name="图片 4" descr="文本&#10;&#10;描述已自动生成">
-            <a:extLst>
-              <a:ext uri="{FF2B5EF4-FFF2-40B4-BE49-F238E27FC236}">
-                <a16:creationId xmlns:a16="http://schemas.microsoft.com/office/drawing/2014/main" id="{DA34F75B-A8EA-6358-5D55-E1917E683CCE}"/>
+          <p:cNvPr id="7" name="图片 6" descr="文本&#10;&#10;描述已自动生成">
+            <a:extLst>
+              <a:ext uri="{FF2B5EF4-FFF2-40B4-BE49-F238E27FC236}">
+                <a16:creationId xmlns:a16="http://schemas.microsoft.com/office/drawing/2014/main" id="{ACBF2635-CD6F-2918-191D-A45E404522B1}"/>
               </a:ext>
             </a:extLst>
           </p:cNvPr>
@@ -11744,10 +11926,10 @@
       </p:pic>
       <p:grpSp>
         <p:nvGrpSpPr>
-          <p:cNvPr id="7" name="组合 6">
-            <a:extLst>
-              <a:ext uri="{FF2B5EF4-FFF2-40B4-BE49-F238E27FC236}">
-                <a16:creationId xmlns:a16="http://schemas.microsoft.com/office/drawing/2014/main" id="{AC0D2AD4-0DE5-F9F4-D844-9850F9FC8556}"/>
+          <p:cNvPr id="8" name="组合 7">
+            <a:extLst>
+              <a:ext uri="{FF2B5EF4-FFF2-40B4-BE49-F238E27FC236}">
+                <a16:creationId xmlns:a16="http://schemas.microsoft.com/office/drawing/2014/main" id="{891A7694-9AC4-2DF3-8B75-9CB44F17575A}"/>
               </a:ext>
             </a:extLst>
           </p:cNvPr>
@@ -11764,10 +11946,10 @@
         </p:grpSpPr>
         <p:cxnSp>
           <p:nvCxnSpPr>
-            <p:cNvPr id="8" name="直接连接符 7">
+            <p:cNvPr id="9" name="直接连接符 8">
               <a:extLst>
                 <a:ext uri="{FF2B5EF4-FFF2-40B4-BE49-F238E27FC236}">
-                  <a16:creationId xmlns:a16="http://schemas.microsoft.com/office/drawing/2014/main" id="{C85E82A0-2824-85A6-ADA9-23210215F0A1}"/>
+                  <a16:creationId xmlns:a16="http://schemas.microsoft.com/office/drawing/2014/main" id="{61E487BC-8C28-F5B5-CF68-AE48E4E36BBF}"/>
                 </a:ext>
               </a:extLst>
             </p:cNvPr>
@@ -11807,10 +11989,10 @@
         </p:cxnSp>
         <p:cxnSp>
           <p:nvCxnSpPr>
-            <p:cNvPr id="9" name="直接连接符 8">
+            <p:cNvPr id="10" name="直接连接符 9">
               <a:extLst>
                 <a:ext uri="{FF2B5EF4-FFF2-40B4-BE49-F238E27FC236}">
-                  <a16:creationId xmlns:a16="http://schemas.microsoft.com/office/drawing/2014/main" id="{C733C191-0CB3-900B-5784-5AA699C6F8CC}"/>
+                  <a16:creationId xmlns:a16="http://schemas.microsoft.com/office/drawing/2014/main" id="{7273B80B-BF39-8FCC-6E39-E56683EF61FB}"/>
                 </a:ext>
               </a:extLst>
             </p:cNvPr>
@@ -11851,10 +12033,10 @@
       </p:grpSp>
       <p:pic>
         <p:nvPicPr>
-          <p:cNvPr id="10" name="图片 9" descr="画着卡通人物&#10;&#10;中度可信度描述已自动生成">
-            <a:extLst>
-              <a:ext uri="{FF2B5EF4-FFF2-40B4-BE49-F238E27FC236}">
-                <a16:creationId xmlns:a16="http://schemas.microsoft.com/office/drawing/2014/main" id="{483C8968-D886-09FC-8AB3-FC8B74FA20EC}"/>
+          <p:cNvPr id="11" name="图片 10" descr="画着卡通人物&#10;&#10;中度可信度描述已自动生成">
+            <a:extLst>
+              <a:ext uri="{FF2B5EF4-FFF2-40B4-BE49-F238E27FC236}">
+                <a16:creationId xmlns:a16="http://schemas.microsoft.com/office/drawing/2014/main" id="{74C59203-0F41-F044-C46A-59F66A1E7543}"/>
               </a:ext>
             </a:extLst>
           </p:cNvPr>
@@ -11888,7 +12070,7 @@
     </p:spTree>
     <p:extLst>
       <p:ext uri="{BB962C8B-B14F-4D97-AF65-F5344CB8AC3E}">
-        <p14:creationId xmlns:p14="http://schemas.microsoft.com/office/powerpoint/2010/main" val="3176585785"/>
+        <p14:creationId xmlns:p14="http://schemas.microsoft.com/office/powerpoint/2010/main" val="1513193967"/>
       </p:ext>
     </p:extLst>
   </p:cSld>
@@ -11926,7 +12108,7 @@
         <p:cNvPr id="1" name="">
           <a:extLst>
             <a:ext uri="{FF2B5EF4-FFF2-40B4-BE49-F238E27FC236}">
-              <a16:creationId xmlns:a16="http://schemas.microsoft.com/office/drawing/2014/main" id="{2ABC9146-51EF-68E2-9A55-DBF264284F5D}"/>
+              <a16:creationId xmlns:a16="http://schemas.microsoft.com/office/drawing/2014/main" id="{067186E4-52C4-52E9-143D-886866E4F946}"/>
             </a:ext>
           </a:extLst>
         </p:cNvPr>
@@ -11943,10 +12125,309 @@
       </p:grpSpPr>
       <p:sp>
         <p:nvSpPr>
+          <p:cNvPr id="4" name="文本框 3">
+            <a:extLst>
+              <a:ext uri="{FF2B5EF4-FFF2-40B4-BE49-F238E27FC236}">
+                <a16:creationId xmlns:a16="http://schemas.microsoft.com/office/drawing/2014/main" id="{A473AD22-8F70-88ED-B006-FCA9D6996189}"/>
+              </a:ext>
+            </a:extLst>
+          </p:cNvPr>
+          <p:cNvSpPr txBox="1"/>
+          <p:nvPr/>
+        </p:nvSpPr>
+        <p:spPr>
+          <a:xfrm>
+            <a:off x="985838" y="1190625"/>
+            <a:ext cx="10596562" cy="4337469"/>
+          </a:xfrm>
+          <a:prstGeom prst="rect">
+            <a:avLst/>
+          </a:prstGeom>
+          <a:noFill/>
+        </p:spPr>
+        <p:txBody>
+          <a:bodyPr wrap="square" rtlCol="0">
+            <a:spAutoFit/>
+          </a:bodyPr>
+          <a:lstStyle/>
+          <a:p>
+            <a:pPr>
+              <a:lnSpc>
+                <a:spcPct val="200000"/>
+              </a:lnSpc>
+            </a:pPr>
+            <a:endParaRPr lang="en-US" altLang="zh-CN" sz="1400" dirty="0">
+              <a:latin typeface="HarmonyOS Sans SC Medium" panose="00000600000000000000" pitchFamily="2" charset="-122"/>
+              <a:ea typeface="HarmonyOS Sans SC Medium" panose="00000600000000000000" pitchFamily="2" charset="-122"/>
+            </a:endParaRPr>
+          </a:p>
+          <a:p>
+            <a:pPr>
+              <a:lnSpc>
+                <a:spcPct val="200000"/>
+              </a:lnSpc>
+            </a:pPr>
+            <a:r>
+              <a:rPr lang="zh-CN" altLang="en-US" sz="1400" dirty="0">
+                <a:latin typeface="HarmonyOS Sans SC Medium" panose="00000600000000000000" pitchFamily="2" charset="-122"/>
+                <a:ea typeface="HarmonyOS Sans SC Medium" panose="00000600000000000000" pitchFamily="2" charset="-122"/>
+              </a:rPr>
+              <a:t>用户界面：</a:t>
+            </a:r>
+            <a:r>
+              <a:rPr lang="zh-CN" altLang="en-US" sz="1400" dirty="0">
+                <a:latin typeface="HarmonyOS Sans SC Light" panose="00000400000000000000" pitchFamily="2" charset="-122"/>
+                <a:ea typeface="HarmonyOS Sans SC Light" panose="00000400000000000000" pitchFamily="2" charset="-122"/>
+              </a:rPr>
+              <a:t>用户将如何使用并与您的应用程序交互。</a:t>
+            </a:r>
+          </a:p>
+          <a:p>
+            <a:pPr>
+              <a:lnSpc>
+                <a:spcPct val="200000"/>
+              </a:lnSpc>
+            </a:pPr>
+            <a:r>
+              <a:rPr lang="zh-CN" altLang="en-US" sz="1400" dirty="0">
+                <a:latin typeface="HarmonyOS Sans SC Medium" panose="00000600000000000000" pitchFamily="2" charset="-122"/>
+                <a:ea typeface="HarmonyOS Sans SC Medium" panose="00000600000000000000" pitchFamily="2" charset="-122"/>
+              </a:rPr>
+              <a:t>路由：</a:t>
+            </a:r>
+            <a:r>
+              <a:rPr lang="zh-CN" altLang="en-US" sz="1400" dirty="0">
+                <a:latin typeface="HarmonyOS Sans SC Light" panose="00000400000000000000" pitchFamily="2" charset="-122"/>
+                <a:ea typeface="HarmonyOS Sans SC Light" panose="00000400000000000000" pitchFamily="2" charset="-122"/>
+              </a:rPr>
+              <a:t>用户如何在应用程序的不同部分之间导航。</a:t>
+            </a:r>
+          </a:p>
+          <a:p>
+            <a:pPr>
+              <a:lnSpc>
+                <a:spcPct val="200000"/>
+              </a:lnSpc>
+            </a:pPr>
+            <a:r>
+              <a:rPr lang="zh-CN" altLang="en-US" sz="1400" dirty="0">
+                <a:latin typeface="HarmonyOS Sans SC Medium" panose="00000600000000000000" pitchFamily="2" charset="-122"/>
+                <a:ea typeface="HarmonyOS Sans SC Medium" panose="00000600000000000000" pitchFamily="2" charset="-122"/>
+              </a:rPr>
+              <a:t>数据获取：</a:t>
+            </a:r>
+            <a:r>
+              <a:rPr lang="zh-CN" altLang="en-US" sz="1400" dirty="0">
+                <a:latin typeface="HarmonyOS Sans SC Light" panose="00000400000000000000" pitchFamily="2" charset="-122"/>
+                <a:ea typeface="HarmonyOS Sans SC Light" panose="00000400000000000000" pitchFamily="2" charset="-122"/>
+              </a:rPr>
+              <a:t>您的数据在何处运作以及如何获取数据。</a:t>
+            </a:r>
+          </a:p>
+          <a:p>
+            <a:pPr>
+              <a:lnSpc>
+                <a:spcPct val="200000"/>
+              </a:lnSpc>
+            </a:pPr>
+            <a:r>
+              <a:rPr lang="zh-CN" altLang="en-US" sz="1400" dirty="0">
+                <a:latin typeface="HarmonyOS Sans SC Medium" panose="00000600000000000000" pitchFamily="2" charset="-122"/>
+                <a:ea typeface="HarmonyOS Sans SC Medium" panose="00000600000000000000" pitchFamily="2" charset="-122"/>
+              </a:rPr>
+              <a:t>渲染：</a:t>
+            </a:r>
+            <a:r>
+              <a:rPr lang="zh-CN" altLang="en-US" sz="1400" dirty="0">
+                <a:latin typeface="HarmonyOS Sans SC Light" panose="00000400000000000000" pitchFamily="2" charset="-122"/>
+                <a:ea typeface="HarmonyOS Sans SC Light" panose="00000400000000000000" pitchFamily="2" charset="-122"/>
+              </a:rPr>
+              <a:t>何时何地呈现静态或动态内容。</a:t>
+            </a:r>
+          </a:p>
+          <a:p>
+            <a:pPr>
+              <a:lnSpc>
+                <a:spcPct val="200000"/>
+              </a:lnSpc>
+            </a:pPr>
+            <a:r>
+              <a:rPr lang="zh-CN" altLang="en-US" sz="1400" dirty="0">
+                <a:latin typeface="HarmonyOS Sans SC Medium" panose="00000600000000000000" pitchFamily="2" charset="-122"/>
+                <a:ea typeface="HarmonyOS Sans SC Medium" panose="00000600000000000000" pitchFamily="2" charset="-122"/>
+              </a:rPr>
+              <a:t>集成：</a:t>
+            </a:r>
+            <a:r>
+              <a:rPr lang="zh-CN" altLang="en-US" sz="1400" dirty="0">
+                <a:latin typeface="HarmonyOS Sans SC Light" panose="00000400000000000000" pitchFamily="2" charset="-122"/>
+                <a:ea typeface="HarmonyOS Sans SC Light" panose="00000400000000000000" pitchFamily="2" charset="-122"/>
+              </a:rPr>
+              <a:t>您使用哪些第三方服务（用于 </a:t>
+            </a:r>
+            <a:r>
+              <a:rPr lang="en-US" altLang="zh-CN" sz="1400" dirty="0">
+                <a:latin typeface="HarmonyOS Sans SC Light" panose="00000400000000000000" pitchFamily="2" charset="-122"/>
+                <a:ea typeface="HarmonyOS Sans SC Light" panose="00000400000000000000" pitchFamily="2" charset="-122"/>
+              </a:rPr>
+              <a:t>CMS</a:t>
+            </a:r>
+            <a:r>
+              <a:rPr lang="zh-CN" altLang="en-US" sz="1400" dirty="0">
+                <a:latin typeface="HarmonyOS Sans SC Light" panose="00000400000000000000" pitchFamily="2" charset="-122"/>
+                <a:ea typeface="HarmonyOS Sans SC Light" panose="00000400000000000000" pitchFamily="2" charset="-122"/>
+              </a:rPr>
+              <a:t>、</a:t>
+            </a:r>
+            <a:r>
+              <a:rPr lang="en-US" altLang="zh-CN" sz="1400" dirty="0">
+                <a:latin typeface="HarmonyOS Sans SC Light" panose="00000400000000000000" pitchFamily="2" charset="-122"/>
+                <a:ea typeface="HarmonyOS Sans SC Light" panose="00000400000000000000" pitchFamily="2" charset="-122"/>
+              </a:rPr>
+              <a:t>AUTH</a:t>
+            </a:r>
+            <a:r>
+              <a:rPr lang="zh-CN" altLang="en-US" sz="1400" dirty="0">
+                <a:latin typeface="HarmonyOS Sans SC Light" panose="00000400000000000000" pitchFamily="2" charset="-122"/>
+                <a:ea typeface="HarmonyOS Sans SC Light" panose="00000400000000000000" pitchFamily="2" charset="-122"/>
+              </a:rPr>
+              <a:t>、付款等），以及如何连接它们。</a:t>
+            </a:r>
+          </a:p>
+          <a:p>
+            <a:pPr>
+              <a:lnSpc>
+                <a:spcPct val="200000"/>
+              </a:lnSpc>
+            </a:pPr>
+            <a:r>
+              <a:rPr lang="zh-CN" altLang="en-US" sz="1400" dirty="0">
+                <a:latin typeface="HarmonyOS Sans SC Medium" panose="00000600000000000000" pitchFamily="2" charset="-122"/>
+                <a:ea typeface="HarmonyOS Sans SC Medium" panose="00000600000000000000" pitchFamily="2" charset="-122"/>
+              </a:rPr>
+              <a:t>基础架构：</a:t>
+            </a:r>
+            <a:r>
+              <a:rPr lang="zh-CN" altLang="en-US" sz="1400" dirty="0">
+                <a:latin typeface="HarmonyOS Sans SC Light" panose="00000400000000000000" pitchFamily="2" charset="-122"/>
+                <a:ea typeface="HarmonyOS Sans SC Light" panose="00000400000000000000" pitchFamily="2" charset="-122"/>
+              </a:rPr>
+              <a:t>部署，存储和运行应用程序代码（</a:t>
+            </a:r>
+            <a:r>
+              <a:rPr lang="en-US" altLang="zh-CN" sz="1400" dirty="0">
+                <a:latin typeface="HarmonyOS Sans SC Light" panose="00000400000000000000" pitchFamily="2" charset="-122"/>
+                <a:ea typeface="HarmonyOS Sans SC Light" panose="00000400000000000000" pitchFamily="2" charset="-122"/>
+              </a:rPr>
+              <a:t>serverless</a:t>
+            </a:r>
+            <a:r>
+              <a:rPr lang="zh-CN" altLang="en-US" sz="1400" dirty="0">
+                <a:latin typeface="HarmonyOS Sans SC Light" panose="00000400000000000000" pitchFamily="2" charset="-122"/>
+                <a:ea typeface="HarmonyOS Sans SC Light" panose="00000400000000000000" pitchFamily="2" charset="-122"/>
+              </a:rPr>
+              <a:t>，</a:t>
+            </a:r>
+            <a:r>
+              <a:rPr lang="en-US" altLang="zh-CN" sz="1400" dirty="0">
+                <a:latin typeface="HarmonyOS Sans SC Light" panose="00000400000000000000" pitchFamily="2" charset="-122"/>
+                <a:ea typeface="HarmonyOS Sans SC Light" panose="00000400000000000000" pitchFamily="2" charset="-122"/>
+              </a:rPr>
+              <a:t>CDN</a:t>
+            </a:r>
+            <a:r>
+              <a:rPr lang="zh-CN" altLang="en-US" sz="1400" dirty="0">
+                <a:latin typeface="HarmonyOS Sans SC Light" panose="00000400000000000000" pitchFamily="2" charset="-122"/>
+                <a:ea typeface="HarmonyOS Sans SC Light" panose="00000400000000000000" pitchFamily="2" charset="-122"/>
+              </a:rPr>
+              <a:t>，</a:t>
+            </a:r>
+            <a:r>
+              <a:rPr lang="en-US" altLang="zh-CN" sz="1400" dirty="0">
+                <a:latin typeface="HarmonyOS Sans SC Light" panose="00000400000000000000" pitchFamily="2" charset="-122"/>
+                <a:ea typeface="HarmonyOS Sans SC Light" panose="00000400000000000000" pitchFamily="2" charset="-122"/>
+              </a:rPr>
+              <a:t>Edge </a:t>
+            </a:r>
+            <a:r>
+              <a:rPr lang="zh-CN" altLang="en-US" sz="1400" dirty="0">
+                <a:latin typeface="HarmonyOS Sans SC Light" panose="00000400000000000000" pitchFamily="2" charset="-122"/>
+                <a:ea typeface="HarmonyOS Sans SC Light" panose="00000400000000000000" pitchFamily="2" charset="-122"/>
+              </a:rPr>
+              <a:t>等）的位置。</a:t>
+            </a:r>
+          </a:p>
+          <a:p>
+            <a:pPr>
+              <a:lnSpc>
+                <a:spcPct val="200000"/>
+              </a:lnSpc>
+            </a:pPr>
+            <a:r>
+              <a:rPr lang="zh-CN" altLang="en-US" sz="1400" dirty="0">
+                <a:latin typeface="HarmonyOS Sans SC Medium" panose="00000600000000000000" pitchFamily="2" charset="-122"/>
+                <a:ea typeface="HarmonyOS Sans SC Medium" panose="00000600000000000000" pitchFamily="2" charset="-122"/>
+              </a:rPr>
+              <a:t>性能：</a:t>
+            </a:r>
+            <a:r>
+              <a:rPr lang="zh-CN" altLang="en-US" sz="1400" dirty="0">
+                <a:latin typeface="HarmonyOS Sans SC Light" panose="00000400000000000000" pitchFamily="2" charset="-122"/>
+                <a:ea typeface="HarmonyOS Sans SC Light" panose="00000400000000000000" pitchFamily="2" charset="-122"/>
+              </a:rPr>
+              <a:t>如何优化终端用户的应用程序。</a:t>
+            </a:r>
+          </a:p>
+          <a:p>
+            <a:pPr>
+              <a:lnSpc>
+                <a:spcPct val="200000"/>
+              </a:lnSpc>
+            </a:pPr>
+            <a:r>
+              <a:rPr lang="zh-CN" altLang="en-US" sz="1400" dirty="0">
+                <a:latin typeface="HarmonyOS Sans SC Medium" panose="00000600000000000000" pitchFamily="2" charset="-122"/>
+                <a:ea typeface="HarmonyOS Sans SC Medium" panose="00000600000000000000" pitchFamily="2" charset="-122"/>
+              </a:rPr>
+              <a:t>可扩展性：</a:t>
+            </a:r>
+            <a:r>
+              <a:rPr lang="zh-CN" altLang="en-US" sz="1400" dirty="0">
+                <a:latin typeface="HarmonyOS Sans SC Light" panose="00000400000000000000" pitchFamily="2" charset="-122"/>
+                <a:ea typeface="HarmonyOS Sans SC Light" panose="00000400000000000000" pitchFamily="2" charset="-122"/>
+              </a:rPr>
+              <a:t>您的应用程序如何适应团队、数据和流量的增长。</a:t>
+            </a:r>
+          </a:p>
+          <a:p>
+            <a:pPr>
+              <a:lnSpc>
+                <a:spcPct val="200000"/>
+              </a:lnSpc>
+            </a:pPr>
+            <a:r>
+              <a:rPr lang="zh-CN" altLang="en-US" sz="1400" dirty="0">
+                <a:latin typeface="HarmonyOS Sans SC Medium" panose="00000600000000000000" pitchFamily="2" charset="-122"/>
+                <a:ea typeface="HarmonyOS Sans SC Medium" panose="00000600000000000000" pitchFamily="2" charset="-122"/>
+              </a:rPr>
+              <a:t>开发人员经验：</a:t>
+            </a:r>
+            <a:r>
+              <a:rPr lang="zh-CN" altLang="en-US" sz="1400" dirty="0">
+                <a:latin typeface="HarmonyOS Sans SC Light" panose="00000400000000000000" pitchFamily="2" charset="-122"/>
+                <a:ea typeface="HarmonyOS Sans SC Light" panose="00000400000000000000" pitchFamily="2" charset="-122"/>
+              </a:rPr>
+              <a:t>团队的经验建立和维护您的应用程序。</a:t>
+            </a:r>
+          </a:p>
+        </p:txBody>
+      </p:sp>
+      <p:sp>
+        <p:nvSpPr>
           <p:cNvPr id="6" name="L 形 5">
             <a:extLst>
               <a:ext uri="{FF2B5EF4-FFF2-40B4-BE49-F238E27FC236}">
-                <a16:creationId xmlns:a16="http://schemas.microsoft.com/office/drawing/2014/main" id="{FCE597B0-CE1E-F42C-EBCC-D1F5D7085835}"/>
+                <a16:creationId xmlns:a16="http://schemas.microsoft.com/office/drawing/2014/main" id="{F426D700-6FD3-D337-AC88-817F0F424AB7}"/>
               </a:ext>
             </a:extLst>
           </p:cNvPr>
@@ -12018,55 +12499,12 @@
           </a:p>
         </p:txBody>
       </p:sp>
-      <p:sp>
-        <p:nvSpPr>
-          <p:cNvPr id="5" name="文本框 4">
-            <a:extLst>
-              <a:ext uri="{FF2B5EF4-FFF2-40B4-BE49-F238E27FC236}">
-                <a16:creationId xmlns:a16="http://schemas.microsoft.com/office/drawing/2014/main" id="{55A07E27-71D4-A257-5B63-69B665EBF7B0}"/>
-              </a:ext>
-            </a:extLst>
-          </p:cNvPr>
-          <p:cNvSpPr txBox="1"/>
-          <p:nvPr/>
-        </p:nvSpPr>
-        <p:spPr>
-          <a:xfrm>
-            <a:off x="1699563" y="2921168"/>
-            <a:ext cx="8792873" cy="1015663"/>
-          </a:xfrm>
-          <a:prstGeom prst="rect">
-            <a:avLst/>
-          </a:prstGeom>
-          <a:noFill/>
-        </p:spPr>
-        <p:txBody>
-          <a:bodyPr wrap="square" rtlCol="0">
-            <a:spAutoFit/>
-          </a:bodyPr>
-          <a:lstStyle/>
-          <a:p>
-            <a:pPr algn="ctr"/>
-            <a:r>
-              <a:rPr lang="en-US" altLang="zh-CN" sz="6000" dirty="0">
-                <a:latin typeface="+mj-ea"/>
-                <a:ea typeface="+mj-ea"/>
-              </a:rPr>
-              <a:t>React</a:t>
-            </a:r>
-            <a:endParaRPr lang="zh-CN" altLang="en-US" sz="6000" dirty="0">
-              <a:latin typeface="+mj-ea"/>
-              <a:ea typeface="+mj-ea"/>
-            </a:endParaRPr>
-          </a:p>
-        </p:txBody>
-      </p:sp>
       <p:pic>
         <p:nvPicPr>
-          <p:cNvPr id="4" name="图片 3" descr="文本&#10;&#10;描述已自动生成">
-            <a:extLst>
-              <a:ext uri="{FF2B5EF4-FFF2-40B4-BE49-F238E27FC236}">
-                <a16:creationId xmlns:a16="http://schemas.microsoft.com/office/drawing/2014/main" id="{4D7B8F2F-E8D2-8EE3-A9B0-DFA406B00235}"/>
+          <p:cNvPr id="5" name="图片 4" descr="文本&#10;&#10;描述已自动生成">
+            <a:extLst>
+              <a:ext uri="{FF2B5EF4-FFF2-40B4-BE49-F238E27FC236}">
+                <a16:creationId xmlns:a16="http://schemas.microsoft.com/office/drawing/2014/main" id="{DA34F75B-A8EA-6358-5D55-E1917E683CCE}"/>
               </a:ext>
             </a:extLst>
           </p:cNvPr>
@@ -12101,7 +12539,7 @@
           <p:cNvPr id="7" name="组合 6">
             <a:extLst>
               <a:ext uri="{FF2B5EF4-FFF2-40B4-BE49-F238E27FC236}">
-                <a16:creationId xmlns:a16="http://schemas.microsoft.com/office/drawing/2014/main" id="{C0C228E3-171A-E669-FB60-4229F12D1EA0}"/>
+                <a16:creationId xmlns:a16="http://schemas.microsoft.com/office/drawing/2014/main" id="{AC0D2AD4-0DE5-F9F4-D844-9850F9FC8556}"/>
               </a:ext>
             </a:extLst>
           </p:cNvPr>
@@ -12121,7 +12559,7 @@
             <p:cNvPr id="8" name="直接连接符 7">
               <a:extLst>
                 <a:ext uri="{FF2B5EF4-FFF2-40B4-BE49-F238E27FC236}">
-                  <a16:creationId xmlns:a16="http://schemas.microsoft.com/office/drawing/2014/main" id="{7AAF65E0-8AC9-18FC-5320-348ABC662F2A}"/>
+                  <a16:creationId xmlns:a16="http://schemas.microsoft.com/office/drawing/2014/main" id="{C85E82A0-2824-85A6-ADA9-23210215F0A1}"/>
                 </a:ext>
               </a:extLst>
             </p:cNvPr>
@@ -12164,7 +12602,7 @@
             <p:cNvPr id="9" name="直接连接符 8">
               <a:extLst>
                 <a:ext uri="{FF2B5EF4-FFF2-40B4-BE49-F238E27FC236}">
-                  <a16:creationId xmlns:a16="http://schemas.microsoft.com/office/drawing/2014/main" id="{251B759F-3012-10EF-98E4-39D5E00086CF}"/>
+                  <a16:creationId xmlns:a16="http://schemas.microsoft.com/office/drawing/2014/main" id="{C733C191-0CB3-900B-5784-5AA699C6F8CC}"/>
                 </a:ext>
               </a:extLst>
             </p:cNvPr>
@@ -12208,7 +12646,7 @@
           <p:cNvPr id="10" name="图片 9" descr="画着卡通人物&#10;&#10;中度可信度描述已自动生成">
             <a:extLst>
               <a:ext uri="{FF2B5EF4-FFF2-40B4-BE49-F238E27FC236}">
-                <a16:creationId xmlns:a16="http://schemas.microsoft.com/office/drawing/2014/main" id="{9DB14527-76CF-56E6-41EC-F65EFAD3E03B}"/>
+                <a16:creationId xmlns:a16="http://schemas.microsoft.com/office/drawing/2014/main" id="{483C8968-D886-09FC-8AB3-FC8B74FA20EC}"/>
               </a:ext>
             </a:extLst>
           </p:cNvPr>
@@ -12242,7 +12680,7 @@
     </p:spTree>
     <p:extLst>
       <p:ext uri="{BB962C8B-B14F-4D97-AF65-F5344CB8AC3E}">
-        <p14:creationId xmlns:p14="http://schemas.microsoft.com/office/powerpoint/2010/main" val="3547874908"/>
+        <p14:creationId xmlns:p14="http://schemas.microsoft.com/office/powerpoint/2010/main" val="3176585785"/>
       </p:ext>
     </p:extLst>
   </p:cSld>
@@ -12280,7 +12718,7 @@
         <p:cNvPr id="1" name="">
           <a:extLst>
             <a:ext uri="{FF2B5EF4-FFF2-40B4-BE49-F238E27FC236}">
-              <a16:creationId xmlns:a16="http://schemas.microsoft.com/office/drawing/2014/main" id="{A275DE60-5B70-E660-055C-2630EA1EB822}"/>
+              <a16:creationId xmlns:a16="http://schemas.microsoft.com/office/drawing/2014/main" id="{2ABC9146-51EF-68E2-9A55-DBF264284F5D}"/>
             </a:ext>
           </a:extLst>
         </p:cNvPr>
@@ -12300,7 +12738,7 @@
           <p:cNvPr id="6" name="L 形 5">
             <a:extLst>
               <a:ext uri="{FF2B5EF4-FFF2-40B4-BE49-F238E27FC236}">
-                <a16:creationId xmlns:a16="http://schemas.microsoft.com/office/drawing/2014/main" id="{EF002537-7F57-8A23-52ED-0D947A647D5A}"/>
+                <a16:creationId xmlns:a16="http://schemas.microsoft.com/office/drawing/2014/main" id="{FCE597B0-CE1E-F42C-EBCC-D1F5D7085835}"/>
               </a:ext>
             </a:extLst>
           </p:cNvPr>
@@ -12377,7 +12815,7 @@
           <p:cNvPr id="5" name="文本框 4">
             <a:extLst>
               <a:ext uri="{FF2B5EF4-FFF2-40B4-BE49-F238E27FC236}">
-                <a16:creationId xmlns:a16="http://schemas.microsoft.com/office/drawing/2014/main" id="{2EF658A0-EAF5-C11D-93AB-A92F5FED763A}"/>
+                <a16:creationId xmlns:a16="http://schemas.microsoft.com/office/drawing/2014/main" id="{55A07E27-71D4-A257-5B63-69B665EBF7B0}"/>
               </a:ext>
             </a:extLst>
           </p:cNvPr>
@@ -12386,7 +12824,7 @@
         </p:nvSpPr>
         <p:spPr>
           <a:xfrm>
-            <a:off x="1699562" y="2226507"/>
+            <a:off x="1699563" y="2921168"/>
             <a:ext cx="8792873" cy="1015663"/>
           </a:xfrm>
           <a:prstGeom prst="rect">
@@ -12415,80 +12853,12 @@
           </a:p>
         </p:txBody>
       </p:sp>
-      <p:sp>
-        <p:nvSpPr>
-          <p:cNvPr id="3" name="文本框 2">
-            <a:extLst>
-              <a:ext uri="{FF2B5EF4-FFF2-40B4-BE49-F238E27FC236}">
-                <a16:creationId xmlns:a16="http://schemas.microsoft.com/office/drawing/2014/main" id="{AA3D4381-9DF7-B050-3F88-557882758A92}"/>
-              </a:ext>
-            </a:extLst>
-          </p:cNvPr>
-          <p:cNvSpPr txBox="1"/>
-          <p:nvPr/>
-        </p:nvSpPr>
-        <p:spPr>
-          <a:xfrm>
-            <a:off x="797717" y="3615831"/>
-            <a:ext cx="10596562" cy="721736"/>
-          </a:xfrm>
-          <a:prstGeom prst="rect">
-            <a:avLst/>
-          </a:prstGeom>
-          <a:noFill/>
-        </p:spPr>
-        <p:txBody>
-          <a:bodyPr wrap="square" rtlCol="0">
-            <a:spAutoFit/>
-          </a:bodyPr>
-          <a:lstStyle/>
-          <a:p>
-            <a:pPr algn="ctr">
-              <a:lnSpc>
-                <a:spcPct val="200000"/>
-              </a:lnSpc>
-            </a:pPr>
-            <a:r>
-              <a:rPr lang="en-US" altLang="zh-CN" sz="2400" dirty="0">
-                <a:latin typeface="HarmonyOS Sans SC Medium" panose="00000600000000000000" pitchFamily="2" charset="-122"/>
-                <a:ea typeface="HarmonyOS Sans SC Medium" panose="00000600000000000000" pitchFamily="2" charset="-122"/>
-              </a:rPr>
-              <a:t>React </a:t>
-            </a:r>
-            <a:r>
-              <a:rPr lang="zh-CN" altLang="en-US" sz="2400" dirty="0">
-                <a:latin typeface="HarmonyOS Sans SC Medium" panose="00000600000000000000" pitchFamily="2" charset="-122"/>
-                <a:ea typeface="HarmonyOS Sans SC Medium" panose="00000600000000000000" pitchFamily="2" charset="-122"/>
-              </a:rPr>
-              <a:t>是一个用于构建 交互式用户界面 的 </a:t>
-            </a:r>
-            <a:r>
-              <a:rPr lang="en-US" altLang="zh-CN" sz="2400" dirty="0">
-                <a:latin typeface="HarmonyOS Sans SC Medium" panose="00000600000000000000" pitchFamily="2" charset="-122"/>
-                <a:ea typeface="HarmonyOS Sans SC Medium" panose="00000600000000000000" pitchFamily="2" charset="-122"/>
-              </a:rPr>
-              <a:t>JavaScript </a:t>
-            </a:r>
-            <a:r>
-              <a:rPr lang="zh-CN" altLang="en-US" sz="2400" dirty="0">
-                <a:latin typeface="HarmonyOS Sans SC Medium" panose="00000600000000000000" pitchFamily="2" charset="-122"/>
-                <a:ea typeface="HarmonyOS Sans SC Medium" panose="00000600000000000000" pitchFamily="2" charset="-122"/>
-              </a:rPr>
-              <a:t>库。</a:t>
-            </a:r>
-            <a:endParaRPr lang="zh-CN" altLang="en-US" sz="2400" dirty="0">
-              <a:latin typeface="HarmonyOS Sans SC Light" panose="00000400000000000000" pitchFamily="2" charset="-122"/>
-              <a:ea typeface="HarmonyOS Sans SC Light" panose="00000400000000000000" pitchFamily="2" charset="-122"/>
-            </a:endParaRPr>
-          </a:p>
-        </p:txBody>
-      </p:sp>
       <p:pic>
         <p:nvPicPr>
           <p:cNvPr id="4" name="图片 3" descr="文本&#10;&#10;描述已自动生成">
             <a:extLst>
               <a:ext uri="{FF2B5EF4-FFF2-40B4-BE49-F238E27FC236}">
-                <a16:creationId xmlns:a16="http://schemas.microsoft.com/office/drawing/2014/main" id="{0535A5CB-6354-ECE8-E4FB-667324894129}"/>
+                <a16:creationId xmlns:a16="http://schemas.microsoft.com/office/drawing/2014/main" id="{4D7B8F2F-E8D2-8EE3-A9B0-DFA406B00235}"/>
               </a:ext>
             </a:extLst>
           </p:cNvPr>
@@ -12523,7 +12893,7 @@
           <p:cNvPr id="7" name="组合 6">
             <a:extLst>
               <a:ext uri="{FF2B5EF4-FFF2-40B4-BE49-F238E27FC236}">
-                <a16:creationId xmlns:a16="http://schemas.microsoft.com/office/drawing/2014/main" id="{4AEAAB86-3092-0465-DA7D-09EC84FAE15F}"/>
+                <a16:creationId xmlns:a16="http://schemas.microsoft.com/office/drawing/2014/main" id="{C0C228E3-171A-E669-FB60-4229F12D1EA0}"/>
               </a:ext>
             </a:extLst>
           </p:cNvPr>
@@ -12543,7 +12913,7 @@
             <p:cNvPr id="8" name="直接连接符 7">
               <a:extLst>
                 <a:ext uri="{FF2B5EF4-FFF2-40B4-BE49-F238E27FC236}">
-                  <a16:creationId xmlns:a16="http://schemas.microsoft.com/office/drawing/2014/main" id="{30D53B64-A2F1-3B27-0368-5AEEA5540D86}"/>
+                  <a16:creationId xmlns:a16="http://schemas.microsoft.com/office/drawing/2014/main" id="{7AAF65E0-8AC9-18FC-5320-348ABC662F2A}"/>
                 </a:ext>
               </a:extLst>
             </p:cNvPr>
@@ -12586,7 +12956,7 @@
             <p:cNvPr id="9" name="直接连接符 8">
               <a:extLst>
                 <a:ext uri="{FF2B5EF4-FFF2-40B4-BE49-F238E27FC236}">
-                  <a16:creationId xmlns:a16="http://schemas.microsoft.com/office/drawing/2014/main" id="{B4928586-86E7-1EE1-BA8B-34B400DC3DFD}"/>
+                  <a16:creationId xmlns:a16="http://schemas.microsoft.com/office/drawing/2014/main" id="{251B759F-3012-10EF-98E4-39D5E00086CF}"/>
                 </a:ext>
               </a:extLst>
             </p:cNvPr>
@@ -12630,7 +13000,7 @@
           <p:cNvPr id="10" name="图片 9" descr="画着卡通人物&#10;&#10;中度可信度描述已自动生成">
             <a:extLst>
               <a:ext uri="{FF2B5EF4-FFF2-40B4-BE49-F238E27FC236}">
-                <a16:creationId xmlns:a16="http://schemas.microsoft.com/office/drawing/2014/main" id="{D8F82491-E138-1CF1-1A42-FBC98390F0CB}"/>
+                <a16:creationId xmlns:a16="http://schemas.microsoft.com/office/drawing/2014/main" id="{9DB14527-76CF-56E6-41EC-F65EFAD3E03B}"/>
               </a:ext>
             </a:extLst>
           </p:cNvPr>
@@ -12664,7 +13034,7 @@
     </p:spTree>
     <p:extLst>
       <p:ext uri="{BB962C8B-B14F-4D97-AF65-F5344CB8AC3E}">
-        <p14:creationId xmlns:p14="http://schemas.microsoft.com/office/powerpoint/2010/main" val="2461176384"/>
+        <p14:creationId xmlns:p14="http://schemas.microsoft.com/office/powerpoint/2010/main" val="3547874908"/>
       </p:ext>
     </p:extLst>
   </p:cSld>
@@ -12702,7 +13072,7 @@
         <p:cNvPr id="1" name="">
           <a:extLst>
             <a:ext uri="{FF2B5EF4-FFF2-40B4-BE49-F238E27FC236}">
-              <a16:creationId xmlns:a16="http://schemas.microsoft.com/office/drawing/2014/main" id="{EA9387A1-23A7-8F7D-8964-AD6A2240BC6E}"/>
+              <a16:creationId xmlns:a16="http://schemas.microsoft.com/office/drawing/2014/main" id="{A275DE60-5B70-E660-055C-2630EA1EB822}"/>
             </a:ext>
           </a:extLst>
         </p:cNvPr>
@@ -12722,7 +13092,7 @@
           <p:cNvPr id="6" name="L 形 5">
             <a:extLst>
               <a:ext uri="{FF2B5EF4-FFF2-40B4-BE49-F238E27FC236}">
-                <a16:creationId xmlns:a16="http://schemas.microsoft.com/office/drawing/2014/main" id="{A3178295-CD2A-2033-F9F6-20A25126982B}"/>
+                <a16:creationId xmlns:a16="http://schemas.microsoft.com/office/drawing/2014/main" id="{EF002537-7F57-8A23-52ED-0D947A647D5A}"/>
               </a:ext>
             </a:extLst>
           </p:cNvPr>
@@ -12799,7 +13169,7 @@
           <p:cNvPr id="5" name="文本框 4">
             <a:extLst>
               <a:ext uri="{FF2B5EF4-FFF2-40B4-BE49-F238E27FC236}">
-                <a16:creationId xmlns:a16="http://schemas.microsoft.com/office/drawing/2014/main" id="{16D05322-E985-116D-19A3-3F6E500A5CEF}"/>
+                <a16:creationId xmlns:a16="http://schemas.microsoft.com/office/drawing/2014/main" id="{2EF658A0-EAF5-C11D-93AB-A92F5FED763A}"/>
               </a:ext>
             </a:extLst>
           </p:cNvPr>
@@ -12808,7 +13178,7 @@
         </p:nvSpPr>
         <p:spPr>
           <a:xfrm>
-            <a:off x="1699563" y="2921168"/>
+            <a:off x="1699562" y="2226507"/>
             <a:ext cx="8792873" cy="1015663"/>
           </a:xfrm>
           <a:prstGeom prst="rect">
@@ -12824,35 +13194,93 @@
           <a:p>
             <a:pPr algn="ctr"/>
             <a:r>
-              <a:rPr lang="zh-CN" altLang="en-US" sz="6000" dirty="0">
-                <a:latin typeface="+mj-ea"/>
-                <a:ea typeface="+mj-ea"/>
-              </a:rPr>
-              <a:t>用户界面（</a:t>
-            </a:r>
-            <a:r>
               <a:rPr lang="en-US" altLang="zh-CN" sz="6000" dirty="0">
                 <a:latin typeface="+mj-ea"/>
                 <a:ea typeface="+mj-ea"/>
               </a:rPr>
-              <a:t>UI</a:t>
-            </a:r>
-            <a:r>
-              <a:rPr lang="zh-CN" altLang="en-US" sz="6000" dirty="0">
-                <a:latin typeface="+mj-ea"/>
-                <a:ea typeface="+mj-ea"/>
+              <a:t>React</a:t>
+            </a:r>
+            <a:endParaRPr lang="zh-CN" altLang="en-US" sz="6000" dirty="0">
+              <a:latin typeface="+mj-ea"/>
+              <a:ea typeface="+mj-ea"/>
+            </a:endParaRPr>
+          </a:p>
+        </p:txBody>
+      </p:sp>
+      <p:sp>
+        <p:nvSpPr>
+          <p:cNvPr id="3" name="文本框 2">
+            <a:extLst>
+              <a:ext uri="{FF2B5EF4-FFF2-40B4-BE49-F238E27FC236}">
+                <a16:creationId xmlns:a16="http://schemas.microsoft.com/office/drawing/2014/main" id="{AA3D4381-9DF7-B050-3F88-557882758A92}"/>
+              </a:ext>
+            </a:extLst>
+          </p:cNvPr>
+          <p:cNvSpPr txBox="1"/>
+          <p:nvPr/>
+        </p:nvSpPr>
+        <p:spPr>
+          <a:xfrm>
+            <a:off x="797717" y="3615831"/>
+            <a:ext cx="10596562" cy="721736"/>
+          </a:xfrm>
+          <a:prstGeom prst="rect">
+            <a:avLst/>
+          </a:prstGeom>
+          <a:noFill/>
+        </p:spPr>
+        <p:txBody>
+          <a:bodyPr wrap="square" rtlCol="0">
+            <a:spAutoFit/>
+          </a:bodyPr>
+          <a:lstStyle/>
+          <a:p>
+            <a:pPr algn="ctr">
+              <a:lnSpc>
+                <a:spcPct val="200000"/>
+              </a:lnSpc>
+            </a:pPr>
+            <a:r>
+              <a:rPr lang="en-US" altLang="zh-CN" sz="2400" dirty="0">
+                <a:latin typeface="HarmonyOS Sans SC Medium" panose="00000600000000000000" pitchFamily="2" charset="-122"/>
+                <a:ea typeface="HarmonyOS Sans SC Medium" panose="00000600000000000000" pitchFamily="2" charset="-122"/>
               </a:rPr>
-              <a:t>）</a:t>
-            </a:r>
+              <a:t>React </a:t>
+            </a:r>
+            <a:r>
+              <a:rPr lang="zh-CN" altLang="en-US" sz="2400" dirty="0">
+                <a:latin typeface="HarmonyOS Sans SC Medium" panose="00000600000000000000" pitchFamily="2" charset="-122"/>
+                <a:ea typeface="HarmonyOS Sans SC Medium" panose="00000600000000000000" pitchFamily="2" charset="-122"/>
+              </a:rPr>
+              <a:t>是一个用于构建 交互式用户界面 的 </a:t>
+            </a:r>
+            <a:r>
+              <a:rPr lang="en-US" altLang="zh-CN" sz="2400" dirty="0">
+                <a:latin typeface="HarmonyOS Sans SC Medium" panose="00000600000000000000" pitchFamily="2" charset="-122"/>
+                <a:ea typeface="HarmonyOS Sans SC Medium" panose="00000600000000000000" pitchFamily="2" charset="-122"/>
+              </a:rPr>
+              <a:t>JavaScript </a:t>
+            </a:r>
+            <a:r>
+              <a:rPr lang="zh-CN" altLang="en-US" sz="2400" dirty="0">
+                <a:latin typeface="HarmonyOS Sans SC Medium" panose="00000600000000000000" pitchFamily="2" charset="-122"/>
+                <a:ea typeface="HarmonyOS Sans SC Medium" panose="00000600000000000000" pitchFamily="2" charset="-122"/>
+              </a:rPr>
+              <a:t>库。</a:t>
+            </a:r>
+            <a:endParaRPr lang="zh-CN" altLang="en-US" sz="2400" dirty="0">
+              <a:latin typeface="HarmonyOS Sans SC Light" panose="00000400000000000000" pitchFamily="2" charset="-122"/>
+              <a:ea typeface="HarmonyOS Sans SC Light" panose="00000400000000000000" pitchFamily="2" charset="-122"/>
+            </a:endParaRPr>
           </a:p>
         </p:txBody>
       </p:sp>
       <p:pic>
         <p:nvPicPr>
-          <p:cNvPr id="3" name="图片 2" descr="文本&#10;&#10;描述已自动生成">
-            <a:extLst>
-              <a:ext uri="{FF2B5EF4-FFF2-40B4-BE49-F238E27FC236}">
-                <a16:creationId xmlns:a16="http://schemas.microsoft.com/office/drawing/2014/main" id="{48B1EF21-13FC-39F6-2E8F-51BF6790D005}"/>
+          <p:cNvPr id="4" name="图片 3" descr="文本&#10;&#10;描述已自动生成">
+            <a:extLst>
+              <a:ext uri="{FF2B5EF4-FFF2-40B4-BE49-F238E27FC236}">
+                <a16:creationId xmlns:a16="http://schemas.microsoft.com/office/drawing/2014/main" id="{0535A5CB-6354-ECE8-E4FB-667324894129}"/>
               </a:ext>
             </a:extLst>
           </p:cNvPr>
@@ -12884,10 +13312,10 @@
       </p:pic>
       <p:grpSp>
         <p:nvGrpSpPr>
-          <p:cNvPr id="4" name="组合 3">
-            <a:extLst>
-              <a:ext uri="{FF2B5EF4-FFF2-40B4-BE49-F238E27FC236}">
-                <a16:creationId xmlns:a16="http://schemas.microsoft.com/office/drawing/2014/main" id="{FCD05466-7DBB-7455-A309-5B86DE148DAF}"/>
+          <p:cNvPr id="7" name="组合 6">
+            <a:extLst>
+              <a:ext uri="{FF2B5EF4-FFF2-40B4-BE49-F238E27FC236}">
+                <a16:creationId xmlns:a16="http://schemas.microsoft.com/office/drawing/2014/main" id="{4AEAAB86-3092-0465-DA7D-09EC84FAE15F}"/>
               </a:ext>
             </a:extLst>
           </p:cNvPr>
@@ -12904,10 +13332,10 @@
         </p:grpSpPr>
         <p:cxnSp>
           <p:nvCxnSpPr>
-            <p:cNvPr id="7" name="直接连接符 6">
+            <p:cNvPr id="8" name="直接连接符 7">
               <a:extLst>
                 <a:ext uri="{FF2B5EF4-FFF2-40B4-BE49-F238E27FC236}">
-                  <a16:creationId xmlns:a16="http://schemas.microsoft.com/office/drawing/2014/main" id="{2BCF6C6F-F122-77E5-1207-C0C9C5E73DEB}"/>
+                  <a16:creationId xmlns:a16="http://schemas.microsoft.com/office/drawing/2014/main" id="{30D53B64-A2F1-3B27-0368-5AEEA5540D86}"/>
                 </a:ext>
               </a:extLst>
             </p:cNvPr>
@@ -12947,10 +13375,10 @@
         </p:cxnSp>
         <p:cxnSp>
           <p:nvCxnSpPr>
-            <p:cNvPr id="8" name="直接连接符 7">
+            <p:cNvPr id="9" name="直接连接符 8">
               <a:extLst>
                 <a:ext uri="{FF2B5EF4-FFF2-40B4-BE49-F238E27FC236}">
-                  <a16:creationId xmlns:a16="http://schemas.microsoft.com/office/drawing/2014/main" id="{32337E42-8AE7-D404-7047-724639904DB9}"/>
+                  <a16:creationId xmlns:a16="http://schemas.microsoft.com/office/drawing/2014/main" id="{B4928586-86E7-1EE1-BA8B-34B400DC3DFD}"/>
                 </a:ext>
               </a:extLst>
             </p:cNvPr>
@@ -12991,10 +13419,10 @@
       </p:grpSp>
       <p:pic>
         <p:nvPicPr>
-          <p:cNvPr id="9" name="图片 8" descr="画着卡通人物&#10;&#10;中度可信度描述已自动生成">
-            <a:extLst>
-              <a:ext uri="{FF2B5EF4-FFF2-40B4-BE49-F238E27FC236}">
-                <a16:creationId xmlns:a16="http://schemas.microsoft.com/office/drawing/2014/main" id="{B0E16BA7-69A4-A180-B956-C27E92BE2503}"/>
+          <p:cNvPr id="10" name="图片 9" descr="画着卡通人物&#10;&#10;中度可信度描述已自动生成">
+            <a:extLst>
+              <a:ext uri="{FF2B5EF4-FFF2-40B4-BE49-F238E27FC236}">
+                <a16:creationId xmlns:a16="http://schemas.microsoft.com/office/drawing/2014/main" id="{D8F82491-E138-1CF1-1A42-FBC98390F0CB}"/>
               </a:ext>
             </a:extLst>
           </p:cNvPr>
@@ -13028,7 +13456,7 @@
     </p:spTree>
     <p:extLst>
       <p:ext uri="{BB962C8B-B14F-4D97-AF65-F5344CB8AC3E}">
-        <p14:creationId xmlns:p14="http://schemas.microsoft.com/office/powerpoint/2010/main" val="2752839713"/>
+        <p14:creationId xmlns:p14="http://schemas.microsoft.com/office/powerpoint/2010/main" val="2461176384"/>
       </p:ext>
     </p:extLst>
   </p:cSld>
@@ -13066,7 +13494,7 @@
         <p:cNvPr id="1" name="">
           <a:extLst>
             <a:ext uri="{FF2B5EF4-FFF2-40B4-BE49-F238E27FC236}">
-              <a16:creationId xmlns:a16="http://schemas.microsoft.com/office/drawing/2014/main" id="{B061D992-BD43-2036-D28A-A30CBDAB8839}"/>
+              <a16:creationId xmlns:a16="http://schemas.microsoft.com/office/drawing/2014/main" id="{EA9387A1-23A7-8F7D-8964-AD6A2240BC6E}"/>
             </a:ext>
           </a:extLst>
         </p:cNvPr>
@@ -13086,7 +13514,7 @@
           <p:cNvPr id="6" name="L 形 5">
             <a:extLst>
               <a:ext uri="{FF2B5EF4-FFF2-40B4-BE49-F238E27FC236}">
-                <a16:creationId xmlns:a16="http://schemas.microsoft.com/office/drawing/2014/main" id="{A86C34DE-1673-C7F0-D6F5-48061D591327}"/>
+                <a16:creationId xmlns:a16="http://schemas.microsoft.com/office/drawing/2014/main" id="{A3178295-CD2A-2033-F9F6-20A25126982B}"/>
               </a:ext>
             </a:extLst>
           </p:cNvPr>
@@ -13163,7 +13591,7 @@
           <p:cNvPr id="5" name="文本框 4">
             <a:extLst>
               <a:ext uri="{FF2B5EF4-FFF2-40B4-BE49-F238E27FC236}">
-                <a16:creationId xmlns:a16="http://schemas.microsoft.com/office/drawing/2014/main" id="{1A775AA6-5427-B458-C757-E897A7FE5DBF}"/>
+                <a16:creationId xmlns:a16="http://schemas.microsoft.com/office/drawing/2014/main" id="{16D05322-E985-116D-19A3-3F6E500A5CEF}"/>
               </a:ext>
             </a:extLst>
           </p:cNvPr>
@@ -13172,7 +13600,7 @@
         </p:nvSpPr>
         <p:spPr>
           <a:xfrm>
-            <a:off x="1699563" y="2226507"/>
+            <a:off x="1699563" y="2921168"/>
             <a:ext cx="8792873" cy="1015663"/>
           </a:xfrm>
           <a:prstGeom prst="rect">
@@ -13211,59 +13639,12 @@
           </a:p>
         </p:txBody>
       </p:sp>
-      <p:sp>
-        <p:nvSpPr>
-          <p:cNvPr id="3" name="文本框 2">
-            <a:extLst>
-              <a:ext uri="{FF2B5EF4-FFF2-40B4-BE49-F238E27FC236}">
-                <a16:creationId xmlns:a16="http://schemas.microsoft.com/office/drawing/2014/main" id="{3104773B-E466-91F6-0731-F48CCCC0FEF9}"/>
-              </a:ext>
-            </a:extLst>
-          </p:cNvPr>
-          <p:cNvSpPr txBox="1"/>
-          <p:nvPr/>
-        </p:nvSpPr>
-        <p:spPr>
-          <a:xfrm>
-            <a:off x="797718" y="3671560"/>
-            <a:ext cx="10596562" cy="721736"/>
-          </a:xfrm>
-          <a:prstGeom prst="rect">
-            <a:avLst/>
-          </a:prstGeom>
-          <a:noFill/>
-        </p:spPr>
-        <p:txBody>
-          <a:bodyPr wrap="square" rtlCol="0">
-            <a:spAutoFit/>
-          </a:bodyPr>
-          <a:lstStyle/>
-          <a:p>
-            <a:pPr algn="ctr">
-              <a:lnSpc>
-                <a:spcPct val="200000"/>
-              </a:lnSpc>
-            </a:pPr>
-            <a:r>
-              <a:rPr lang="zh-CN" altLang="en-US" sz="2400" dirty="0">
-                <a:latin typeface="HarmonyOS Sans SC Medium" panose="00000600000000000000" pitchFamily="2" charset="-122"/>
-                <a:ea typeface="HarmonyOS Sans SC Medium" panose="00000600000000000000" pitchFamily="2" charset="-122"/>
-              </a:rPr>
-              <a:t>用户在屏幕上看到并与之交互的元素。</a:t>
-            </a:r>
-            <a:endParaRPr lang="zh-CN" altLang="en-US" sz="2400" dirty="0">
-              <a:latin typeface="HarmonyOS Sans SC Light" panose="00000400000000000000" pitchFamily="2" charset="-122"/>
-              <a:ea typeface="HarmonyOS Sans SC Light" panose="00000400000000000000" pitchFamily="2" charset="-122"/>
-            </a:endParaRPr>
-          </a:p>
-        </p:txBody>
-      </p:sp>
       <p:pic>
         <p:nvPicPr>
-          <p:cNvPr id="4" name="图片 3" descr="文本&#10;&#10;描述已自动生成">
-            <a:extLst>
-              <a:ext uri="{FF2B5EF4-FFF2-40B4-BE49-F238E27FC236}">
-                <a16:creationId xmlns:a16="http://schemas.microsoft.com/office/drawing/2014/main" id="{C00B813C-5F2A-2EDF-B419-97EA7BC8F82E}"/>
+          <p:cNvPr id="3" name="图片 2" descr="文本&#10;&#10;描述已自动生成">
+            <a:extLst>
+              <a:ext uri="{FF2B5EF4-FFF2-40B4-BE49-F238E27FC236}">
+                <a16:creationId xmlns:a16="http://schemas.microsoft.com/office/drawing/2014/main" id="{48B1EF21-13FC-39F6-2E8F-51BF6790D005}"/>
               </a:ext>
             </a:extLst>
           </p:cNvPr>
@@ -13295,10 +13676,10 @@
       </p:pic>
       <p:grpSp>
         <p:nvGrpSpPr>
-          <p:cNvPr id="7" name="组合 6">
-            <a:extLst>
-              <a:ext uri="{FF2B5EF4-FFF2-40B4-BE49-F238E27FC236}">
-                <a16:creationId xmlns:a16="http://schemas.microsoft.com/office/drawing/2014/main" id="{30167AB8-65DE-52FA-C7E7-6E5E9B9BF629}"/>
+          <p:cNvPr id="4" name="组合 3">
+            <a:extLst>
+              <a:ext uri="{FF2B5EF4-FFF2-40B4-BE49-F238E27FC236}">
+                <a16:creationId xmlns:a16="http://schemas.microsoft.com/office/drawing/2014/main" id="{FCD05466-7DBB-7455-A309-5B86DE148DAF}"/>
               </a:ext>
             </a:extLst>
           </p:cNvPr>
@@ -13315,10 +13696,10 @@
         </p:grpSpPr>
         <p:cxnSp>
           <p:nvCxnSpPr>
-            <p:cNvPr id="8" name="直接连接符 7">
+            <p:cNvPr id="7" name="直接连接符 6">
               <a:extLst>
                 <a:ext uri="{FF2B5EF4-FFF2-40B4-BE49-F238E27FC236}">
-                  <a16:creationId xmlns:a16="http://schemas.microsoft.com/office/drawing/2014/main" id="{143B4738-6125-1586-064F-FAFB1F8CA2D1}"/>
+                  <a16:creationId xmlns:a16="http://schemas.microsoft.com/office/drawing/2014/main" id="{2BCF6C6F-F122-77E5-1207-C0C9C5E73DEB}"/>
                 </a:ext>
               </a:extLst>
             </p:cNvPr>
@@ -13358,10 +13739,10 @@
         </p:cxnSp>
         <p:cxnSp>
           <p:nvCxnSpPr>
-            <p:cNvPr id="9" name="直接连接符 8">
+            <p:cNvPr id="8" name="直接连接符 7">
               <a:extLst>
                 <a:ext uri="{FF2B5EF4-FFF2-40B4-BE49-F238E27FC236}">
-                  <a16:creationId xmlns:a16="http://schemas.microsoft.com/office/drawing/2014/main" id="{A6BD0736-271A-F41E-9912-29A6C0FD5147}"/>
+                  <a16:creationId xmlns:a16="http://schemas.microsoft.com/office/drawing/2014/main" id="{32337E42-8AE7-D404-7047-724639904DB9}"/>
                 </a:ext>
               </a:extLst>
             </p:cNvPr>
@@ -13402,10 +13783,10 @@
       </p:grpSp>
       <p:pic>
         <p:nvPicPr>
-          <p:cNvPr id="10" name="图片 9" descr="画着卡通人物&#10;&#10;中度可信度描述已自动生成">
-            <a:extLst>
-              <a:ext uri="{FF2B5EF4-FFF2-40B4-BE49-F238E27FC236}">
-                <a16:creationId xmlns:a16="http://schemas.microsoft.com/office/drawing/2014/main" id="{CF4BFEA6-2D3A-9DDC-7230-7C51DB81248C}"/>
+          <p:cNvPr id="9" name="图片 8" descr="画着卡通人物&#10;&#10;中度可信度描述已自动生成">
+            <a:extLst>
+              <a:ext uri="{FF2B5EF4-FFF2-40B4-BE49-F238E27FC236}">
+                <a16:creationId xmlns:a16="http://schemas.microsoft.com/office/drawing/2014/main" id="{B0E16BA7-69A4-A180-B956-C27E92BE2503}"/>
               </a:ext>
             </a:extLst>
           </p:cNvPr>
@@ -13439,7 +13820,7 @@
     </p:spTree>
     <p:extLst>
       <p:ext uri="{BB962C8B-B14F-4D97-AF65-F5344CB8AC3E}">
-        <p14:creationId xmlns:p14="http://schemas.microsoft.com/office/powerpoint/2010/main" val="3415185412"/>
+        <p14:creationId xmlns:p14="http://schemas.microsoft.com/office/powerpoint/2010/main" val="2752839713"/>
       </p:ext>
     </p:extLst>
   </p:cSld>
@@ -13477,7 +13858,7 @@
         <p:cNvPr id="1" name="">
           <a:extLst>
             <a:ext uri="{FF2B5EF4-FFF2-40B4-BE49-F238E27FC236}">
-              <a16:creationId xmlns:a16="http://schemas.microsoft.com/office/drawing/2014/main" id="{FBDC99BA-3797-42B1-082F-D3BAB6DCBF4E}"/>
+              <a16:creationId xmlns:a16="http://schemas.microsoft.com/office/drawing/2014/main" id="{B061D992-BD43-2036-D28A-A30CBDAB8839}"/>
             </a:ext>
           </a:extLst>
         </p:cNvPr>
@@ -13497,7 +13878,7 @@
           <p:cNvPr id="6" name="L 形 5">
             <a:extLst>
               <a:ext uri="{FF2B5EF4-FFF2-40B4-BE49-F238E27FC236}">
-                <a16:creationId xmlns:a16="http://schemas.microsoft.com/office/drawing/2014/main" id="{A2EABA18-C7CF-76D3-9929-7563FF6B800E}"/>
+                <a16:creationId xmlns:a16="http://schemas.microsoft.com/office/drawing/2014/main" id="{A86C34DE-1673-C7F0-D6F5-48061D591327}"/>
               </a:ext>
             </a:extLst>
           </p:cNvPr>
@@ -13574,7 +13955,7 @@
           <p:cNvPr id="5" name="文本框 4">
             <a:extLst>
               <a:ext uri="{FF2B5EF4-FFF2-40B4-BE49-F238E27FC236}">
-                <a16:creationId xmlns:a16="http://schemas.microsoft.com/office/drawing/2014/main" id="{629AA790-E1EE-B707-B3D7-46E47370966A}"/>
+                <a16:creationId xmlns:a16="http://schemas.microsoft.com/office/drawing/2014/main" id="{1A775AA6-5427-B458-C757-E897A7FE5DBF}"/>
               </a:ext>
             </a:extLst>
           </p:cNvPr>
@@ -13583,7 +13964,7 @@
         </p:nvSpPr>
         <p:spPr>
           <a:xfrm>
-            <a:off x="1699561" y="1352970"/>
+            <a:off x="1699563" y="2226507"/>
             <a:ext cx="8792873" cy="1015663"/>
           </a:xfrm>
           <a:prstGeom prst="rect">
@@ -13627,7 +14008,7 @@
           <p:cNvPr id="3" name="文本框 2">
             <a:extLst>
               <a:ext uri="{FF2B5EF4-FFF2-40B4-BE49-F238E27FC236}">
-                <a16:creationId xmlns:a16="http://schemas.microsoft.com/office/drawing/2014/main" id="{322F0D51-8737-BFDE-B91B-E81A87B543A5}"/>
+                <a16:creationId xmlns:a16="http://schemas.microsoft.com/office/drawing/2014/main" id="{3104773B-E466-91F6-0731-F48CCCC0FEF9}"/>
               </a:ext>
             </a:extLst>
           </p:cNvPr>
@@ -13636,7 +14017,7 @@
         </p:nvSpPr>
         <p:spPr>
           <a:xfrm>
-            <a:off x="797716" y="2368633"/>
+            <a:off x="797718" y="3671560"/>
             <a:ext cx="10596562" cy="721736"/>
           </a:xfrm>
           <a:prstGeom prst="rect">
@@ -13671,67 +14052,20 @@
       </p:sp>
       <p:pic>
         <p:nvPicPr>
-          <p:cNvPr id="1026" name="Picture 2" descr="User Interface example showing a browser window with a navigation, a sidebar, and a list of posts">
-            <a:extLst>
-              <a:ext uri="{FF2B5EF4-FFF2-40B4-BE49-F238E27FC236}">
-                <a16:creationId xmlns:a16="http://schemas.microsoft.com/office/drawing/2014/main" id="{BB613176-00F8-23F8-FEC5-50135BB3D4DB}"/>
+          <p:cNvPr id="4" name="图片 3" descr="文本&#10;&#10;描述已自动生成">
+            <a:extLst>
+              <a:ext uri="{FF2B5EF4-FFF2-40B4-BE49-F238E27FC236}">
+                <a16:creationId xmlns:a16="http://schemas.microsoft.com/office/drawing/2014/main" id="{C00B813C-5F2A-2EDF-B419-97EA7BC8F82E}"/>
               </a:ext>
             </a:extLst>
           </p:cNvPr>
           <p:cNvPicPr>
-            <a:picLocks noChangeAspect="1" noChangeArrowheads="1"/>
+            <a:picLocks noChangeAspect="1"/>
           </p:cNvPicPr>
           <p:nvPr/>
         </p:nvPicPr>
         <p:blipFill>
           <a:blip r:embed="rId2">
-            <a:extLst>
-              <a:ext uri="{28A0092B-C50C-407E-A947-70E740481C1C}">
-                <a14:useLocalDpi xmlns:a14="http://schemas.microsoft.com/office/drawing/2010/main" val="0"/>
-              </a:ext>
-            </a:extLst>
-          </a:blip>
-          <a:srcRect/>
-          <a:stretch>
-            <a:fillRect/>
-          </a:stretch>
-        </p:blipFill>
-        <p:spPr bwMode="auto">
-          <a:xfrm>
-            <a:off x="2360426" y="3429000"/>
-            <a:ext cx="7471144" cy="2671323"/>
-          </a:xfrm>
-          <a:prstGeom prst="rect">
-            <a:avLst/>
-          </a:prstGeom>
-          <a:noFill/>
-          <a:extLst>
-            <a:ext uri="{909E8E84-426E-40DD-AFC4-6F175D3DCCD1}">
-              <a14:hiddenFill xmlns:a14="http://schemas.microsoft.com/office/drawing/2010/main">
-                <a:solidFill>
-                  <a:srgbClr val="FFFFFF"/>
-                </a:solidFill>
-              </a14:hiddenFill>
-            </a:ext>
-          </a:extLst>
-        </p:spPr>
-      </p:pic>
-      <p:pic>
-        <p:nvPicPr>
-          <p:cNvPr id="4" name="图片 3" descr="文本&#10;&#10;描述已自动生成">
-            <a:extLst>
-              <a:ext uri="{FF2B5EF4-FFF2-40B4-BE49-F238E27FC236}">
-                <a16:creationId xmlns:a16="http://schemas.microsoft.com/office/drawing/2014/main" id="{767635AA-DFA6-67D0-BDCD-D7DEDA5F5774}"/>
-              </a:ext>
-            </a:extLst>
-          </p:cNvPr>
-          <p:cNvPicPr>
-            <a:picLocks noChangeAspect="1"/>
-          </p:cNvPicPr>
-          <p:nvPr/>
-        </p:nvPicPr>
-        <p:blipFill>
-          <a:blip r:embed="rId3">
             <a:extLst>
               <a:ext uri="{28A0092B-C50C-407E-A947-70E740481C1C}">
                 <a14:useLocalDpi xmlns:a14="http://schemas.microsoft.com/office/drawing/2010/main" val="0"/>
@@ -13756,7 +14090,7 @@
           <p:cNvPr id="7" name="组合 6">
             <a:extLst>
               <a:ext uri="{FF2B5EF4-FFF2-40B4-BE49-F238E27FC236}">
-                <a16:creationId xmlns:a16="http://schemas.microsoft.com/office/drawing/2014/main" id="{192DDB68-0D0C-9EB5-6FEF-FA8EA63B729B}"/>
+                <a16:creationId xmlns:a16="http://schemas.microsoft.com/office/drawing/2014/main" id="{30167AB8-65DE-52FA-C7E7-6E5E9B9BF629}"/>
               </a:ext>
             </a:extLst>
           </p:cNvPr>
@@ -13776,7 +14110,7 @@
             <p:cNvPr id="8" name="直接连接符 7">
               <a:extLst>
                 <a:ext uri="{FF2B5EF4-FFF2-40B4-BE49-F238E27FC236}">
-                  <a16:creationId xmlns:a16="http://schemas.microsoft.com/office/drawing/2014/main" id="{35711BAB-9384-081D-EA1B-1B975532BE99}"/>
+                  <a16:creationId xmlns:a16="http://schemas.microsoft.com/office/drawing/2014/main" id="{143B4738-6125-1586-064F-FAFB1F8CA2D1}"/>
                 </a:ext>
               </a:extLst>
             </p:cNvPr>
@@ -13819,7 +14153,7 @@
             <p:cNvPr id="9" name="直接连接符 8">
               <a:extLst>
                 <a:ext uri="{FF2B5EF4-FFF2-40B4-BE49-F238E27FC236}">
-                  <a16:creationId xmlns:a16="http://schemas.microsoft.com/office/drawing/2014/main" id="{19761EC9-66CF-ED9E-B846-291FFF29914B}"/>
+                  <a16:creationId xmlns:a16="http://schemas.microsoft.com/office/drawing/2014/main" id="{A6BD0736-271A-F41E-9912-29A6C0FD5147}"/>
                 </a:ext>
               </a:extLst>
             </p:cNvPr>
@@ -13863,7 +14197,7 @@
           <p:cNvPr id="10" name="图片 9" descr="画着卡通人物&#10;&#10;中度可信度描述已自动生成">
             <a:extLst>
               <a:ext uri="{FF2B5EF4-FFF2-40B4-BE49-F238E27FC236}">
-                <a16:creationId xmlns:a16="http://schemas.microsoft.com/office/drawing/2014/main" id="{A8851C30-41F1-9184-961B-96FE09A31F6C}"/>
+                <a16:creationId xmlns:a16="http://schemas.microsoft.com/office/drawing/2014/main" id="{CF4BFEA6-2D3A-9DDC-7230-7C51DB81248C}"/>
               </a:ext>
             </a:extLst>
           </p:cNvPr>
@@ -13873,7 +14207,7 @@
           <p:nvPr/>
         </p:nvPicPr>
         <p:blipFill>
-          <a:blip r:embed="rId4">
+          <a:blip r:embed="rId3">
             <a:extLst>
               <a:ext uri="{28A0092B-C50C-407E-A947-70E740481C1C}">
                 <a14:useLocalDpi xmlns:a14="http://schemas.microsoft.com/office/drawing/2010/main" val="0"/>
@@ -13897,7 +14231,7 @@
     </p:spTree>
     <p:extLst>
       <p:ext uri="{BB962C8B-B14F-4D97-AF65-F5344CB8AC3E}">
-        <p14:creationId xmlns:p14="http://schemas.microsoft.com/office/powerpoint/2010/main" val="3991728683"/>
+        <p14:creationId xmlns:p14="http://schemas.microsoft.com/office/powerpoint/2010/main" val="3415185412"/>
       </p:ext>
     </p:extLst>
   </p:cSld>
@@ -13935,7 +14269,7 @@
         <p:cNvPr id="1" name="">
           <a:extLst>
             <a:ext uri="{FF2B5EF4-FFF2-40B4-BE49-F238E27FC236}">
-              <a16:creationId xmlns:a16="http://schemas.microsoft.com/office/drawing/2014/main" id="{F111CC58-2EFC-D105-A443-934C609FC23F}"/>
+              <a16:creationId xmlns:a16="http://schemas.microsoft.com/office/drawing/2014/main" id="{FBDC99BA-3797-42B1-082F-D3BAB6DCBF4E}"/>
             </a:ext>
           </a:extLst>
         </p:cNvPr>
@@ -13955,7 +14289,7 @@
           <p:cNvPr id="6" name="L 形 5">
             <a:extLst>
               <a:ext uri="{FF2B5EF4-FFF2-40B4-BE49-F238E27FC236}">
-                <a16:creationId xmlns:a16="http://schemas.microsoft.com/office/drawing/2014/main" id="{E0C56ECF-FA03-6D95-24B8-37A4902D0F45}"/>
+                <a16:creationId xmlns:a16="http://schemas.microsoft.com/office/drawing/2014/main" id="{A2EABA18-C7CF-76D3-9929-7563FF6B800E}"/>
               </a:ext>
             </a:extLst>
           </p:cNvPr>
@@ -14032,7 +14366,7 @@
           <p:cNvPr id="5" name="文本框 4">
             <a:extLst>
               <a:ext uri="{FF2B5EF4-FFF2-40B4-BE49-F238E27FC236}">
-                <a16:creationId xmlns:a16="http://schemas.microsoft.com/office/drawing/2014/main" id="{67EF5E8F-8C2B-FD83-0954-D60131F963FD}"/>
+                <a16:creationId xmlns:a16="http://schemas.microsoft.com/office/drawing/2014/main" id="{629AA790-E1EE-B707-B3D7-46E47370966A}"/>
               </a:ext>
             </a:extLst>
           </p:cNvPr>
@@ -14041,7 +14375,7 @@
         </p:nvSpPr>
         <p:spPr>
           <a:xfrm>
-            <a:off x="1699563" y="2921168"/>
+            <a:off x="1699561" y="1352970"/>
             <a:ext cx="8792873" cy="1015663"/>
           </a:xfrm>
           <a:prstGeom prst="rect">
@@ -14057,25 +14391,129 @@
           <a:p>
             <a:pPr algn="ctr"/>
             <a:r>
+              <a:rPr lang="zh-CN" altLang="en-US" sz="6000" dirty="0">
+                <a:latin typeface="+mj-ea"/>
+                <a:ea typeface="+mj-ea"/>
+              </a:rPr>
+              <a:t>用户界面（</a:t>
+            </a:r>
+            <a:r>
               <a:rPr lang="en-US" altLang="zh-CN" sz="6000" dirty="0">
                 <a:latin typeface="+mj-ea"/>
                 <a:ea typeface="+mj-ea"/>
               </a:rPr>
-              <a:t>Next.js</a:t>
-            </a:r>
-            <a:endParaRPr lang="zh-CN" altLang="en-US" sz="6000" dirty="0">
-              <a:latin typeface="+mj-ea"/>
-              <a:ea typeface="+mj-ea"/>
+              <a:t>UI</a:t>
+            </a:r>
+            <a:r>
+              <a:rPr lang="zh-CN" altLang="en-US" sz="6000" dirty="0">
+                <a:latin typeface="+mj-ea"/>
+                <a:ea typeface="+mj-ea"/>
+              </a:rPr>
+              <a:t>）</a:t>
+            </a:r>
+          </a:p>
+        </p:txBody>
+      </p:sp>
+      <p:sp>
+        <p:nvSpPr>
+          <p:cNvPr id="3" name="文本框 2">
+            <a:extLst>
+              <a:ext uri="{FF2B5EF4-FFF2-40B4-BE49-F238E27FC236}">
+                <a16:creationId xmlns:a16="http://schemas.microsoft.com/office/drawing/2014/main" id="{322F0D51-8737-BFDE-B91B-E81A87B543A5}"/>
+              </a:ext>
+            </a:extLst>
+          </p:cNvPr>
+          <p:cNvSpPr txBox="1"/>
+          <p:nvPr/>
+        </p:nvSpPr>
+        <p:spPr>
+          <a:xfrm>
+            <a:off x="797716" y="2368633"/>
+            <a:ext cx="10596562" cy="721736"/>
+          </a:xfrm>
+          <a:prstGeom prst="rect">
+            <a:avLst/>
+          </a:prstGeom>
+          <a:noFill/>
+        </p:spPr>
+        <p:txBody>
+          <a:bodyPr wrap="square" rtlCol="0">
+            <a:spAutoFit/>
+          </a:bodyPr>
+          <a:lstStyle/>
+          <a:p>
+            <a:pPr algn="ctr">
+              <a:lnSpc>
+                <a:spcPct val="200000"/>
+              </a:lnSpc>
+            </a:pPr>
+            <a:r>
+              <a:rPr lang="zh-CN" altLang="en-US" sz="2400" dirty="0">
+                <a:latin typeface="HarmonyOS Sans SC Medium" panose="00000600000000000000" pitchFamily="2" charset="-122"/>
+                <a:ea typeface="HarmonyOS Sans SC Medium" panose="00000600000000000000" pitchFamily="2" charset="-122"/>
+              </a:rPr>
+              <a:t>用户在屏幕上看到并与之交互的元素。</a:t>
+            </a:r>
+            <a:endParaRPr lang="zh-CN" altLang="en-US" sz="2400" dirty="0">
+              <a:latin typeface="HarmonyOS Sans SC Light" panose="00000400000000000000" pitchFamily="2" charset="-122"/>
+              <a:ea typeface="HarmonyOS Sans SC Light" panose="00000400000000000000" pitchFamily="2" charset="-122"/>
             </a:endParaRPr>
           </a:p>
         </p:txBody>
       </p:sp>
       <p:pic>
         <p:nvPicPr>
+          <p:cNvPr id="1026" name="Picture 2" descr="User Interface example showing a browser window with a navigation, a sidebar, and a list of posts">
+            <a:extLst>
+              <a:ext uri="{FF2B5EF4-FFF2-40B4-BE49-F238E27FC236}">
+                <a16:creationId xmlns:a16="http://schemas.microsoft.com/office/drawing/2014/main" id="{BB613176-00F8-23F8-FEC5-50135BB3D4DB}"/>
+              </a:ext>
+            </a:extLst>
+          </p:cNvPr>
+          <p:cNvPicPr>
+            <a:picLocks noChangeAspect="1" noChangeArrowheads="1"/>
+          </p:cNvPicPr>
+          <p:nvPr/>
+        </p:nvPicPr>
+        <p:blipFill>
+          <a:blip r:embed="rId2">
+            <a:extLst>
+              <a:ext uri="{28A0092B-C50C-407E-A947-70E740481C1C}">
+                <a14:useLocalDpi xmlns:a14="http://schemas.microsoft.com/office/drawing/2010/main" val="0"/>
+              </a:ext>
+            </a:extLst>
+          </a:blip>
+          <a:srcRect/>
+          <a:stretch>
+            <a:fillRect/>
+          </a:stretch>
+        </p:blipFill>
+        <p:spPr bwMode="auto">
+          <a:xfrm>
+            <a:off x="2360426" y="3429000"/>
+            <a:ext cx="7471144" cy="2671323"/>
+          </a:xfrm>
+          <a:prstGeom prst="rect">
+            <a:avLst/>
+          </a:prstGeom>
+          <a:noFill/>
+          <a:extLst>
+            <a:ext uri="{909E8E84-426E-40DD-AFC4-6F175D3DCCD1}">
+              <a14:hiddenFill xmlns:a14="http://schemas.microsoft.com/office/drawing/2010/main">
+                <a:solidFill>
+                  <a:srgbClr val="FFFFFF"/>
+                </a:solidFill>
+              </a14:hiddenFill>
+            </a:ext>
+          </a:extLst>
+        </p:spPr>
+      </p:pic>
+      <p:pic>
+        <p:nvPicPr>
           <p:cNvPr id="4" name="图片 3" descr="文本&#10;&#10;描述已自动生成">
             <a:extLst>
               <a:ext uri="{FF2B5EF4-FFF2-40B4-BE49-F238E27FC236}">
-                <a16:creationId xmlns:a16="http://schemas.microsoft.com/office/drawing/2014/main" id="{41BD99CE-8543-EBE4-7F47-C390B1DFBEA8}"/>
+                <a16:creationId xmlns:a16="http://schemas.microsoft.com/office/drawing/2014/main" id="{767635AA-DFA6-67D0-BDCD-D7DEDA5F5774}"/>
               </a:ext>
             </a:extLst>
           </p:cNvPr>
@@ -14085,7 +14523,7 @@
           <p:nvPr/>
         </p:nvPicPr>
         <p:blipFill>
-          <a:blip r:embed="rId2">
+          <a:blip r:embed="rId3">
             <a:extLst>
               <a:ext uri="{28A0092B-C50C-407E-A947-70E740481C1C}">
                 <a14:useLocalDpi xmlns:a14="http://schemas.microsoft.com/office/drawing/2010/main" val="0"/>
@@ -14110,7 +14548,7 @@
           <p:cNvPr id="7" name="组合 6">
             <a:extLst>
               <a:ext uri="{FF2B5EF4-FFF2-40B4-BE49-F238E27FC236}">
-                <a16:creationId xmlns:a16="http://schemas.microsoft.com/office/drawing/2014/main" id="{2362A935-6239-D984-00B4-C942BA0C03D2}"/>
+                <a16:creationId xmlns:a16="http://schemas.microsoft.com/office/drawing/2014/main" id="{192DDB68-0D0C-9EB5-6FEF-FA8EA63B729B}"/>
               </a:ext>
             </a:extLst>
           </p:cNvPr>
@@ -14130,7 +14568,7 @@
             <p:cNvPr id="8" name="直接连接符 7">
               <a:extLst>
                 <a:ext uri="{FF2B5EF4-FFF2-40B4-BE49-F238E27FC236}">
-                  <a16:creationId xmlns:a16="http://schemas.microsoft.com/office/drawing/2014/main" id="{FC8EFE0B-C7DC-EE9D-F4A9-9793D85765B7}"/>
+                  <a16:creationId xmlns:a16="http://schemas.microsoft.com/office/drawing/2014/main" id="{35711BAB-9384-081D-EA1B-1B975532BE99}"/>
                 </a:ext>
               </a:extLst>
             </p:cNvPr>
@@ -14173,7 +14611,7 @@
             <p:cNvPr id="9" name="直接连接符 8">
               <a:extLst>
                 <a:ext uri="{FF2B5EF4-FFF2-40B4-BE49-F238E27FC236}">
-                  <a16:creationId xmlns:a16="http://schemas.microsoft.com/office/drawing/2014/main" id="{85E690FC-683F-BD45-72A4-3CD259AD0CC5}"/>
+                  <a16:creationId xmlns:a16="http://schemas.microsoft.com/office/drawing/2014/main" id="{19761EC9-66CF-ED9E-B846-291FFF29914B}"/>
                 </a:ext>
               </a:extLst>
             </p:cNvPr>
@@ -14217,7 +14655,7 @@
           <p:cNvPr id="10" name="图片 9" descr="画着卡通人物&#10;&#10;中度可信度描述已自动生成">
             <a:extLst>
               <a:ext uri="{FF2B5EF4-FFF2-40B4-BE49-F238E27FC236}">
-                <a16:creationId xmlns:a16="http://schemas.microsoft.com/office/drawing/2014/main" id="{F344BC8C-01CC-5D3D-4D33-CAEB09BDA671}"/>
+                <a16:creationId xmlns:a16="http://schemas.microsoft.com/office/drawing/2014/main" id="{A8851C30-41F1-9184-961B-96FE09A31F6C}"/>
               </a:ext>
             </a:extLst>
           </p:cNvPr>
@@ -14227,7 +14665,7 @@
           <p:nvPr/>
         </p:nvPicPr>
         <p:blipFill>
-          <a:blip r:embed="rId3">
+          <a:blip r:embed="rId4">
             <a:extLst>
               <a:ext uri="{28A0092B-C50C-407E-A947-70E740481C1C}">
                 <a14:useLocalDpi xmlns:a14="http://schemas.microsoft.com/office/drawing/2010/main" val="0"/>
@@ -14251,7 +14689,7 @@
     </p:spTree>
     <p:extLst>
       <p:ext uri="{BB962C8B-B14F-4D97-AF65-F5344CB8AC3E}">
-        <p14:creationId xmlns:p14="http://schemas.microsoft.com/office/powerpoint/2010/main" val="1158315764"/>
+        <p14:creationId xmlns:p14="http://schemas.microsoft.com/office/powerpoint/2010/main" val="3991728683"/>
       </p:ext>
     </p:extLst>
   </p:cSld>
